--- a/Introduction to Database Systems.pptx
+++ b/Introduction to Database Systems.pptx
@@ -5,7 +5,7 @@
     <p:sldMasterId id="2147483648" r:id="rId1"/>
   </p:sldMasterIdLst>
   <p:notesMasterIdLst>
-    <p:notesMasterId r:id="rId15"/>
+    <p:notesMasterId r:id="rId24"/>
   </p:notesMasterIdLst>
   <p:sldIdLst>
     <p:sldId id="256" r:id="rId2"/>
@@ -21,6 +21,15 @@
     <p:sldId id="266" r:id="rId12"/>
     <p:sldId id="267" r:id="rId13"/>
     <p:sldId id="268" r:id="rId14"/>
+    <p:sldId id="269" r:id="rId15"/>
+    <p:sldId id="270" r:id="rId16"/>
+    <p:sldId id="271" r:id="rId17"/>
+    <p:sldId id="272" r:id="rId18"/>
+    <p:sldId id="273" r:id="rId19"/>
+    <p:sldId id="274" r:id="rId20"/>
+    <p:sldId id="275" r:id="rId21"/>
+    <p:sldId id="276" r:id="rId22"/>
+    <p:sldId id="277" r:id="rId23"/>
   </p:sldIdLst>
   <p:sldSz cx="12192000" cy="6858000"/>
   <p:notesSz cx="6858000" cy="9144000"/>
@@ -4565,7 +4574,10 @@
           <a:bodyPr/>
           <a:lstStyle/>
           <a:p>
-            <a:endParaRPr lang="en-IN"/>
+            <a:r>
+              <a:rPr lang="en-GB" b="1" dirty="0"/>
+              <a:t>What is Data?</a:t>
+            </a:r>
           </a:p>
         </p:txBody>
       </p:sp>
@@ -4590,7 +4602,22 @@
           <a:bodyPr/>
           <a:lstStyle/>
           <a:p>
-            <a:endParaRPr lang="en-IN"/>
+            <a:r>
+              <a:rPr lang="en-GB" dirty="0"/>
+              <a:t>Data is a collection of a distinct small unit of information. It can be used in a variety of forms like text, numbers, media, bytes, etc. it can be stored in pieces of paper or electronic memory, etc. </a:t>
+            </a:r>
+          </a:p>
+          <a:p>
+            <a:r>
+              <a:rPr lang="en-GB" dirty="0"/>
+              <a:t>Word 'Data' is originated from the word 'datum' that means 'single piece of information.' It is plural of the word datum. </a:t>
+            </a:r>
+          </a:p>
+          <a:p>
+            <a:r>
+              <a:rPr lang="en-GB" dirty="0"/>
+              <a:t>In computing, Data is information that can be translated into a form for efficient movement and processing. Data is interchangeable.</a:t>
+            </a:r>
           </a:p>
         </p:txBody>
       </p:sp>
@@ -4598,6 +4625,3762 @@
     <p:extLst>
       <p:ext uri="{BB962C8B-B14F-4D97-AF65-F5344CB8AC3E}">
         <p14:creationId xmlns:p14="http://schemas.microsoft.com/office/powerpoint/2010/main" val="3090191424"/>
+      </p:ext>
+    </p:extLst>
+  </p:cSld>
+  <p:clrMapOvr>
+    <a:masterClrMapping/>
+  </p:clrMapOvr>
+</p:sld>
+</file>
+
+<file path=ppt/slides/slide14.xml><?xml version="1.0" encoding="utf-8"?>
+<p:sld xmlns:a="http://schemas.openxmlformats.org/drawingml/2006/main" xmlns:r="http://schemas.openxmlformats.org/officeDocument/2006/relationships" xmlns:p="http://schemas.openxmlformats.org/presentationml/2006/main">
+  <p:cSld>
+    <p:spTree>
+      <p:nvGrpSpPr>
+        <p:cNvPr id="1" name=""/>
+        <p:cNvGrpSpPr/>
+        <p:nvPr/>
+      </p:nvGrpSpPr>
+      <p:grpSpPr>
+        <a:xfrm>
+          <a:off x="0" y="0"/>
+          <a:ext cx="0" cy="0"/>
+          <a:chOff x="0" y="0"/>
+          <a:chExt cx="0" cy="0"/>
+        </a:xfrm>
+      </p:grpSpPr>
+      <p:sp>
+        <p:nvSpPr>
+          <p:cNvPr id="2" name="Title 1">
+            <a:extLst>
+              <a:ext uri="{FF2B5EF4-FFF2-40B4-BE49-F238E27FC236}">
+                <a16:creationId xmlns:a16="http://schemas.microsoft.com/office/drawing/2014/main" id="{C8816A18-C0F8-426A-B576-188BECB1FC8A}"/>
+              </a:ext>
+            </a:extLst>
+          </p:cNvPr>
+          <p:cNvSpPr>
+            <a:spLocks noGrp="1"/>
+          </p:cNvSpPr>
+          <p:nvPr>
+            <p:ph type="title"/>
+          </p:nvPr>
+        </p:nvSpPr>
+        <p:spPr/>
+        <p:txBody>
+          <a:bodyPr/>
+          <a:lstStyle/>
+          <a:p>
+            <a:r>
+              <a:rPr lang="en-GB" b="1" dirty="0"/>
+              <a:t>What is Database?</a:t>
+            </a:r>
+            <a:br>
+              <a:rPr lang="en-GB" b="1" dirty="0"/>
+            </a:br>
+            <a:endParaRPr lang="en-IN" dirty="0"/>
+          </a:p>
+        </p:txBody>
+      </p:sp>
+      <p:sp>
+        <p:nvSpPr>
+          <p:cNvPr id="3" name="Content Placeholder 2">
+            <a:extLst>
+              <a:ext uri="{FF2B5EF4-FFF2-40B4-BE49-F238E27FC236}">
+                <a16:creationId xmlns:a16="http://schemas.microsoft.com/office/drawing/2014/main" id="{14DFC37C-8F5C-4716-BC77-456F4923F4BB}"/>
+              </a:ext>
+            </a:extLst>
+          </p:cNvPr>
+          <p:cNvSpPr>
+            <a:spLocks noGrp="1"/>
+          </p:cNvSpPr>
+          <p:nvPr>
+            <p:ph idx="1"/>
+          </p:nvPr>
+        </p:nvSpPr>
+        <p:spPr/>
+        <p:txBody>
+          <a:bodyPr>
+            <a:normAutofit fontScale="70000" lnSpcReduction="20000"/>
+          </a:bodyPr>
+          <a:lstStyle/>
+          <a:p>
+            <a:r>
+              <a:rPr lang="en-GB" dirty="0"/>
+              <a:t>A </a:t>
+            </a:r>
+            <a:r>
+              <a:rPr lang="en-GB" b="1" dirty="0"/>
+              <a:t>database</a:t>
+            </a:r>
+            <a:r>
+              <a:rPr lang="en-GB" dirty="0"/>
+              <a:t> is an organized collection of data, so that it can be easily accessed and managed.</a:t>
+            </a:r>
+          </a:p>
+          <a:p>
+            <a:r>
+              <a:rPr lang="en-GB" dirty="0"/>
+              <a:t>You can organize data into tables, rows, columns, and index it to make it easier to find relevant information.</a:t>
+            </a:r>
+          </a:p>
+          <a:p>
+            <a:r>
+              <a:rPr lang="en-GB" b="1" dirty="0"/>
+              <a:t>Database handlers</a:t>
+            </a:r>
+            <a:r>
+              <a:rPr lang="en-GB" dirty="0"/>
+              <a:t> create a database in such a way that only one set of software program provides access of data to all the users. </a:t>
+            </a:r>
+          </a:p>
+          <a:p>
+            <a:r>
+              <a:rPr lang="en-GB" dirty="0"/>
+              <a:t>The </a:t>
+            </a:r>
+            <a:r>
+              <a:rPr lang="en-GB" b="1" dirty="0"/>
+              <a:t>main purpose</a:t>
+            </a:r>
+            <a:r>
+              <a:rPr lang="en-GB" dirty="0"/>
+              <a:t> of the database is to operate a large amount of information by storing, retrieving, and managing data. </a:t>
+            </a:r>
+          </a:p>
+          <a:p>
+            <a:r>
+              <a:rPr lang="en-GB" dirty="0"/>
+              <a:t>There are many </a:t>
+            </a:r>
+            <a:r>
+              <a:rPr lang="en-GB" b="1" dirty="0"/>
+              <a:t>dynamic websites</a:t>
+            </a:r>
+            <a:r>
+              <a:rPr lang="en-GB" dirty="0"/>
+              <a:t> on the World Wide Web nowadays which are handled through databases. For example, a model that checks the availability of rooms in a hotel. It is an example of a dynamic website that uses a database. </a:t>
+            </a:r>
+          </a:p>
+          <a:p>
+            <a:r>
+              <a:rPr lang="en-GB" dirty="0"/>
+              <a:t>There are many </a:t>
+            </a:r>
+            <a:r>
+              <a:rPr lang="en-GB" b="1" dirty="0"/>
+              <a:t>databases available</a:t>
+            </a:r>
+            <a:r>
+              <a:rPr lang="en-GB" dirty="0"/>
+              <a:t> like MySQL, Sybase, Oracle, MongoDB, Informix, PostgreSQL, SQL Server, etc. </a:t>
+            </a:r>
+          </a:p>
+          <a:p>
+            <a:r>
+              <a:rPr lang="en-GB" dirty="0"/>
+              <a:t>Modern databases are managed by the database management system (DBMS).</a:t>
+            </a:r>
+          </a:p>
+          <a:p>
+            <a:r>
+              <a:rPr lang="en-GB" b="1" dirty="0"/>
+              <a:t>SQL</a:t>
+            </a:r>
+            <a:r>
+              <a:rPr lang="en-GB" dirty="0"/>
+              <a:t> or Structured Query Language is used to operate on the data stored in a database. SQL depends on relational algebra and tuple relational calculus. </a:t>
+            </a:r>
+          </a:p>
+          <a:p>
+            <a:endParaRPr lang="en-IN" dirty="0"/>
+          </a:p>
+        </p:txBody>
+      </p:sp>
+    </p:spTree>
+    <p:extLst>
+      <p:ext uri="{BB962C8B-B14F-4D97-AF65-F5344CB8AC3E}">
+        <p14:creationId xmlns:p14="http://schemas.microsoft.com/office/powerpoint/2010/main" val="1375433781"/>
+      </p:ext>
+    </p:extLst>
+  </p:cSld>
+  <p:clrMapOvr>
+    <a:masterClrMapping/>
+  </p:clrMapOvr>
+</p:sld>
+</file>
+
+<file path=ppt/slides/slide15.xml><?xml version="1.0" encoding="utf-8"?>
+<p:sld xmlns:a="http://schemas.openxmlformats.org/drawingml/2006/main" xmlns:r="http://schemas.openxmlformats.org/officeDocument/2006/relationships" xmlns:p="http://schemas.openxmlformats.org/presentationml/2006/main">
+  <p:cSld>
+    <p:spTree>
+      <p:nvGrpSpPr>
+        <p:cNvPr id="1" name=""/>
+        <p:cNvGrpSpPr/>
+        <p:nvPr/>
+      </p:nvGrpSpPr>
+      <p:grpSpPr>
+        <a:xfrm>
+          <a:off x="0" y="0"/>
+          <a:ext cx="0" cy="0"/>
+          <a:chOff x="0" y="0"/>
+          <a:chExt cx="0" cy="0"/>
+        </a:xfrm>
+      </p:grpSpPr>
+      <p:sp>
+        <p:nvSpPr>
+          <p:cNvPr id="2" name="Title 1">
+            <a:extLst>
+              <a:ext uri="{FF2B5EF4-FFF2-40B4-BE49-F238E27FC236}">
+                <a16:creationId xmlns:a16="http://schemas.microsoft.com/office/drawing/2014/main" id="{D26F9DA9-6128-4A71-8E4B-D4F25E90475D}"/>
+              </a:ext>
+            </a:extLst>
+          </p:cNvPr>
+          <p:cNvSpPr>
+            <a:spLocks noGrp="1"/>
+          </p:cNvSpPr>
+          <p:nvPr>
+            <p:ph type="title"/>
+          </p:nvPr>
+        </p:nvSpPr>
+        <p:spPr/>
+        <p:txBody>
+          <a:bodyPr/>
+          <a:lstStyle/>
+          <a:p>
+            <a:r>
+              <a:rPr lang="en-GB" dirty="0"/>
+              <a:t>DBMS Architecture</a:t>
+            </a:r>
+            <a:endParaRPr lang="en-IN" dirty="0"/>
+          </a:p>
+        </p:txBody>
+      </p:sp>
+      <p:graphicFrame>
+        <p:nvGraphicFramePr>
+          <p:cNvPr id="4" name="Content Placeholder 3">
+            <a:extLst>
+              <a:ext uri="{FF2B5EF4-FFF2-40B4-BE49-F238E27FC236}">
+                <a16:creationId xmlns:a16="http://schemas.microsoft.com/office/drawing/2014/main" id="{92631E0F-13E6-496E-93D9-9610BC207EC9}"/>
+              </a:ext>
+            </a:extLst>
+          </p:cNvPr>
+          <p:cNvGraphicFramePr>
+            <a:graphicFrameLocks noGrp="1"/>
+          </p:cNvGraphicFramePr>
+          <p:nvPr>
+            <p:ph idx="1"/>
+            <p:extLst>
+              <p:ext uri="{D42A27DB-BD31-4B8C-83A1-F6EECF244321}">
+                <p14:modId xmlns:p14="http://schemas.microsoft.com/office/powerpoint/2010/main" val="1432744608"/>
+              </p:ext>
+            </p:extLst>
+          </p:nvPr>
+        </p:nvGraphicFramePr>
+        <p:xfrm>
+          <a:off x="2798618" y="2373745"/>
+          <a:ext cx="4974417" cy="2087925"/>
+        </p:xfrm>
+        <a:graphic>
+          <a:graphicData uri="http://schemas.openxmlformats.org/drawingml/2006/table">
+            <a:tbl>
+              <a:tblPr/>
+              <a:tblGrid>
+                <a:gridCol w="717627">
+                  <a:extLst>
+                    <a:ext uri="{9D8B030D-6E8A-4147-A177-3AD203B41FA5}">
+                      <a16:colId xmlns:a16="http://schemas.microsoft.com/office/drawing/2014/main" val="3880594250"/>
+                    </a:ext>
+                  </a:extLst>
+                </a:gridCol>
+                <a:gridCol w="4256790">
+                  <a:extLst>
+                    <a:ext uri="{9D8B030D-6E8A-4147-A177-3AD203B41FA5}">
+                      <a16:colId xmlns:a16="http://schemas.microsoft.com/office/drawing/2014/main" val="2296411283"/>
+                    </a:ext>
+                  </a:extLst>
+                </a:gridCol>
+              </a:tblGrid>
+              <a:tr h="417585">
+                <a:tc>
+                  <a:txBody>
+                    <a:bodyPr/>
+                    <a:lstStyle/>
+                    <a:p>
+                      <a:pPr algn="r"/>
+                      <a:r>
+                        <a:rPr lang="en-IN" sz="900">
+                          <a:solidFill>
+                            <a:srgbClr val="000000"/>
+                          </a:solidFill>
+                          <a:effectLst/>
+                        </a:rPr>
+                        <a:t>888409</a:t>
+                      </a:r>
+                      <a:endParaRPr lang="en-IN">
+                        <a:effectLst/>
+                      </a:endParaRPr>
+                    </a:p>
+                  </a:txBody>
+                  <a:tcPr marL="68580" marR="68580" marT="0" marB="0" anchor="b">
+                    <a:lnL w="12700" cap="flat" cmpd="sng" algn="ctr">
+                      <a:solidFill>
+                        <a:srgbClr val="000000"/>
+                      </a:solidFill>
+                      <a:prstDash val="solid"/>
+                      <a:round/>
+                      <a:headEnd type="none" w="med" len="med"/>
+                      <a:tailEnd type="none" w="med" len="med"/>
+                    </a:lnL>
+                    <a:lnR w="12700" cap="flat" cmpd="sng" algn="ctr">
+                      <a:solidFill>
+                        <a:srgbClr val="000000"/>
+                      </a:solidFill>
+                      <a:prstDash val="solid"/>
+                      <a:round/>
+                      <a:headEnd type="none" w="med" len="med"/>
+                      <a:tailEnd type="none" w="med" len="med"/>
+                    </a:lnR>
+                    <a:lnT>
+                      <a:noFill/>
+                    </a:lnT>
+                    <a:lnB w="12700" cap="flat" cmpd="sng" algn="ctr">
+                      <a:solidFill>
+                        <a:srgbClr val="000000"/>
+                      </a:solidFill>
+                      <a:prstDash val="solid"/>
+                      <a:round/>
+                      <a:headEnd type="none" w="med" len="med"/>
+                      <a:tailEnd type="none" w="med" len="med"/>
+                    </a:lnB>
+                  </a:tcPr>
+                </a:tc>
+                <a:tc>
+                  <a:txBody>
+                    <a:bodyPr/>
+                    <a:lstStyle/>
+                    <a:p>
+                      <a:r>
+                        <a:rPr lang="en-IN" sz="900">
+                          <a:solidFill>
+                            <a:srgbClr val="000000"/>
+                          </a:solidFill>
+                          <a:effectLst/>
+                        </a:rPr>
+                        <a:t>Keerthana </a:t>
+                      </a:r>
+                      <a:endParaRPr lang="en-IN">
+                        <a:effectLst/>
+                      </a:endParaRPr>
+                    </a:p>
+                  </a:txBody>
+                  <a:tcPr marL="68580" marR="68580" marT="0" marB="0" anchor="b">
+                    <a:lnL w="12700" cap="flat" cmpd="sng" algn="ctr">
+                      <a:solidFill>
+                        <a:srgbClr val="000000"/>
+                      </a:solidFill>
+                      <a:prstDash val="solid"/>
+                      <a:round/>
+                      <a:headEnd type="none" w="med" len="med"/>
+                      <a:tailEnd type="none" w="med" len="med"/>
+                    </a:lnL>
+                    <a:lnR w="12700" cap="flat" cmpd="sng" algn="ctr">
+                      <a:solidFill>
+                        <a:srgbClr val="000000"/>
+                      </a:solidFill>
+                      <a:prstDash val="solid"/>
+                      <a:round/>
+                      <a:headEnd type="none" w="med" len="med"/>
+                      <a:tailEnd type="none" w="med" len="med"/>
+                    </a:lnR>
+                    <a:lnT>
+                      <a:noFill/>
+                    </a:lnT>
+                    <a:lnB w="12700" cap="flat" cmpd="sng" algn="ctr">
+                      <a:solidFill>
+                        <a:srgbClr val="000000"/>
+                      </a:solidFill>
+                      <a:prstDash val="solid"/>
+                      <a:round/>
+                      <a:headEnd type="none" w="med" len="med"/>
+                      <a:tailEnd type="none" w="med" len="med"/>
+                    </a:lnB>
+                  </a:tcPr>
+                </a:tc>
+                <a:extLst>
+                  <a:ext uri="{0D108BD9-81ED-4DB2-BD59-A6C34878D82A}">
+                    <a16:rowId xmlns:a16="http://schemas.microsoft.com/office/drawing/2014/main" val="3620550489"/>
+                  </a:ext>
+                </a:extLst>
+              </a:tr>
+              <a:tr h="417585">
+                <a:tc>
+                  <a:txBody>
+                    <a:bodyPr/>
+                    <a:lstStyle/>
+                    <a:p>
+                      <a:pPr algn="r"/>
+                      <a:r>
+                        <a:rPr lang="en-IN" sz="900">
+                          <a:solidFill>
+                            <a:srgbClr val="000000"/>
+                          </a:solidFill>
+                          <a:effectLst/>
+                        </a:rPr>
+                        <a:t>888038</a:t>
+                      </a:r>
+                      <a:endParaRPr lang="en-IN">
+                        <a:effectLst/>
+                      </a:endParaRPr>
+                    </a:p>
+                  </a:txBody>
+                  <a:tcPr marL="68580" marR="68580" marT="0" marB="0" anchor="b">
+                    <a:lnL w="12700" cap="flat" cmpd="sng" algn="ctr">
+                      <a:solidFill>
+                        <a:srgbClr val="000000"/>
+                      </a:solidFill>
+                      <a:prstDash val="solid"/>
+                      <a:round/>
+                      <a:headEnd type="none" w="med" len="med"/>
+                      <a:tailEnd type="none" w="med" len="med"/>
+                    </a:lnL>
+                    <a:lnR w="12700" cap="flat" cmpd="sng" algn="ctr">
+                      <a:solidFill>
+                        <a:srgbClr val="000000"/>
+                      </a:solidFill>
+                      <a:prstDash val="solid"/>
+                      <a:round/>
+                      <a:headEnd type="none" w="med" len="med"/>
+                      <a:tailEnd type="none" w="med" len="med"/>
+                    </a:lnR>
+                    <a:lnT w="12700" cap="flat" cmpd="sng" algn="ctr">
+                      <a:solidFill>
+                        <a:srgbClr val="000000"/>
+                      </a:solidFill>
+                      <a:prstDash val="solid"/>
+                      <a:round/>
+                      <a:headEnd type="none" w="med" len="med"/>
+                      <a:tailEnd type="none" w="med" len="med"/>
+                    </a:lnT>
+                    <a:lnB w="12700" cap="flat" cmpd="sng" algn="ctr">
+                      <a:solidFill>
+                        <a:srgbClr val="000000"/>
+                      </a:solidFill>
+                      <a:prstDash val="solid"/>
+                      <a:round/>
+                      <a:headEnd type="none" w="med" len="med"/>
+                      <a:tailEnd type="none" w="med" len="med"/>
+                    </a:lnB>
+                  </a:tcPr>
+                </a:tc>
+                <a:tc>
+                  <a:txBody>
+                    <a:bodyPr/>
+                    <a:lstStyle/>
+                    <a:p>
+                      <a:r>
+                        <a:rPr lang="en-IN" sz="900">
+                          <a:solidFill>
+                            <a:srgbClr val="000000"/>
+                          </a:solidFill>
+                          <a:effectLst/>
+                        </a:rPr>
+                        <a:t>Mithapani Asheena Tanvi Abdul</a:t>
+                      </a:r>
+                      <a:endParaRPr lang="en-IN">
+                        <a:effectLst/>
+                      </a:endParaRPr>
+                    </a:p>
+                  </a:txBody>
+                  <a:tcPr marL="68580" marR="68580" marT="0" marB="0" anchor="b">
+                    <a:lnL w="12700" cap="flat" cmpd="sng" algn="ctr">
+                      <a:solidFill>
+                        <a:srgbClr val="000000"/>
+                      </a:solidFill>
+                      <a:prstDash val="solid"/>
+                      <a:round/>
+                      <a:headEnd type="none" w="med" len="med"/>
+                      <a:tailEnd type="none" w="med" len="med"/>
+                    </a:lnL>
+                    <a:lnR w="12700" cap="flat" cmpd="sng" algn="ctr">
+                      <a:solidFill>
+                        <a:srgbClr val="000000"/>
+                      </a:solidFill>
+                      <a:prstDash val="solid"/>
+                      <a:round/>
+                      <a:headEnd type="none" w="med" len="med"/>
+                      <a:tailEnd type="none" w="med" len="med"/>
+                    </a:lnR>
+                    <a:lnT w="12700" cap="flat" cmpd="sng" algn="ctr">
+                      <a:solidFill>
+                        <a:srgbClr val="000000"/>
+                      </a:solidFill>
+                      <a:prstDash val="solid"/>
+                      <a:round/>
+                      <a:headEnd type="none" w="med" len="med"/>
+                      <a:tailEnd type="none" w="med" len="med"/>
+                    </a:lnT>
+                    <a:lnB w="12700" cap="flat" cmpd="sng" algn="ctr">
+                      <a:solidFill>
+                        <a:srgbClr val="000000"/>
+                      </a:solidFill>
+                      <a:prstDash val="solid"/>
+                      <a:round/>
+                      <a:headEnd type="none" w="med" len="med"/>
+                      <a:tailEnd type="none" w="med" len="med"/>
+                    </a:lnB>
+                  </a:tcPr>
+                </a:tc>
+                <a:extLst>
+                  <a:ext uri="{0D108BD9-81ED-4DB2-BD59-A6C34878D82A}">
+                    <a16:rowId xmlns:a16="http://schemas.microsoft.com/office/drawing/2014/main" val="3807147789"/>
+                  </a:ext>
+                </a:extLst>
+              </a:tr>
+              <a:tr h="417585">
+                <a:tc>
+                  <a:txBody>
+                    <a:bodyPr/>
+                    <a:lstStyle/>
+                    <a:p>
+                      <a:pPr algn="r"/>
+                      <a:r>
+                        <a:rPr lang="en-IN" sz="900">
+                          <a:solidFill>
+                            <a:srgbClr val="000000"/>
+                          </a:solidFill>
+                          <a:effectLst/>
+                        </a:rPr>
+                        <a:t>888429</a:t>
+                      </a:r>
+                      <a:endParaRPr lang="en-IN">
+                        <a:effectLst/>
+                      </a:endParaRPr>
+                    </a:p>
+                  </a:txBody>
+                  <a:tcPr marL="68580" marR="68580" marT="0" marB="0" anchor="b">
+                    <a:lnL w="12700" cap="flat" cmpd="sng" algn="ctr">
+                      <a:solidFill>
+                        <a:srgbClr val="000000"/>
+                      </a:solidFill>
+                      <a:prstDash val="solid"/>
+                      <a:round/>
+                      <a:headEnd type="none" w="med" len="med"/>
+                      <a:tailEnd type="none" w="med" len="med"/>
+                    </a:lnL>
+                    <a:lnR w="12700" cap="flat" cmpd="sng" algn="ctr">
+                      <a:solidFill>
+                        <a:srgbClr val="000000"/>
+                      </a:solidFill>
+                      <a:prstDash val="solid"/>
+                      <a:round/>
+                      <a:headEnd type="none" w="med" len="med"/>
+                      <a:tailEnd type="none" w="med" len="med"/>
+                    </a:lnR>
+                    <a:lnT w="12700" cap="flat" cmpd="sng" algn="ctr">
+                      <a:solidFill>
+                        <a:srgbClr val="000000"/>
+                      </a:solidFill>
+                      <a:prstDash val="solid"/>
+                      <a:round/>
+                      <a:headEnd type="none" w="med" len="med"/>
+                      <a:tailEnd type="none" w="med" len="med"/>
+                    </a:lnT>
+                    <a:lnB w="12700" cap="flat" cmpd="sng" algn="ctr">
+                      <a:solidFill>
+                        <a:srgbClr val="000000"/>
+                      </a:solidFill>
+                      <a:prstDash val="solid"/>
+                      <a:round/>
+                      <a:headEnd type="none" w="med" len="med"/>
+                      <a:tailEnd type="none" w="med" len="med"/>
+                    </a:lnB>
+                  </a:tcPr>
+                </a:tc>
+                <a:tc>
+                  <a:txBody>
+                    <a:bodyPr/>
+                    <a:lstStyle/>
+                    <a:p>
+                      <a:r>
+                        <a:rPr lang="en-IN" sz="900">
+                          <a:solidFill>
+                            <a:srgbClr val="000000"/>
+                          </a:solidFill>
+                          <a:effectLst/>
+                        </a:rPr>
+                        <a:t>Arungandhi </a:t>
+                      </a:r>
+                      <a:endParaRPr lang="en-IN">
+                        <a:effectLst/>
+                      </a:endParaRPr>
+                    </a:p>
+                  </a:txBody>
+                  <a:tcPr marL="68580" marR="68580" marT="0" marB="0" anchor="b">
+                    <a:lnL w="12700" cap="flat" cmpd="sng" algn="ctr">
+                      <a:solidFill>
+                        <a:srgbClr val="000000"/>
+                      </a:solidFill>
+                      <a:prstDash val="solid"/>
+                      <a:round/>
+                      <a:headEnd type="none" w="med" len="med"/>
+                      <a:tailEnd type="none" w="med" len="med"/>
+                    </a:lnL>
+                    <a:lnR w="12700" cap="flat" cmpd="sng" algn="ctr">
+                      <a:solidFill>
+                        <a:srgbClr val="000000"/>
+                      </a:solidFill>
+                      <a:prstDash val="solid"/>
+                      <a:round/>
+                      <a:headEnd type="none" w="med" len="med"/>
+                      <a:tailEnd type="none" w="med" len="med"/>
+                    </a:lnR>
+                    <a:lnT w="12700" cap="flat" cmpd="sng" algn="ctr">
+                      <a:solidFill>
+                        <a:srgbClr val="000000"/>
+                      </a:solidFill>
+                      <a:prstDash val="solid"/>
+                      <a:round/>
+                      <a:headEnd type="none" w="med" len="med"/>
+                      <a:tailEnd type="none" w="med" len="med"/>
+                    </a:lnT>
+                    <a:lnB w="12700" cap="flat" cmpd="sng" algn="ctr">
+                      <a:solidFill>
+                        <a:srgbClr val="000000"/>
+                      </a:solidFill>
+                      <a:prstDash val="solid"/>
+                      <a:round/>
+                      <a:headEnd type="none" w="med" len="med"/>
+                      <a:tailEnd type="none" w="med" len="med"/>
+                    </a:lnB>
+                  </a:tcPr>
+                </a:tc>
+                <a:extLst>
+                  <a:ext uri="{0D108BD9-81ED-4DB2-BD59-A6C34878D82A}">
+                    <a16:rowId xmlns:a16="http://schemas.microsoft.com/office/drawing/2014/main" val="755208103"/>
+                  </a:ext>
+                </a:extLst>
+              </a:tr>
+              <a:tr h="417585">
+                <a:tc>
+                  <a:txBody>
+                    <a:bodyPr/>
+                    <a:lstStyle/>
+                    <a:p>
+                      <a:pPr algn="r"/>
+                      <a:r>
+                        <a:rPr lang="en-IN" sz="900">
+                          <a:solidFill>
+                            <a:srgbClr val="000000"/>
+                          </a:solidFill>
+                          <a:effectLst/>
+                        </a:rPr>
+                        <a:t>888430</a:t>
+                      </a:r>
+                      <a:endParaRPr lang="en-IN">
+                        <a:effectLst/>
+                      </a:endParaRPr>
+                    </a:p>
+                  </a:txBody>
+                  <a:tcPr marL="68580" marR="68580" marT="0" marB="0" anchor="b">
+                    <a:lnL w="12700" cap="flat" cmpd="sng" algn="ctr">
+                      <a:solidFill>
+                        <a:srgbClr val="000000"/>
+                      </a:solidFill>
+                      <a:prstDash val="solid"/>
+                      <a:round/>
+                      <a:headEnd type="none" w="med" len="med"/>
+                      <a:tailEnd type="none" w="med" len="med"/>
+                    </a:lnL>
+                    <a:lnR w="12700" cap="flat" cmpd="sng" algn="ctr">
+                      <a:solidFill>
+                        <a:srgbClr val="000000"/>
+                      </a:solidFill>
+                      <a:prstDash val="solid"/>
+                      <a:round/>
+                      <a:headEnd type="none" w="med" len="med"/>
+                      <a:tailEnd type="none" w="med" len="med"/>
+                    </a:lnR>
+                    <a:lnT w="12700" cap="flat" cmpd="sng" algn="ctr">
+                      <a:solidFill>
+                        <a:srgbClr val="000000"/>
+                      </a:solidFill>
+                      <a:prstDash val="solid"/>
+                      <a:round/>
+                      <a:headEnd type="none" w="med" len="med"/>
+                      <a:tailEnd type="none" w="med" len="med"/>
+                    </a:lnT>
+                    <a:lnB w="12700" cap="flat" cmpd="sng" algn="ctr">
+                      <a:solidFill>
+                        <a:srgbClr val="000000"/>
+                      </a:solidFill>
+                      <a:prstDash val="solid"/>
+                      <a:round/>
+                      <a:headEnd type="none" w="med" len="med"/>
+                      <a:tailEnd type="none" w="med" len="med"/>
+                    </a:lnB>
+                  </a:tcPr>
+                </a:tc>
+                <a:tc>
+                  <a:txBody>
+                    <a:bodyPr/>
+                    <a:lstStyle/>
+                    <a:p>
+                      <a:r>
+                        <a:rPr lang="en-IN" sz="900">
+                          <a:solidFill>
+                            <a:srgbClr val="000000"/>
+                          </a:solidFill>
+                          <a:effectLst/>
+                        </a:rPr>
+                        <a:t>Sakthiudhayakumari.S </a:t>
+                      </a:r>
+                      <a:endParaRPr lang="en-IN">
+                        <a:effectLst/>
+                      </a:endParaRPr>
+                    </a:p>
+                  </a:txBody>
+                  <a:tcPr marL="68580" marR="68580" marT="0" marB="0" anchor="b">
+                    <a:lnL w="12700" cap="flat" cmpd="sng" algn="ctr">
+                      <a:solidFill>
+                        <a:srgbClr val="000000"/>
+                      </a:solidFill>
+                      <a:prstDash val="solid"/>
+                      <a:round/>
+                      <a:headEnd type="none" w="med" len="med"/>
+                      <a:tailEnd type="none" w="med" len="med"/>
+                    </a:lnL>
+                    <a:lnR w="12700" cap="flat" cmpd="sng" algn="ctr">
+                      <a:solidFill>
+                        <a:srgbClr val="000000"/>
+                      </a:solidFill>
+                      <a:prstDash val="solid"/>
+                      <a:round/>
+                      <a:headEnd type="none" w="med" len="med"/>
+                      <a:tailEnd type="none" w="med" len="med"/>
+                    </a:lnR>
+                    <a:lnT w="12700" cap="flat" cmpd="sng" algn="ctr">
+                      <a:solidFill>
+                        <a:srgbClr val="000000"/>
+                      </a:solidFill>
+                      <a:prstDash val="solid"/>
+                      <a:round/>
+                      <a:headEnd type="none" w="med" len="med"/>
+                      <a:tailEnd type="none" w="med" len="med"/>
+                    </a:lnT>
+                    <a:lnB w="12700" cap="flat" cmpd="sng" algn="ctr">
+                      <a:solidFill>
+                        <a:srgbClr val="000000"/>
+                      </a:solidFill>
+                      <a:prstDash val="solid"/>
+                      <a:round/>
+                      <a:headEnd type="none" w="med" len="med"/>
+                      <a:tailEnd type="none" w="med" len="med"/>
+                    </a:lnB>
+                  </a:tcPr>
+                </a:tc>
+                <a:extLst>
+                  <a:ext uri="{0D108BD9-81ED-4DB2-BD59-A6C34878D82A}">
+                    <a16:rowId xmlns:a16="http://schemas.microsoft.com/office/drawing/2014/main" val="623433410"/>
+                  </a:ext>
+                </a:extLst>
+              </a:tr>
+              <a:tr h="417585">
+                <a:tc>
+                  <a:txBody>
+                    <a:bodyPr/>
+                    <a:lstStyle/>
+                    <a:p>
+                      <a:pPr algn="r"/>
+                      <a:r>
+                        <a:rPr lang="en-IN" sz="900">
+                          <a:solidFill>
+                            <a:srgbClr val="000000"/>
+                          </a:solidFill>
+                          <a:effectLst/>
+                        </a:rPr>
+                        <a:t>888060</a:t>
+                      </a:r>
+                      <a:endParaRPr lang="en-IN">
+                        <a:effectLst/>
+                      </a:endParaRPr>
+                    </a:p>
+                  </a:txBody>
+                  <a:tcPr marL="68580" marR="68580" marT="0" marB="0" anchor="b">
+                    <a:lnL w="12700" cap="flat" cmpd="sng" algn="ctr">
+                      <a:solidFill>
+                        <a:srgbClr val="000000"/>
+                      </a:solidFill>
+                      <a:prstDash val="solid"/>
+                      <a:round/>
+                      <a:headEnd type="none" w="med" len="med"/>
+                      <a:tailEnd type="none" w="med" len="med"/>
+                    </a:lnL>
+                    <a:lnR w="12700" cap="flat" cmpd="sng" algn="ctr">
+                      <a:solidFill>
+                        <a:srgbClr val="000000"/>
+                      </a:solidFill>
+                      <a:prstDash val="solid"/>
+                      <a:round/>
+                      <a:headEnd type="none" w="med" len="med"/>
+                      <a:tailEnd type="none" w="med" len="med"/>
+                    </a:lnR>
+                    <a:lnT w="12700" cap="flat" cmpd="sng" algn="ctr">
+                      <a:solidFill>
+                        <a:srgbClr val="000000"/>
+                      </a:solidFill>
+                      <a:prstDash val="solid"/>
+                      <a:round/>
+                      <a:headEnd type="none" w="med" len="med"/>
+                      <a:tailEnd type="none" w="med" len="med"/>
+                    </a:lnT>
+                    <a:lnB w="12700" cap="flat" cmpd="sng" algn="ctr">
+                      <a:solidFill>
+                        <a:srgbClr val="000000"/>
+                      </a:solidFill>
+                      <a:prstDash val="solid"/>
+                      <a:round/>
+                      <a:headEnd type="none" w="med" len="med"/>
+                      <a:tailEnd type="none" w="med" len="med"/>
+                    </a:lnB>
+                  </a:tcPr>
+                </a:tc>
+                <a:tc>
+                  <a:txBody>
+                    <a:bodyPr/>
+                    <a:lstStyle/>
+                    <a:p>
+                      <a:r>
+                        <a:rPr lang="en-IN" sz="900" dirty="0">
+                          <a:solidFill>
+                            <a:srgbClr val="000000"/>
+                          </a:solidFill>
+                          <a:effectLst/>
+                        </a:rPr>
+                        <a:t>POCHAREDDY CHAKRADHAR KAKSHITH</a:t>
+                      </a:r>
+                      <a:endParaRPr lang="en-IN" dirty="0">
+                        <a:effectLst/>
+                      </a:endParaRPr>
+                    </a:p>
+                  </a:txBody>
+                  <a:tcPr marL="68580" marR="68580" marT="0" marB="0" anchor="b">
+                    <a:lnL w="12700" cap="flat" cmpd="sng" algn="ctr">
+                      <a:solidFill>
+                        <a:srgbClr val="000000"/>
+                      </a:solidFill>
+                      <a:prstDash val="solid"/>
+                      <a:round/>
+                      <a:headEnd type="none" w="med" len="med"/>
+                      <a:tailEnd type="none" w="med" len="med"/>
+                    </a:lnL>
+                    <a:lnR w="12700" cap="flat" cmpd="sng" algn="ctr">
+                      <a:solidFill>
+                        <a:srgbClr val="000000"/>
+                      </a:solidFill>
+                      <a:prstDash val="solid"/>
+                      <a:round/>
+                      <a:headEnd type="none" w="med" len="med"/>
+                      <a:tailEnd type="none" w="med" len="med"/>
+                    </a:lnR>
+                    <a:lnT w="12700" cap="flat" cmpd="sng" algn="ctr">
+                      <a:solidFill>
+                        <a:srgbClr val="000000"/>
+                      </a:solidFill>
+                      <a:prstDash val="solid"/>
+                      <a:round/>
+                      <a:headEnd type="none" w="med" len="med"/>
+                      <a:tailEnd type="none" w="med" len="med"/>
+                    </a:lnT>
+                    <a:lnB w="12700" cap="flat" cmpd="sng" algn="ctr">
+                      <a:solidFill>
+                        <a:srgbClr val="000000"/>
+                      </a:solidFill>
+                      <a:prstDash val="solid"/>
+                      <a:round/>
+                      <a:headEnd type="none" w="med" len="med"/>
+                      <a:tailEnd type="none" w="med" len="med"/>
+                    </a:lnB>
+                  </a:tcPr>
+                </a:tc>
+                <a:extLst>
+                  <a:ext uri="{0D108BD9-81ED-4DB2-BD59-A6C34878D82A}">
+                    <a16:rowId xmlns:a16="http://schemas.microsoft.com/office/drawing/2014/main" val="3784165162"/>
+                  </a:ext>
+                </a:extLst>
+              </a:tr>
+            </a:tbl>
+          </a:graphicData>
+        </a:graphic>
+      </p:graphicFrame>
+    </p:spTree>
+    <p:extLst>
+      <p:ext uri="{BB962C8B-B14F-4D97-AF65-F5344CB8AC3E}">
+        <p14:creationId xmlns:p14="http://schemas.microsoft.com/office/powerpoint/2010/main" val="3938798602"/>
+      </p:ext>
+    </p:extLst>
+  </p:cSld>
+  <p:clrMapOvr>
+    <a:masterClrMapping/>
+  </p:clrMapOvr>
+</p:sld>
+</file>
+
+<file path=ppt/slides/slide16.xml><?xml version="1.0" encoding="utf-8"?>
+<p:sld xmlns:a="http://schemas.openxmlformats.org/drawingml/2006/main" xmlns:r="http://schemas.openxmlformats.org/officeDocument/2006/relationships" xmlns:p="http://schemas.openxmlformats.org/presentationml/2006/main">
+  <p:cSld>
+    <p:spTree>
+      <p:nvGrpSpPr>
+        <p:cNvPr id="1" name=""/>
+        <p:cNvGrpSpPr/>
+        <p:nvPr/>
+      </p:nvGrpSpPr>
+      <p:grpSpPr>
+        <a:xfrm>
+          <a:off x="0" y="0"/>
+          <a:ext cx="0" cy="0"/>
+          <a:chOff x="0" y="0"/>
+          <a:chExt cx="0" cy="0"/>
+        </a:xfrm>
+      </p:grpSpPr>
+      <p:sp>
+        <p:nvSpPr>
+          <p:cNvPr id="2" name="Title 1">
+            <a:extLst>
+              <a:ext uri="{FF2B5EF4-FFF2-40B4-BE49-F238E27FC236}">
+                <a16:creationId xmlns:a16="http://schemas.microsoft.com/office/drawing/2014/main" id="{D1384D17-FF1C-4223-9432-0F1CAF5E88CA}"/>
+              </a:ext>
+            </a:extLst>
+          </p:cNvPr>
+          <p:cNvSpPr>
+            <a:spLocks noGrp="1"/>
+          </p:cNvSpPr>
+          <p:nvPr>
+            <p:ph type="title"/>
+          </p:nvPr>
+        </p:nvSpPr>
+        <p:spPr/>
+        <p:txBody>
+          <a:bodyPr/>
+          <a:lstStyle/>
+          <a:p>
+            <a:r>
+              <a:rPr lang="en-GB" dirty="0"/>
+              <a:t>Types of Database</a:t>
+            </a:r>
+            <a:endParaRPr lang="en-IN" dirty="0"/>
+          </a:p>
+        </p:txBody>
+      </p:sp>
+      <p:graphicFrame>
+        <p:nvGraphicFramePr>
+          <p:cNvPr id="4" name="Content Placeholder 3">
+            <a:extLst>
+              <a:ext uri="{FF2B5EF4-FFF2-40B4-BE49-F238E27FC236}">
+                <a16:creationId xmlns:a16="http://schemas.microsoft.com/office/drawing/2014/main" id="{86983636-E73F-475E-B42D-4217B01ACA81}"/>
+              </a:ext>
+            </a:extLst>
+          </p:cNvPr>
+          <p:cNvGraphicFramePr>
+            <a:graphicFrameLocks noGrp="1"/>
+          </p:cNvGraphicFramePr>
+          <p:nvPr>
+            <p:ph idx="1"/>
+            <p:extLst>
+              <p:ext uri="{D42A27DB-BD31-4B8C-83A1-F6EECF244321}">
+                <p14:modId xmlns:p14="http://schemas.microsoft.com/office/powerpoint/2010/main" val="67388427"/>
+              </p:ext>
+            </p:extLst>
+          </p:nvPr>
+        </p:nvGraphicFramePr>
+        <p:xfrm>
+          <a:off x="2706255" y="2142836"/>
+          <a:ext cx="5066780" cy="2318835"/>
+        </p:xfrm>
+        <a:graphic>
+          <a:graphicData uri="http://schemas.openxmlformats.org/drawingml/2006/table">
+            <a:tbl>
+              <a:tblPr/>
+              <a:tblGrid>
+                <a:gridCol w="730952">
+                  <a:extLst>
+                    <a:ext uri="{9D8B030D-6E8A-4147-A177-3AD203B41FA5}">
+                      <a16:colId xmlns:a16="http://schemas.microsoft.com/office/drawing/2014/main" val="3359170465"/>
+                    </a:ext>
+                  </a:extLst>
+                </a:gridCol>
+                <a:gridCol w="4335828">
+                  <a:extLst>
+                    <a:ext uri="{9D8B030D-6E8A-4147-A177-3AD203B41FA5}">
+                      <a16:colId xmlns:a16="http://schemas.microsoft.com/office/drawing/2014/main" val="401897373"/>
+                    </a:ext>
+                  </a:extLst>
+                </a:gridCol>
+              </a:tblGrid>
+              <a:tr h="463767">
+                <a:tc>
+                  <a:txBody>
+                    <a:bodyPr/>
+                    <a:lstStyle/>
+                    <a:p>
+                      <a:pPr algn="r"/>
+                      <a:r>
+                        <a:rPr lang="en-IN" sz="900">
+                          <a:solidFill>
+                            <a:srgbClr val="000000"/>
+                          </a:solidFill>
+                          <a:effectLst/>
+                        </a:rPr>
+                        <a:t>888399</a:t>
+                      </a:r>
+                      <a:endParaRPr lang="en-IN">
+                        <a:effectLst/>
+                      </a:endParaRPr>
+                    </a:p>
+                  </a:txBody>
+                  <a:tcPr marL="68580" marR="68580" marT="0" marB="0" anchor="b">
+                    <a:lnL w="12700" cap="flat" cmpd="sng" algn="ctr">
+                      <a:solidFill>
+                        <a:srgbClr val="000000"/>
+                      </a:solidFill>
+                      <a:prstDash val="solid"/>
+                      <a:round/>
+                      <a:headEnd type="none" w="med" len="med"/>
+                      <a:tailEnd type="none" w="med" len="med"/>
+                    </a:lnL>
+                    <a:lnR w="12700" cap="flat" cmpd="sng" algn="ctr">
+                      <a:solidFill>
+                        <a:srgbClr val="000000"/>
+                      </a:solidFill>
+                      <a:prstDash val="solid"/>
+                      <a:round/>
+                      <a:headEnd type="none" w="med" len="med"/>
+                      <a:tailEnd type="none" w="med" len="med"/>
+                    </a:lnR>
+                    <a:lnT>
+                      <a:noFill/>
+                    </a:lnT>
+                    <a:lnB w="12700" cap="flat" cmpd="sng" algn="ctr">
+                      <a:solidFill>
+                        <a:srgbClr val="000000"/>
+                      </a:solidFill>
+                      <a:prstDash val="solid"/>
+                      <a:round/>
+                      <a:headEnd type="none" w="med" len="med"/>
+                      <a:tailEnd type="none" w="med" len="med"/>
+                    </a:lnB>
+                  </a:tcPr>
+                </a:tc>
+                <a:tc>
+                  <a:txBody>
+                    <a:bodyPr/>
+                    <a:lstStyle/>
+                    <a:p>
+                      <a:r>
+                        <a:rPr lang="en-IN" sz="900">
+                          <a:solidFill>
+                            <a:srgbClr val="000000"/>
+                          </a:solidFill>
+                          <a:effectLst/>
+                        </a:rPr>
+                        <a:t>Sajida</a:t>
+                      </a:r>
+                      <a:endParaRPr lang="en-IN">
+                        <a:effectLst/>
+                      </a:endParaRPr>
+                    </a:p>
+                  </a:txBody>
+                  <a:tcPr marL="68580" marR="68580" marT="0" marB="0" anchor="b">
+                    <a:lnL w="12700" cap="flat" cmpd="sng" algn="ctr">
+                      <a:solidFill>
+                        <a:srgbClr val="000000"/>
+                      </a:solidFill>
+                      <a:prstDash val="solid"/>
+                      <a:round/>
+                      <a:headEnd type="none" w="med" len="med"/>
+                      <a:tailEnd type="none" w="med" len="med"/>
+                    </a:lnL>
+                    <a:lnR w="12700" cap="flat" cmpd="sng" algn="ctr">
+                      <a:solidFill>
+                        <a:srgbClr val="000000"/>
+                      </a:solidFill>
+                      <a:prstDash val="solid"/>
+                      <a:round/>
+                      <a:headEnd type="none" w="med" len="med"/>
+                      <a:tailEnd type="none" w="med" len="med"/>
+                    </a:lnR>
+                    <a:lnT>
+                      <a:noFill/>
+                    </a:lnT>
+                    <a:lnB w="12700" cap="flat" cmpd="sng" algn="ctr">
+                      <a:solidFill>
+                        <a:srgbClr val="000000"/>
+                      </a:solidFill>
+                      <a:prstDash val="solid"/>
+                      <a:round/>
+                      <a:headEnd type="none" w="med" len="med"/>
+                      <a:tailEnd type="none" w="med" len="med"/>
+                    </a:lnB>
+                  </a:tcPr>
+                </a:tc>
+                <a:extLst>
+                  <a:ext uri="{0D108BD9-81ED-4DB2-BD59-A6C34878D82A}">
+                    <a16:rowId xmlns:a16="http://schemas.microsoft.com/office/drawing/2014/main" val="3249333489"/>
+                  </a:ext>
+                </a:extLst>
+              </a:tr>
+              <a:tr h="463767">
+                <a:tc>
+                  <a:txBody>
+                    <a:bodyPr/>
+                    <a:lstStyle/>
+                    <a:p>
+                      <a:pPr algn="r"/>
+                      <a:r>
+                        <a:rPr lang="en-IN" sz="900">
+                          <a:solidFill>
+                            <a:srgbClr val="000000"/>
+                          </a:solidFill>
+                          <a:effectLst/>
+                        </a:rPr>
+                        <a:t>888107</a:t>
+                      </a:r>
+                      <a:endParaRPr lang="en-IN">
+                        <a:effectLst/>
+                      </a:endParaRPr>
+                    </a:p>
+                  </a:txBody>
+                  <a:tcPr marL="68580" marR="68580" marT="0" marB="0" anchor="b">
+                    <a:lnL w="12700" cap="flat" cmpd="sng" algn="ctr">
+                      <a:solidFill>
+                        <a:srgbClr val="000000"/>
+                      </a:solidFill>
+                      <a:prstDash val="solid"/>
+                      <a:round/>
+                      <a:headEnd type="none" w="med" len="med"/>
+                      <a:tailEnd type="none" w="med" len="med"/>
+                    </a:lnL>
+                    <a:lnR w="12700" cap="flat" cmpd="sng" algn="ctr">
+                      <a:solidFill>
+                        <a:srgbClr val="000000"/>
+                      </a:solidFill>
+                      <a:prstDash val="solid"/>
+                      <a:round/>
+                      <a:headEnd type="none" w="med" len="med"/>
+                      <a:tailEnd type="none" w="med" len="med"/>
+                    </a:lnR>
+                    <a:lnT w="12700" cap="flat" cmpd="sng" algn="ctr">
+                      <a:solidFill>
+                        <a:srgbClr val="000000"/>
+                      </a:solidFill>
+                      <a:prstDash val="solid"/>
+                      <a:round/>
+                      <a:headEnd type="none" w="med" len="med"/>
+                      <a:tailEnd type="none" w="med" len="med"/>
+                    </a:lnT>
+                    <a:lnB w="12700" cap="flat" cmpd="sng" algn="ctr">
+                      <a:solidFill>
+                        <a:srgbClr val="000000"/>
+                      </a:solidFill>
+                      <a:prstDash val="solid"/>
+                      <a:round/>
+                      <a:headEnd type="none" w="med" len="med"/>
+                      <a:tailEnd type="none" w="med" len="med"/>
+                    </a:lnB>
+                  </a:tcPr>
+                </a:tc>
+                <a:tc>
+                  <a:txBody>
+                    <a:bodyPr/>
+                    <a:lstStyle/>
+                    <a:p>
+                      <a:r>
+                        <a:rPr lang="en-IN" sz="900">
+                          <a:solidFill>
+                            <a:srgbClr val="000000"/>
+                          </a:solidFill>
+                          <a:effectLst/>
+                        </a:rPr>
+                        <a:t>Balakumaran </a:t>
+                      </a:r>
+                      <a:endParaRPr lang="en-IN">
+                        <a:effectLst/>
+                      </a:endParaRPr>
+                    </a:p>
+                  </a:txBody>
+                  <a:tcPr marL="68580" marR="68580" marT="0" marB="0" anchor="b">
+                    <a:lnL w="12700" cap="flat" cmpd="sng" algn="ctr">
+                      <a:solidFill>
+                        <a:srgbClr val="000000"/>
+                      </a:solidFill>
+                      <a:prstDash val="solid"/>
+                      <a:round/>
+                      <a:headEnd type="none" w="med" len="med"/>
+                      <a:tailEnd type="none" w="med" len="med"/>
+                    </a:lnL>
+                    <a:lnR w="12700" cap="flat" cmpd="sng" algn="ctr">
+                      <a:solidFill>
+                        <a:srgbClr val="000000"/>
+                      </a:solidFill>
+                      <a:prstDash val="solid"/>
+                      <a:round/>
+                      <a:headEnd type="none" w="med" len="med"/>
+                      <a:tailEnd type="none" w="med" len="med"/>
+                    </a:lnR>
+                    <a:lnT w="12700" cap="flat" cmpd="sng" algn="ctr">
+                      <a:solidFill>
+                        <a:srgbClr val="000000"/>
+                      </a:solidFill>
+                      <a:prstDash val="solid"/>
+                      <a:round/>
+                      <a:headEnd type="none" w="med" len="med"/>
+                      <a:tailEnd type="none" w="med" len="med"/>
+                    </a:lnT>
+                    <a:lnB w="12700" cap="flat" cmpd="sng" algn="ctr">
+                      <a:solidFill>
+                        <a:srgbClr val="000000"/>
+                      </a:solidFill>
+                      <a:prstDash val="solid"/>
+                      <a:round/>
+                      <a:headEnd type="none" w="med" len="med"/>
+                      <a:tailEnd type="none" w="med" len="med"/>
+                    </a:lnB>
+                  </a:tcPr>
+                </a:tc>
+                <a:extLst>
+                  <a:ext uri="{0D108BD9-81ED-4DB2-BD59-A6C34878D82A}">
+                    <a16:rowId xmlns:a16="http://schemas.microsoft.com/office/drawing/2014/main" val="85483575"/>
+                  </a:ext>
+                </a:extLst>
+              </a:tr>
+              <a:tr h="463767">
+                <a:tc>
+                  <a:txBody>
+                    <a:bodyPr/>
+                    <a:lstStyle/>
+                    <a:p>
+                      <a:pPr algn="r"/>
+                      <a:r>
+                        <a:rPr lang="en-IN" sz="900">
+                          <a:solidFill>
+                            <a:srgbClr val="000000"/>
+                          </a:solidFill>
+                          <a:effectLst/>
+                        </a:rPr>
+                        <a:t>888085</a:t>
+                      </a:r>
+                      <a:endParaRPr lang="en-IN">
+                        <a:effectLst/>
+                      </a:endParaRPr>
+                    </a:p>
+                  </a:txBody>
+                  <a:tcPr marL="68580" marR="68580" marT="0" marB="0" anchor="b">
+                    <a:lnL w="12700" cap="flat" cmpd="sng" algn="ctr">
+                      <a:solidFill>
+                        <a:srgbClr val="000000"/>
+                      </a:solidFill>
+                      <a:prstDash val="solid"/>
+                      <a:round/>
+                      <a:headEnd type="none" w="med" len="med"/>
+                      <a:tailEnd type="none" w="med" len="med"/>
+                    </a:lnL>
+                    <a:lnR w="12700" cap="flat" cmpd="sng" algn="ctr">
+                      <a:solidFill>
+                        <a:srgbClr val="000000"/>
+                      </a:solidFill>
+                      <a:prstDash val="solid"/>
+                      <a:round/>
+                      <a:headEnd type="none" w="med" len="med"/>
+                      <a:tailEnd type="none" w="med" len="med"/>
+                    </a:lnR>
+                    <a:lnT w="12700" cap="flat" cmpd="sng" algn="ctr">
+                      <a:solidFill>
+                        <a:srgbClr val="000000"/>
+                      </a:solidFill>
+                      <a:prstDash val="solid"/>
+                      <a:round/>
+                      <a:headEnd type="none" w="med" len="med"/>
+                      <a:tailEnd type="none" w="med" len="med"/>
+                    </a:lnT>
+                    <a:lnB w="12700" cap="flat" cmpd="sng" algn="ctr">
+                      <a:solidFill>
+                        <a:srgbClr val="000000"/>
+                      </a:solidFill>
+                      <a:prstDash val="solid"/>
+                      <a:round/>
+                      <a:headEnd type="none" w="med" len="med"/>
+                      <a:tailEnd type="none" w="med" len="med"/>
+                    </a:lnB>
+                  </a:tcPr>
+                </a:tc>
+                <a:tc>
+                  <a:txBody>
+                    <a:bodyPr/>
+                    <a:lstStyle/>
+                    <a:p>
+                      <a:r>
+                        <a:rPr lang="en-IN" sz="900">
+                          <a:solidFill>
+                            <a:srgbClr val="000000"/>
+                          </a:solidFill>
+                          <a:effectLst/>
+                        </a:rPr>
+                        <a:t>Faizal mohamed sarkkarai</a:t>
+                      </a:r>
+                      <a:endParaRPr lang="en-IN">
+                        <a:effectLst/>
+                      </a:endParaRPr>
+                    </a:p>
+                  </a:txBody>
+                  <a:tcPr marL="68580" marR="68580" marT="0" marB="0" anchor="b">
+                    <a:lnL w="12700" cap="flat" cmpd="sng" algn="ctr">
+                      <a:solidFill>
+                        <a:srgbClr val="000000"/>
+                      </a:solidFill>
+                      <a:prstDash val="solid"/>
+                      <a:round/>
+                      <a:headEnd type="none" w="med" len="med"/>
+                      <a:tailEnd type="none" w="med" len="med"/>
+                    </a:lnL>
+                    <a:lnR w="12700" cap="flat" cmpd="sng" algn="ctr">
+                      <a:solidFill>
+                        <a:srgbClr val="000000"/>
+                      </a:solidFill>
+                      <a:prstDash val="solid"/>
+                      <a:round/>
+                      <a:headEnd type="none" w="med" len="med"/>
+                      <a:tailEnd type="none" w="med" len="med"/>
+                    </a:lnR>
+                    <a:lnT w="12700" cap="flat" cmpd="sng" algn="ctr">
+                      <a:solidFill>
+                        <a:srgbClr val="000000"/>
+                      </a:solidFill>
+                      <a:prstDash val="solid"/>
+                      <a:round/>
+                      <a:headEnd type="none" w="med" len="med"/>
+                      <a:tailEnd type="none" w="med" len="med"/>
+                    </a:lnT>
+                    <a:lnB w="12700" cap="flat" cmpd="sng" algn="ctr">
+                      <a:solidFill>
+                        <a:srgbClr val="000000"/>
+                      </a:solidFill>
+                      <a:prstDash val="solid"/>
+                      <a:round/>
+                      <a:headEnd type="none" w="med" len="med"/>
+                      <a:tailEnd type="none" w="med" len="med"/>
+                    </a:lnB>
+                  </a:tcPr>
+                </a:tc>
+                <a:extLst>
+                  <a:ext uri="{0D108BD9-81ED-4DB2-BD59-A6C34878D82A}">
+                    <a16:rowId xmlns:a16="http://schemas.microsoft.com/office/drawing/2014/main" val="105619251"/>
+                  </a:ext>
+                </a:extLst>
+              </a:tr>
+              <a:tr h="463767">
+                <a:tc>
+                  <a:txBody>
+                    <a:bodyPr/>
+                    <a:lstStyle/>
+                    <a:p>
+                      <a:pPr algn="r"/>
+                      <a:r>
+                        <a:rPr lang="en-IN" sz="900">
+                          <a:solidFill>
+                            <a:srgbClr val="000000"/>
+                          </a:solidFill>
+                          <a:effectLst/>
+                        </a:rPr>
+                        <a:t>888131</a:t>
+                      </a:r>
+                      <a:endParaRPr lang="en-IN">
+                        <a:effectLst/>
+                      </a:endParaRPr>
+                    </a:p>
+                  </a:txBody>
+                  <a:tcPr marL="68580" marR="68580" marT="0" marB="0" anchor="b">
+                    <a:lnL w="12700" cap="flat" cmpd="sng" algn="ctr">
+                      <a:solidFill>
+                        <a:srgbClr val="000000"/>
+                      </a:solidFill>
+                      <a:prstDash val="solid"/>
+                      <a:round/>
+                      <a:headEnd type="none" w="med" len="med"/>
+                      <a:tailEnd type="none" w="med" len="med"/>
+                    </a:lnL>
+                    <a:lnR w="12700" cap="flat" cmpd="sng" algn="ctr">
+                      <a:solidFill>
+                        <a:srgbClr val="000000"/>
+                      </a:solidFill>
+                      <a:prstDash val="solid"/>
+                      <a:round/>
+                      <a:headEnd type="none" w="med" len="med"/>
+                      <a:tailEnd type="none" w="med" len="med"/>
+                    </a:lnR>
+                    <a:lnT w="12700" cap="flat" cmpd="sng" algn="ctr">
+                      <a:solidFill>
+                        <a:srgbClr val="000000"/>
+                      </a:solidFill>
+                      <a:prstDash val="solid"/>
+                      <a:round/>
+                      <a:headEnd type="none" w="med" len="med"/>
+                      <a:tailEnd type="none" w="med" len="med"/>
+                    </a:lnT>
+                    <a:lnB w="12700" cap="flat" cmpd="sng" algn="ctr">
+                      <a:solidFill>
+                        <a:srgbClr val="000000"/>
+                      </a:solidFill>
+                      <a:prstDash val="solid"/>
+                      <a:round/>
+                      <a:headEnd type="none" w="med" len="med"/>
+                      <a:tailEnd type="none" w="med" len="med"/>
+                    </a:lnB>
+                  </a:tcPr>
+                </a:tc>
+                <a:tc>
+                  <a:txBody>
+                    <a:bodyPr/>
+                    <a:lstStyle/>
+                    <a:p>
+                      <a:r>
+                        <a:rPr lang="en-IN" sz="900">
+                          <a:solidFill>
+                            <a:srgbClr val="000000"/>
+                          </a:solidFill>
+                          <a:effectLst/>
+                        </a:rPr>
+                        <a:t>SASIKUMAR </a:t>
+                      </a:r>
+                      <a:endParaRPr lang="en-IN">
+                        <a:effectLst/>
+                      </a:endParaRPr>
+                    </a:p>
+                  </a:txBody>
+                  <a:tcPr marL="68580" marR="68580" marT="0" marB="0" anchor="b">
+                    <a:lnL w="12700" cap="flat" cmpd="sng" algn="ctr">
+                      <a:solidFill>
+                        <a:srgbClr val="000000"/>
+                      </a:solidFill>
+                      <a:prstDash val="solid"/>
+                      <a:round/>
+                      <a:headEnd type="none" w="med" len="med"/>
+                      <a:tailEnd type="none" w="med" len="med"/>
+                    </a:lnL>
+                    <a:lnR w="12700" cap="flat" cmpd="sng" algn="ctr">
+                      <a:solidFill>
+                        <a:srgbClr val="000000"/>
+                      </a:solidFill>
+                      <a:prstDash val="solid"/>
+                      <a:round/>
+                      <a:headEnd type="none" w="med" len="med"/>
+                      <a:tailEnd type="none" w="med" len="med"/>
+                    </a:lnR>
+                    <a:lnT w="12700" cap="flat" cmpd="sng" algn="ctr">
+                      <a:solidFill>
+                        <a:srgbClr val="000000"/>
+                      </a:solidFill>
+                      <a:prstDash val="solid"/>
+                      <a:round/>
+                      <a:headEnd type="none" w="med" len="med"/>
+                      <a:tailEnd type="none" w="med" len="med"/>
+                    </a:lnT>
+                    <a:lnB w="12700" cap="flat" cmpd="sng" algn="ctr">
+                      <a:solidFill>
+                        <a:srgbClr val="000000"/>
+                      </a:solidFill>
+                      <a:prstDash val="solid"/>
+                      <a:round/>
+                      <a:headEnd type="none" w="med" len="med"/>
+                      <a:tailEnd type="none" w="med" len="med"/>
+                    </a:lnB>
+                  </a:tcPr>
+                </a:tc>
+                <a:extLst>
+                  <a:ext uri="{0D108BD9-81ED-4DB2-BD59-A6C34878D82A}">
+                    <a16:rowId xmlns:a16="http://schemas.microsoft.com/office/drawing/2014/main" val="2898356830"/>
+                  </a:ext>
+                </a:extLst>
+              </a:tr>
+              <a:tr h="463767">
+                <a:tc>
+                  <a:txBody>
+                    <a:bodyPr/>
+                    <a:lstStyle/>
+                    <a:p>
+                      <a:pPr algn="r"/>
+                      <a:r>
+                        <a:rPr lang="en-IN" sz="900">
+                          <a:solidFill>
+                            <a:srgbClr val="000000"/>
+                          </a:solidFill>
+                          <a:effectLst/>
+                        </a:rPr>
+                        <a:t>888086</a:t>
+                      </a:r>
+                      <a:endParaRPr lang="en-IN">
+                        <a:effectLst/>
+                      </a:endParaRPr>
+                    </a:p>
+                  </a:txBody>
+                  <a:tcPr marL="68580" marR="68580" marT="0" marB="0" anchor="b">
+                    <a:lnL w="12700" cap="flat" cmpd="sng" algn="ctr">
+                      <a:solidFill>
+                        <a:srgbClr val="000000"/>
+                      </a:solidFill>
+                      <a:prstDash val="solid"/>
+                      <a:round/>
+                      <a:headEnd type="none" w="med" len="med"/>
+                      <a:tailEnd type="none" w="med" len="med"/>
+                    </a:lnL>
+                    <a:lnR w="12700" cap="flat" cmpd="sng" algn="ctr">
+                      <a:solidFill>
+                        <a:srgbClr val="000000"/>
+                      </a:solidFill>
+                      <a:prstDash val="solid"/>
+                      <a:round/>
+                      <a:headEnd type="none" w="med" len="med"/>
+                      <a:tailEnd type="none" w="med" len="med"/>
+                    </a:lnR>
+                    <a:lnT w="12700" cap="flat" cmpd="sng" algn="ctr">
+                      <a:solidFill>
+                        <a:srgbClr val="000000"/>
+                      </a:solidFill>
+                      <a:prstDash val="solid"/>
+                      <a:round/>
+                      <a:headEnd type="none" w="med" len="med"/>
+                      <a:tailEnd type="none" w="med" len="med"/>
+                    </a:lnT>
+                    <a:lnB w="12700" cap="flat" cmpd="sng" algn="ctr">
+                      <a:solidFill>
+                        <a:srgbClr val="000000"/>
+                      </a:solidFill>
+                      <a:prstDash val="solid"/>
+                      <a:round/>
+                      <a:headEnd type="none" w="med" len="med"/>
+                      <a:tailEnd type="none" w="med" len="med"/>
+                    </a:lnB>
+                  </a:tcPr>
+                </a:tc>
+                <a:tc>
+                  <a:txBody>
+                    <a:bodyPr/>
+                    <a:lstStyle/>
+                    <a:p>
+                      <a:r>
+                        <a:rPr lang="en-IN" sz="900" dirty="0">
+                          <a:solidFill>
+                            <a:srgbClr val="000000"/>
+                          </a:solidFill>
+                          <a:effectLst/>
+                        </a:rPr>
+                        <a:t>Ramya </a:t>
+                      </a:r>
+                      <a:endParaRPr lang="en-IN" dirty="0">
+                        <a:effectLst/>
+                      </a:endParaRPr>
+                    </a:p>
+                  </a:txBody>
+                  <a:tcPr marL="68580" marR="68580" marT="0" marB="0" anchor="b">
+                    <a:lnL w="12700" cap="flat" cmpd="sng" algn="ctr">
+                      <a:solidFill>
+                        <a:srgbClr val="000000"/>
+                      </a:solidFill>
+                      <a:prstDash val="solid"/>
+                      <a:round/>
+                      <a:headEnd type="none" w="med" len="med"/>
+                      <a:tailEnd type="none" w="med" len="med"/>
+                    </a:lnL>
+                    <a:lnR w="12700" cap="flat" cmpd="sng" algn="ctr">
+                      <a:solidFill>
+                        <a:srgbClr val="000000"/>
+                      </a:solidFill>
+                      <a:prstDash val="solid"/>
+                      <a:round/>
+                      <a:headEnd type="none" w="med" len="med"/>
+                      <a:tailEnd type="none" w="med" len="med"/>
+                    </a:lnR>
+                    <a:lnT w="12700" cap="flat" cmpd="sng" algn="ctr">
+                      <a:solidFill>
+                        <a:srgbClr val="000000"/>
+                      </a:solidFill>
+                      <a:prstDash val="solid"/>
+                      <a:round/>
+                      <a:headEnd type="none" w="med" len="med"/>
+                      <a:tailEnd type="none" w="med" len="med"/>
+                    </a:lnT>
+                    <a:lnB w="12700" cap="flat" cmpd="sng" algn="ctr">
+                      <a:solidFill>
+                        <a:srgbClr val="000000"/>
+                      </a:solidFill>
+                      <a:prstDash val="solid"/>
+                      <a:round/>
+                      <a:headEnd type="none" w="med" len="med"/>
+                      <a:tailEnd type="none" w="med" len="med"/>
+                    </a:lnB>
+                  </a:tcPr>
+                </a:tc>
+                <a:extLst>
+                  <a:ext uri="{0D108BD9-81ED-4DB2-BD59-A6C34878D82A}">
+                    <a16:rowId xmlns:a16="http://schemas.microsoft.com/office/drawing/2014/main" val="1228595763"/>
+                  </a:ext>
+                </a:extLst>
+              </a:tr>
+            </a:tbl>
+          </a:graphicData>
+        </a:graphic>
+      </p:graphicFrame>
+    </p:spTree>
+    <p:extLst>
+      <p:ext uri="{BB962C8B-B14F-4D97-AF65-F5344CB8AC3E}">
+        <p14:creationId xmlns:p14="http://schemas.microsoft.com/office/powerpoint/2010/main" val="712765316"/>
+      </p:ext>
+    </p:extLst>
+  </p:cSld>
+  <p:clrMapOvr>
+    <a:masterClrMapping/>
+  </p:clrMapOvr>
+</p:sld>
+</file>
+
+<file path=ppt/slides/slide17.xml><?xml version="1.0" encoding="utf-8"?>
+<p:sld xmlns:a="http://schemas.openxmlformats.org/drawingml/2006/main" xmlns:r="http://schemas.openxmlformats.org/officeDocument/2006/relationships" xmlns:p="http://schemas.openxmlformats.org/presentationml/2006/main">
+  <p:cSld>
+    <p:spTree>
+      <p:nvGrpSpPr>
+        <p:cNvPr id="1" name=""/>
+        <p:cNvGrpSpPr/>
+        <p:nvPr/>
+      </p:nvGrpSpPr>
+      <p:grpSpPr>
+        <a:xfrm>
+          <a:off x="0" y="0"/>
+          <a:ext cx="0" cy="0"/>
+          <a:chOff x="0" y="0"/>
+          <a:chExt cx="0" cy="0"/>
+        </a:xfrm>
+      </p:grpSpPr>
+      <p:sp>
+        <p:nvSpPr>
+          <p:cNvPr id="2" name="Title 1">
+            <a:extLst>
+              <a:ext uri="{FF2B5EF4-FFF2-40B4-BE49-F238E27FC236}">
+                <a16:creationId xmlns:a16="http://schemas.microsoft.com/office/drawing/2014/main" id="{EF3E8ABF-8098-46CF-8B17-8DD12B074E90}"/>
+              </a:ext>
+            </a:extLst>
+          </p:cNvPr>
+          <p:cNvSpPr>
+            <a:spLocks noGrp="1"/>
+          </p:cNvSpPr>
+          <p:nvPr>
+            <p:ph type="title"/>
+          </p:nvPr>
+        </p:nvSpPr>
+        <p:spPr/>
+        <p:txBody>
+          <a:bodyPr/>
+          <a:lstStyle/>
+          <a:p>
+            <a:r>
+              <a:rPr lang="en-GB" dirty="0"/>
+              <a:t>Over View of Data Model</a:t>
+            </a:r>
+            <a:endParaRPr lang="en-IN" dirty="0"/>
+          </a:p>
+        </p:txBody>
+      </p:sp>
+      <p:graphicFrame>
+        <p:nvGraphicFramePr>
+          <p:cNvPr id="4" name="Content Placeholder 3">
+            <a:extLst>
+              <a:ext uri="{FF2B5EF4-FFF2-40B4-BE49-F238E27FC236}">
+                <a16:creationId xmlns:a16="http://schemas.microsoft.com/office/drawing/2014/main" id="{F1C5D7E9-4A9A-4B16-8B68-B661EDDCEE01}"/>
+              </a:ext>
+            </a:extLst>
+          </p:cNvPr>
+          <p:cNvGraphicFramePr>
+            <a:graphicFrameLocks noGrp="1"/>
+          </p:cNvGraphicFramePr>
+          <p:nvPr>
+            <p:ph idx="1"/>
+          </p:nvPr>
+        </p:nvGraphicFramePr>
+        <p:xfrm>
+          <a:off x="4418965" y="3540919"/>
+          <a:ext cx="3354070" cy="920750"/>
+        </p:xfrm>
+        <a:graphic>
+          <a:graphicData uri="http://schemas.openxmlformats.org/drawingml/2006/table">
+            <a:tbl>
+              <a:tblPr/>
+              <a:tblGrid>
+                <a:gridCol w="483870">
+                  <a:extLst>
+                    <a:ext uri="{9D8B030D-6E8A-4147-A177-3AD203B41FA5}">
+                      <a16:colId xmlns:a16="http://schemas.microsoft.com/office/drawing/2014/main" val="598675719"/>
+                    </a:ext>
+                  </a:extLst>
+                </a:gridCol>
+                <a:gridCol w="2870200">
+                  <a:extLst>
+                    <a:ext uri="{9D8B030D-6E8A-4147-A177-3AD203B41FA5}">
+                      <a16:colId xmlns:a16="http://schemas.microsoft.com/office/drawing/2014/main" val="3597903678"/>
+                    </a:ext>
+                  </a:extLst>
+                </a:gridCol>
+              </a:tblGrid>
+              <a:tr h="184150">
+                <a:tc>
+                  <a:txBody>
+                    <a:bodyPr/>
+                    <a:lstStyle/>
+                    <a:p>
+                      <a:pPr algn="r"/>
+                      <a:r>
+                        <a:rPr lang="en-IN" sz="900">
+                          <a:solidFill>
+                            <a:srgbClr val="000000"/>
+                          </a:solidFill>
+                          <a:effectLst/>
+                        </a:rPr>
+                        <a:t>888210</a:t>
+                      </a:r>
+                      <a:endParaRPr lang="en-IN">
+                        <a:effectLst/>
+                      </a:endParaRPr>
+                    </a:p>
+                  </a:txBody>
+                  <a:tcPr marL="68580" marR="68580" marT="0" marB="0" anchor="b">
+                    <a:lnL w="12700" cap="flat" cmpd="sng" algn="ctr">
+                      <a:solidFill>
+                        <a:srgbClr val="000000"/>
+                      </a:solidFill>
+                      <a:prstDash val="solid"/>
+                      <a:round/>
+                      <a:headEnd type="none" w="med" len="med"/>
+                      <a:tailEnd type="none" w="med" len="med"/>
+                    </a:lnL>
+                    <a:lnR w="12700" cap="flat" cmpd="sng" algn="ctr">
+                      <a:solidFill>
+                        <a:srgbClr val="000000"/>
+                      </a:solidFill>
+                      <a:prstDash val="solid"/>
+                      <a:round/>
+                      <a:headEnd type="none" w="med" len="med"/>
+                      <a:tailEnd type="none" w="med" len="med"/>
+                    </a:lnR>
+                    <a:lnT>
+                      <a:noFill/>
+                    </a:lnT>
+                    <a:lnB w="12700" cap="flat" cmpd="sng" algn="ctr">
+                      <a:solidFill>
+                        <a:srgbClr val="000000"/>
+                      </a:solidFill>
+                      <a:prstDash val="solid"/>
+                      <a:round/>
+                      <a:headEnd type="none" w="med" len="med"/>
+                      <a:tailEnd type="none" w="med" len="med"/>
+                    </a:lnB>
+                  </a:tcPr>
+                </a:tc>
+                <a:tc>
+                  <a:txBody>
+                    <a:bodyPr/>
+                    <a:lstStyle/>
+                    <a:p>
+                      <a:r>
+                        <a:rPr lang="en-IN" sz="900">
+                          <a:solidFill>
+                            <a:srgbClr val="000000"/>
+                          </a:solidFill>
+                          <a:effectLst/>
+                        </a:rPr>
+                        <a:t>HEMATHRAJ </a:t>
+                      </a:r>
+                      <a:endParaRPr lang="en-IN">
+                        <a:effectLst/>
+                      </a:endParaRPr>
+                    </a:p>
+                  </a:txBody>
+                  <a:tcPr marL="68580" marR="68580" marT="0" marB="0" anchor="b">
+                    <a:lnL w="12700" cap="flat" cmpd="sng" algn="ctr">
+                      <a:solidFill>
+                        <a:srgbClr val="000000"/>
+                      </a:solidFill>
+                      <a:prstDash val="solid"/>
+                      <a:round/>
+                      <a:headEnd type="none" w="med" len="med"/>
+                      <a:tailEnd type="none" w="med" len="med"/>
+                    </a:lnL>
+                    <a:lnR w="12700" cap="flat" cmpd="sng" algn="ctr">
+                      <a:solidFill>
+                        <a:srgbClr val="000000"/>
+                      </a:solidFill>
+                      <a:prstDash val="solid"/>
+                      <a:round/>
+                      <a:headEnd type="none" w="med" len="med"/>
+                      <a:tailEnd type="none" w="med" len="med"/>
+                    </a:lnR>
+                    <a:lnT>
+                      <a:noFill/>
+                    </a:lnT>
+                    <a:lnB w="12700" cap="flat" cmpd="sng" algn="ctr">
+                      <a:solidFill>
+                        <a:srgbClr val="000000"/>
+                      </a:solidFill>
+                      <a:prstDash val="solid"/>
+                      <a:round/>
+                      <a:headEnd type="none" w="med" len="med"/>
+                      <a:tailEnd type="none" w="med" len="med"/>
+                    </a:lnB>
+                  </a:tcPr>
+                </a:tc>
+                <a:extLst>
+                  <a:ext uri="{0D108BD9-81ED-4DB2-BD59-A6C34878D82A}">
+                    <a16:rowId xmlns:a16="http://schemas.microsoft.com/office/drawing/2014/main" val="2381110734"/>
+                  </a:ext>
+                </a:extLst>
+              </a:tr>
+              <a:tr h="184150">
+                <a:tc>
+                  <a:txBody>
+                    <a:bodyPr/>
+                    <a:lstStyle/>
+                    <a:p>
+                      <a:pPr algn="r"/>
+                      <a:r>
+                        <a:rPr lang="en-IN" sz="900">
+                          <a:solidFill>
+                            <a:srgbClr val="000000"/>
+                          </a:solidFill>
+                          <a:effectLst/>
+                        </a:rPr>
+                        <a:t>888507</a:t>
+                      </a:r>
+                      <a:endParaRPr lang="en-IN">
+                        <a:effectLst/>
+                      </a:endParaRPr>
+                    </a:p>
+                  </a:txBody>
+                  <a:tcPr marL="68580" marR="68580" marT="0" marB="0" anchor="b">
+                    <a:lnL w="12700" cap="flat" cmpd="sng" algn="ctr">
+                      <a:solidFill>
+                        <a:srgbClr val="000000"/>
+                      </a:solidFill>
+                      <a:prstDash val="solid"/>
+                      <a:round/>
+                      <a:headEnd type="none" w="med" len="med"/>
+                      <a:tailEnd type="none" w="med" len="med"/>
+                    </a:lnL>
+                    <a:lnR w="12700" cap="flat" cmpd="sng" algn="ctr">
+                      <a:solidFill>
+                        <a:srgbClr val="000000"/>
+                      </a:solidFill>
+                      <a:prstDash val="solid"/>
+                      <a:round/>
+                      <a:headEnd type="none" w="med" len="med"/>
+                      <a:tailEnd type="none" w="med" len="med"/>
+                    </a:lnR>
+                    <a:lnT w="12700" cap="flat" cmpd="sng" algn="ctr">
+                      <a:solidFill>
+                        <a:srgbClr val="000000"/>
+                      </a:solidFill>
+                      <a:prstDash val="solid"/>
+                      <a:round/>
+                      <a:headEnd type="none" w="med" len="med"/>
+                      <a:tailEnd type="none" w="med" len="med"/>
+                    </a:lnT>
+                    <a:lnB w="12700" cap="flat" cmpd="sng" algn="ctr">
+                      <a:solidFill>
+                        <a:srgbClr val="000000"/>
+                      </a:solidFill>
+                      <a:prstDash val="solid"/>
+                      <a:round/>
+                      <a:headEnd type="none" w="med" len="med"/>
+                      <a:tailEnd type="none" w="med" len="med"/>
+                    </a:lnB>
+                  </a:tcPr>
+                </a:tc>
+                <a:tc>
+                  <a:txBody>
+                    <a:bodyPr/>
+                    <a:lstStyle/>
+                    <a:p>
+                      <a:r>
+                        <a:rPr lang="en-IN" sz="900">
+                          <a:solidFill>
+                            <a:srgbClr val="000000"/>
+                          </a:solidFill>
+                          <a:effectLst/>
+                        </a:rPr>
+                        <a:t>Devjyoti</a:t>
+                      </a:r>
+                      <a:endParaRPr lang="en-IN">
+                        <a:effectLst/>
+                      </a:endParaRPr>
+                    </a:p>
+                  </a:txBody>
+                  <a:tcPr marL="68580" marR="68580" marT="0" marB="0" anchor="b">
+                    <a:lnL w="12700" cap="flat" cmpd="sng" algn="ctr">
+                      <a:solidFill>
+                        <a:srgbClr val="000000"/>
+                      </a:solidFill>
+                      <a:prstDash val="solid"/>
+                      <a:round/>
+                      <a:headEnd type="none" w="med" len="med"/>
+                      <a:tailEnd type="none" w="med" len="med"/>
+                    </a:lnL>
+                    <a:lnR w="12700" cap="flat" cmpd="sng" algn="ctr">
+                      <a:solidFill>
+                        <a:srgbClr val="000000"/>
+                      </a:solidFill>
+                      <a:prstDash val="solid"/>
+                      <a:round/>
+                      <a:headEnd type="none" w="med" len="med"/>
+                      <a:tailEnd type="none" w="med" len="med"/>
+                    </a:lnR>
+                    <a:lnT w="12700" cap="flat" cmpd="sng" algn="ctr">
+                      <a:solidFill>
+                        <a:srgbClr val="000000"/>
+                      </a:solidFill>
+                      <a:prstDash val="solid"/>
+                      <a:round/>
+                      <a:headEnd type="none" w="med" len="med"/>
+                      <a:tailEnd type="none" w="med" len="med"/>
+                    </a:lnT>
+                    <a:lnB w="12700" cap="flat" cmpd="sng" algn="ctr">
+                      <a:solidFill>
+                        <a:srgbClr val="000000"/>
+                      </a:solidFill>
+                      <a:prstDash val="solid"/>
+                      <a:round/>
+                      <a:headEnd type="none" w="med" len="med"/>
+                      <a:tailEnd type="none" w="med" len="med"/>
+                    </a:lnB>
+                  </a:tcPr>
+                </a:tc>
+                <a:extLst>
+                  <a:ext uri="{0D108BD9-81ED-4DB2-BD59-A6C34878D82A}">
+                    <a16:rowId xmlns:a16="http://schemas.microsoft.com/office/drawing/2014/main" val="3805760207"/>
+                  </a:ext>
+                </a:extLst>
+              </a:tr>
+              <a:tr h="184150">
+                <a:tc>
+                  <a:txBody>
+                    <a:bodyPr/>
+                    <a:lstStyle/>
+                    <a:p>
+                      <a:pPr algn="r"/>
+                      <a:r>
+                        <a:rPr lang="en-IN" sz="900">
+                          <a:solidFill>
+                            <a:srgbClr val="000000"/>
+                          </a:solidFill>
+                          <a:effectLst/>
+                        </a:rPr>
+                        <a:t>888485</a:t>
+                      </a:r>
+                      <a:endParaRPr lang="en-IN">
+                        <a:effectLst/>
+                      </a:endParaRPr>
+                    </a:p>
+                  </a:txBody>
+                  <a:tcPr marL="68580" marR="68580" marT="0" marB="0" anchor="b">
+                    <a:lnL w="12700" cap="flat" cmpd="sng" algn="ctr">
+                      <a:solidFill>
+                        <a:srgbClr val="000000"/>
+                      </a:solidFill>
+                      <a:prstDash val="solid"/>
+                      <a:round/>
+                      <a:headEnd type="none" w="med" len="med"/>
+                      <a:tailEnd type="none" w="med" len="med"/>
+                    </a:lnL>
+                    <a:lnR w="12700" cap="flat" cmpd="sng" algn="ctr">
+                      <a:solidFill>
+                        <a:srgbClr val="000000"/>
+                      </a:solidFill>
+                      <a:prstDash val="solid"/>
+                      <a:round/>
+                      <a:headEnd type="none" w="med" len="med"/>
+                      <a:tailEnd type="none" w="med" len="med"/>
+                    </a:lnR>
+                    <a:lnT w="12700" cap="flat" cmpd="sng" algn="ctr">
+                      <a:solidFill>
+                        <a:srgbClr val="000000"/>
+                      </a:solidFill>
+                      <a:prstDash val="solid"/>
+                      <a:round/>
+                      <a:headEnd type="none" w="med" len="med"/>
+                      <a:tailEnd type="none" w="med" len="med"/>
+                    </a:lnT>
+                    <a:lnB w="12700" cap="flat" cmpd="sng" algn="ctr">
+                      <a:solidFill>
+                        <a:srgbClr val="000000"/>
+                      </a:solidFill>
+                      <a:prstDash val="solid"/>
+                      <a:round/>
+                      <a:headEnd type="none" w="med" len="med"/>
+                      <a:tailEnd type="none" w="med" len="med"/>
+                    </a:lnB>
+                  </a:tcPr>
+                </a:tc>
+                <a:tc>
+                  <a:txBody>
+                    <a:bodyPr/>
+                    <a:lstStyle/>
+                    <a:p>
+                      <a:r>
+                        <a:rPr lang="en-IN" sz="900">
+                          <a:solidFill>
+                            <a:srgbClr val="000000"/>
+                          </a:solidFill>
+                          <a:effectLst/>
+                        </a:rPr>
+                        <a:t>Ankit Kumar</a:t>
+                      </a:r>
+                      <a:endParaRPr lang="en-IN">
+                        <a:effectLst/>
+                      </a:endParaRPr>
+                    </a:p>
+                  </a:txBody>
+                  <a:tcPr marL="68580" marR="68580" marT="0" marB="0" anchor="b">
+                    <a:lnL w="12700" cap="flat" cmpd="sng" algn="ctr">
+                      <a:solidFill>
+                        <a:srgbClr val="000000"/>
+                      </a:solidFill>
+                      <a:prstDash val="solid"/>
+                      <a:round/>
+                      <a:headEnd type="none" w="med" len="med"/>
+                      <a:tailEnd type="none" w="med" len="med"/>
+                    </a:lnL>
+                    <a:lnR w="12700" cap="flat" cmpd="sng" algn="ctr">
+                      <a:solidFill>
+                        <a:srgbClr val="000000"/>
+                      </a:solidFill>
+                      <a:prstDash val="solid"/>
+                      <a:round/>
+                      <a:headEnd type="none" w="med" len="med"/>
+                      <a:tailEnd type="none" w="med" len="med"/>
+                    </a:lnR>
+                    <a:lnT w="12700" cap="flat" cmpd="sng" algn="ctr">
+                      <a:solidFill>
+                        <a:srgbClr val="000000"/>
+                      </a:solidFill>
+                      <a:prstDash val="solid"/>
+                      <a:round/>
+                      <a:headEnd type="none" w="med" len="med"/>
+                      <a:tailEnd type="none" w="med" len="med"/>
+                    </a:lnT>
+                    <a:lnB w="12700" cap="flat" cmpd="sng" algn="ctr">
+                      <a:solidFill>
+                        <a:srgbClr val="000000"/>
+                      </a:solidFill>
+                      <a:prstDash val="solid"/>
+                      <a:round/>
+                      <a:headEnd type="none" w="med" len="med"/>
+                      <a:tailEnd type="none" w="med" len="med"/>
+                    </a:lnB>
+                  </a:tcPr>
+                </a:tc>
+                <a:extLst>
+                  <a:ext uri="{0D108BD9-81ED-4DB2-BD59-A6C34878D82A}">
+                    <a16:rowId xmlns:a16="http://schemas.microsoft.com/office/drawing/2014/main" val="2599614110"/>
+                  </a:ext>
+                </a:extLst>
+              </a:tr>
+              <a:tr h="184150">
+                <a:tc>
+                  <a:txBody>
+                    <a:bodyPr/>
+                    <a:lstStyle/>
+                    <a:p>
+                      <a:pPr algn="r"/>
+                      <a:r>
+                        <a:rPr lang="en-IN" sz="900">
+                          <a:solidFill>
+                            <a:srgbClr val="000000"/>
+                          </a:solidFill>
+                          <a:effectLst/>
+                        </a:rPr>
+                        <a:t>888467</a:t>
+                      </a:r>
+                      <a:endParaRPr lang="en-IN">
+                        <a:effectLst/>
+                      </a:endParaRPr>
+                    </a:p>
+                  </a:txBody>
+                  <a:tcPr marL="68580" marR="68580" marT="0" marB="0" anchor="b">
+                    <a:lnL w="12700" cap="flat" cmpd="sng" algn="ctr">
+                      <a:solidFill>
+                        <a:srgbClr val="000000"/>
+                      </a:solidFill>
+                      <a:prstDash val="solid"/>
+                      <a:round/>
+                      <a:headEnd type="none" w="med" len="med"/>
+                      <a:tailEnd type="none" w="med" len="med"/>
+                    </a:lnL>
+                    <a:lnR w="12700" cap="flat" cmpd="sng" algn="ctr">
+                      <a:solidFill>
+                        <a:srgbClr val="000000"/>
+                      </a:solidFill>
+                      <a:prstDash val="solid"/>
+                      <a:round/>
+                      <a:headEnd type="none" w="med" len="med"/>
+                      <a:tailEnd type="none" w="med" len="med"/>
+                    </a:lnR>
+                    <a:lnT w="12700" cap="flat" cmpd="sng" algn="ctr">
+                      <a:solidFill>
+                        <a:srgbClr val="000000"/>
+                      </a:solidFill>
+                      <a:prstDash val="solid"/>
+                      <a:round/>
+                      <a:headEnd type="none" w="med" len="med"/>
+                      <a:tailEnd type="none" w="med" len="med"/>
+                    </a:lnT>
+                    <a:lnB w="12700" cap="flat" cmpd="sng" algn="ctr">
+                      <a:solidFill>
+                        <a:srgbClr val="000000"/>
+                      </a:solidFill>
+                      <a:prstDash val="solid"/>
+                      <a:round/>
+                      <a:headEnd type="none" w="med" len="med"/>
+                      <a:tailEnd type="none" w="med" len="med"/>
+                    </a:lnB>
+                  </a:tcPr>
+                </a:tc>
+                <a:tc>
+                  <a:txBody>
+                    <a:bodyPr/>
+                    <a:lstStyle/>
+                    <a:p>
+                      <a:r>
+                        <a:rPr lang="en-IN" sz="900">
+                          <a:solidFill>
+                            <a:srgbClr val="000000"/>
+                          </a:solidFill>
+                          <a:effectLst/>
+                        </a:rPr>
+                        <a:t>SANDIP</a:t>
+                      </a:r>
+                      <a:endParaRPr lang="en-IN">
+                        <a:effectLst/>
+                      </a:endParaRPr>
+                    </a:p>
+                  </a:txBody>
+                  <a:tcPr marL="68580" marR="68580" marT="0" marB="0" anchor="b">
+                    <a:lnL w="12700" cap="flat" cmpd="sng" algn="ctr">
+                      <a:solidFill>
+                        <a:srgbClr val="000000"/>
+                      </a:solidFill>
+                      <a:prstDash val="solid"/>
+                      <a:round/>
+                      <a:headEnd type="none" w="med" len="med"/>
+                      <a:tailEnd type="none" w="med" len="med"/>
+                    </a:lnL>
+                    <a:lnR w="12700" cap="flat" cmpd="sng" algn="ctr">
+                      <a:solidFill>
+                        <a:srgbClr val="000000"/>
+                      </a:solidFill>
+                      <a:prstDash val="solid"/>
+                      <a:round/>
+                      <a:headEnd type="none" w="med" len="med"/>
+                      <a:tailEnd type="none" w="med" len="med"/>
+                    </a:lnR>
+                    <a:lnT w="12700" cap="flat" cmpd="sng" algn="ctr">
+                      <a:solidFill>
+                        <a:srgbClr val="000000"/>
+                      </a:solidFill>
+                      <a:prstDash val="solid"/>
+                      <a:round/>
+                      <a:headEnd type="none" w="med" len="med"/>
+                      <a:tailEnd type="none" w="med" len="med"/>
+                    </a:lnT>
+                    <a:lnB w="12700" cap="flat" cmpd="sng" algn="ctr">
+                      <a:solidFill>
+                        <a:srgbClr val="000000"/>
+                      </a:solidFill>
+                      <a:prstDash val="solid"/>
+                      <a:round/>
+                      <a:headEnd type="none" w="med" len="med"/>
+                      <a:tailEnd type="none" w="med" len="med"/>
+                    </a:lnB>
+                  </a:tcPr>
+                </a:tc>
+                <a:extLst>
+                  <a:ext uri="{0D108BD9-81ED-4DB2-BD59-A6C34878D82A}">
+                    <a16:rowId xmlns:a16="http://schemas.microsoft.com/office/drawing/2014/main" val="3053671041"/>
+                  </a:ext>
+                </a:extLst>
+              </a:tr>
+              <a:tr h="184150">
+                <a:tc>
+                  <a:txBody>
+                    <a:bodyPr/>
+                    <a:lstStyle/>
+                    <a:p>
+                      <a:pPr algn="r"/>
+                      <a:r>
+                        <a:rPr lang="en-IN" sz="900">
+                          <a:solidFill>
+                            <a:srgbClr val="000000"/>
+                          </a:solidFill>
+                          <a:effectLst/>
+                        </a:rPr>
+                        <a:t>888142</a:t>
+                      </a:r>
+                      <a:endParaRPr lang="en-IN">
+                        <a:effectLst/>
+                      </a:endParaRPr>
+                    </a:p>
+                  </a:txBody>
+                  <a:tcPr marL="68580" marR="68580" marT="0" marB="0" anchor="b">
+                    <a:lnL w="12700" cap="flat" cmpd="sng" algn="ctr">
+                      <a:solidFill>
+                        <a:srgbClr val="000000"/>
+                      </a:solidFill>
+                      <a:prstDash val="solid"/>
+                      <a:round/>
+                      <a:headEnd type="none" w="med" len="med"/>
+                      <a:tailEnd type="none" w="med" len="med"/>
+                    </a:lnL>
+                    <a:lnR w="12700" cap="flat" cmpd="sng" algn="ctr">
+                      <a:solidFill>
+                        <a:srgbClr val="000000"/>
+                      </a:solidFill>
+                      <a:prstDash val="solid"/>
+                      <a:round/>
+                      <a:headEnd type="none" w="med" len="med"/>
+                      <a:tailEnd type="none" w="med" len="med"/>
+                    </a:lnR>
+                    <a:lnT w="12700" cap="flat" cmpd="sng" algn="ctr">
+                      <a:solidFill>
+                        <a:srgbClr val="000000"/>
+                      </a:solidFill>
+                      <a:prstDash val="solid"/>
+                      <a:round/>
+                      <a:headEnd type="none" w="med" len="med"/>
+                      <a:tailEnd type="none" w="med" len="med"/>
+                    </a:lnT>
+                    <a:lnB w="12700" cap="flat" cmpd="sng" algn="ctr">
+                      <a:solidFill>
+                        <a:srgbClr val="000000"/>
+                      </a:solidFill>
+                      <a:prstDash val="solid"/>
+                      <a:round/>
+                      <a:headEnd type="none" w="med" len="med"/>
+                      <a:tailEnd type="none" w="med" len="med"/>
+                    </a:lnB>
+                  </a:tcPr>
+                </a:tc>
+                <a:tc>
+                  <a:txBody>
+                    <a:bodyPr/>
+                    <a:lstStyle/>
+                    <a:p>
+                      <a:r>
+                        <a:rPr lang="en-IN" sz="900" dirty="0">
+                          <a:solidFill>
+                            <a:srgbClr val="000000"/>
+                          </a:solidFill>
+                          <a:effectLst/>
+                        </a:rPr>
+                        <a:t>CHETAN </a:t>
+                      </a:r>
+                      <a:endParaRPr lang="en-IN" dirty="0">
+                        <a:effectLst/>
+                      </a:endParaRPr>
+                    </a:p>
+                  </a:txBody>
+                  <a:tcPr marL="68580" marR="68580" marT="0" marB="0" anchor="b">
+                    <a:lnL w="12700" cap="flat" cmpd="sng" algn="ctr">
+                      <a:solidFill>
+                        <a:srgbClr val="000000"/>
+                      </a:solidFill>
+                      <a:prstDash val="solid"/>
+                      <a:round/>
+                      <a:headEnd type="none" w="med" len="med"/>
+                      <a:tailEnd type="none" w="med" len="med"/>
+                    </a:lnL>
+                    <a:lnR w="12700" cap="flat" cmpd="sng" algn="ctr">
+                      <a:solidFill>
+                        <a:srgbClr val="000000"/>
+                      </a:solidFill>
+                      <a:prstDash val="solid"/>
+                      <a:round/>
+                      <a:headEnd type="none" w="med" len="med"/>
+                      <a:tailEnd type="none" w="med" len="med"/>
+                    </a:lnR>
+                    <a:lnT w="12700" cap="flat" cmpd="sng" algn="ctr">
+                      <a:solidFill>
+                        <a:srgbClr val="000000"/>
+                      </a:solidFill>
+                      <a:prstDash val="solid"/>
+                      <a:round/>
+                      <a:headEnd type="none" w="med" len="med"/>
+                      <a:tailEnd type="none" w="med" len="med"/>
+                    </a:lnT>
+                    <a:lnB w="12700" cap="flat" cmpd="sng" algn="ctr">
+                      <a:solidFill>
+                        <a:srgbClr val="000000"/>
+                      </a:solidFill>
+                      <a:prstDash val="solid"/>
+                      <a:round/>
+                      <a:headEnd type="none" w="med" len="med"/>
+                      <a:tailEnd type="none" w="med" len="med"/>
+                    </a:lnB>
+                  </a:tcPr>
+                </a:tc>
+                <a:extLst>
+                  <a:ext uri="{0D108BD9-81ED-4DB2-BD59-A6C34878D82A}">
+                    <a16:rowId xmlns:a16="http://schemas.microsoft.com/office/drawing/2014/main" val="3828304032"/>
+                  </a:ext>
+                </a:extLst>
+              </a:tr>
+            </a:tbl>
+          </a:graphicData>
+        </a:graphic>
+      </p:graphicFrame>
+    </p:spTree>
+    <p:extLst>
+      <p:ext uri="{BB962C8B-B14F-4D97-AF65-F5344CB8AC3E}">
+        <p14:creationId xmlns:p14="http://schemas.microsoft.com/office/powerpoint/2010/main" val="2183929442"/>
+      </p:ext>
+    </p:extLst>
+  </p:cSld>
+  <p:clrMapOvr>
+    <a:masterClrMapping/>
+  </p:clrMapOvr>
+</p:sld>
+</file>
+
+<file path=ppt/slides/slide18.xml><?xml version="1.0" encoding="utf-8"?>
+<p:sld xmlns:a="http://schemas.openxmlformats.org/drawingml/2006/main" xmlns:r="http://schemas.openxmlformats.org/officeDocument/2006/relationships" xmlns:p="http://schemas.openxmlformats.org/presentationml/2006/main">
+  <p:cSld>
+    <p:spTree>
+      <p:nvGrpSpPr>
+        <p:cNvPr id="1" name=""/>
+        <p:cNvGrpSpPr/>
+        <p:nvPr/>
+      </p:nvGrpSpPr>
+      <p:grpSpPr>
+        <a:xfrm>
+          <a:off x="0" y="0"/>
+          <a:ext cx="0" cy="0"/>
+          <a:chOff x="0" y="0"/>
+          <a:chExt cx="0" cy="0"/>
+        </a:xfrm>
+      </p:grpSpPr>
+      <p:sp>
+        <p:nvSpPr>
+          <p:cNvPr id="2" name="Title 1">
+            <a:extLst>
+              <a:ext uri="{FF2B5EF4-FFF2-40B4-BE49-F238E27FC236}">
+                <a16:creationId xmlns:a16="http://schemas.microsoft.com/office/drawing/2014/main" id="{C54D831F-8286-44DB-87DD-FA1E452BB602}"/>
+              </a:ext>
+            </a:extLst>
+          </p:cNvPr>
+          <p:cNvSpPr>
+            <a:spLocks noGrp="1"/>
+          </p:cNvSpPr>
+          <p:nvPr>
+            <p:ph type="title"/>
+          </p:nvPr>
+        </p:nvSpPr>
+        <p:spPr/>
+        <p:txBody>
+          <a:bodyPr/>
+          <a:lstStyle/>
+          <a:p>
+            <a:r>
+              <a:rPr lang="en-GB" dirty="0"/>
+              <a:t>Categories of Data Model</a:t>
+            </a:r>
+            <a:endParaRPr lang="en-IN" dirty="0"/>
+          </a:p>
+        </p:txBody>
+      </p:sp>
+      <p:graphicFrame>
+        <p:nvGraphicFramePr>
+          <p:cNvPr id="6" name="Content Placeholder 5">
+            <a:extLst>
+              <a:ext uri="{FF2B5EF4-FFF2-40B4-BE49-F238E27FC236}">
+                <a16:creationId xmlns:a16="http://schemas.microsoft.com/office/drawing/2014/main" id="{9947FC18-D34A-4301-8E12-B7F0F14712DA}"/>
+              </a:ext>
+            </a:extLst>
+          </p:cNvPr>
+          <p:cNvGraphicFramePr>
+            <a:graphicFrameLocks noGrp="1"/>
+          </p:cNvGraphicFramePr>
+          <p:nvPr>
+            <p:ph idx="1"/>
+            <p:extLst>
+              <p:ext uri="{D42A27DB-BD31-4B8C-83A1-F6EECF244321}">
+                <p14:modId xmlns:p14="http://schemas.microsoft.com/office/powerpoint/2010/main" val="466251444"/>
+              </p:ext>
+            </p:extLst>
+          </p:nvPr>
+        </p:nvGraphicFramePr>
+        <p:xfrm>
+          <a:off x="2715491" y="2225964"/>
+          <a:ext cx="5057544" cy="2235705"/>
+        </p:xfrm>
+        <a:graphic>
+          <a:graphicData uri="http://schemas.openxmlformats.org/drawingml/2006/table">
+            <a:tbl>
+              <a:tblPr/>
+              <a:tblGrid>
+                <a:gridCol w="729619">
+                  <a:extLst>
+                    <a:ext uri="{9D8B030D-6E8A-4147-A177-3AD203B41FA5}">
+                      <a16:colId xmlns:a16="http://schemas.microsoft.com/office/drawing/2014/main" val="3504786011"/>
+                    </a:ext>
+                  </a:extLst>
+                </a:gridCol>
+                <a:gridCol w="4327925">
+                  <a:extLst>
+                    <a:ext uri="{9D8B030D-6E8A-4147-A177-3AD203B41FA5}">
+                      <a16:colId xmlns:a16="http://schemas.microsoft.com/office/drawing/2014/main" val="1930073364"/>
+                    </a:ext>
+                  </a:extLst>
+                </a:gridCol>
+              </a:tblGrid>
+              <a:tr h="447141">
+                <a:tc>
+                  <a:txBody>
+                    <a:bodyPr/>
+                    <a:lstStyle/>
+                    <a:p>
+                      <a:pPr algn="r"/>
+                      <a:r>
+                        <a:rPr lang="en-IN" sz="900">
+                          <a:solidFill>
+                            <a:srgbClr val="000000"/>
+                          </a:solidFill>
+                          <a:effectLst/>
+                        </a:rPr>
+                        <a:t>888541</a:t>
+                      </a:r>
+                      <a:endParaRPr lang="en-IN">
+                        <a:effectLst/>
+                      </a:endParaRPr>
+                    </a:p>
+                  </a:txBody>
+                  <a:tcPr marL="68580" marR="68580" marT="0" marB="0" anchor="b">
+                    <a:lnL w="12700" cap="flat" cmpd="sng" algn="ctr">
+                      <a:solidFill>
+                        <a:srgbClr val="000000"/>
+                      </a:solidFill>
+                      <a:prstDash val="solid"/>
+                      <a:round/>
+                      <a:headEnd type="none" w="med" len="med"/>
+                      <a:tailEnd type="none" w="med" len="med"/>
+                    </a:lnL>
+                    <a:lnR w="12700" cap="flat" cmpd="sng" algn="ctr">
+                      <a:solidFill>
+                        <a:srgbClr val="000000"/>
+                      </a:solidFill>
+                      <a:prstDash val="solid"/>
+                      <a:round/>
+                      <a:headEnd type="none" w="med" len="med"/>
+                      <a:tailEnd type="none" w="med" len="med"/>
+                    </a:lnR>
+                    <a:lnT>
+                      <a:noFill/>
+                    </a:lnT>
+                    <a:lnB w="12700" cap="flat" cmpd="sng" algn="ctr">
+                      <a:solidFill>
+                        <a:srgbClr val="000000"/>
+                      </a:solidFill>
+                      <a:prstDash val="solid"/>
+                      <a:round/>
+                      <a:headEnd type="none" w="med" len="med"/>
+                      <a:tailEnd type="none" w="med" len="med"/>
+                    </a:lnB>
+                  </a:tcPr>
+                </a:tc>
+                <a:tc>
+                  <a:txBody>
+                    <a:bodyPr/>
+                    <a:lstStyle/>
+                    <a:p>
+                      <a:r>
+                        <a:rPr lang="en-IN" sz="900">
+                          <a:solidFill>
+                            <a:srgbClr val="000000"/>
+                          </a:solidFill>
+                          <a:effectLst/>
+                        </a:rPr>
+                        <a:t>Hariharan </a:t>
+                      </a:r>
+                      <a:endParaRPr lang="en-IN">
+                        <a:effectLst/>
+                      </a:endParaRPr>
+                    </a:p>
+                  </a:txBody>
+                  <a:tcPr marL="68580" marR="68580" marT="0" marB="0" anchor="b">
+                    <a:lnL w="12700" cap="flat" cmpd="sng" algn="ctr">
+                      <a:solidFill>
+                        <a:srgbClr val="000000"/>
+                      </a:solidFill>
+                      <a:prstDash val="solid"/>
+                      <a:round/>
+                      <a:headEnd type="none" w="med" len="med"/>
+                      <a:tailEnd type="none" w="med" len="med"/>
+                    </a:lnL>
+                    <a:lnR w="12700" cap="flat" cmpd="sng" algn="ctr">
+                      <a:solidFill>
+                        <a:srgbClr val="000000"/>
+                      </a:solidFill>
+                      <a:prstDash val="solid"/>
+                      <a:round/>
+                      <a:headEnd type="none" w="med" len="med"/>
+                      <a:tailEnd type="none" w="med" len="med"/>
+                    </a:lnR>
+                    <a:lnT>
+                      <a:noFill/>
+                    </a:lnT>
+                    <a:lnB w="12700" cap="flat" cmpd="sng" algn="ctr">
+                      <a:solidFill>
+                        <a:srgbClr val="000000"/>
+                      </a:solidFill>
+                      <a:prstDash val="solid"/>
+                      <a:round/>
+                      <a:headEnd type="none" w="med" len="med"/>
+                      <a:tailEnd type="none" w="med" len="med"/>
+                    </a:lnB>
+                  </a:tcPr>
+                </a:tc>
+                <a:extLst>
+                  <a:ext uri="{0D108BD9-81ED-4DB2-BD59-A6C34878D82A}">
+                    <a16:rowId xmlns:a16="http://schemas.microsoft.com/office/drawing/2014/main" val="567253854"/>
+                  </a:ext>
+                </a:extLst>
+              </a:tr>
+              <a:tr h="447141">
+                <a:tc>
+                  <a:txBody>
+                    <a:bodyPr/>
+                    <a:lstStyle/>
+                    <a:p>
+                      <a:pPr algn="r"/>
+                      <a:r>
+                        <a:rPr lang="en-IN" sz="900">
+                          <a:solidFill>
+                            <a:srgbClr val="000000"/>
+                          </a:solidFill>
+                          <a:effectLst/>
+                        </a:rPr>
+                        <a:t>888005</a:t>
+                      </a:r>
+                      <a:endParaRPr lang="en-IN">
+                        <a:effectLst/>
+                      </a:endParaRPr>
+                    </a:p>
+                  </a:txBody>
+                  <a:tcPr marL="68580" marR="68580" marT="0" marB="0" anchor="b">
+                    <a:lnL w="12700" cap="flat" cmpd="sng" algn="ctr">
+                      <a:solidFill>
+                        <a:srgbClr val="000000"/>
+                      </a:solidFill>
+                      <a:prstDash val="solid"/>
+                      <a:round/>
+                      <a:headEnd type="none" w="med" len="med"/>
+                      <a:tailEnd type="none" w="med" len="med"/>
+                    </a:lnL>
+                    <a:lnR w="12700" cap="flat" cmpd="sng" algn="ctr">
+                      <a:solidFill>
+                        <a:srgbClr val="000000"/>
+                      </a:solidFill>
+                      <a:prstDash val="solid"/>
+                      <a:round/>
+                      <a:headEnd type="none" w="med" len="med"/>
+                      <a:tailEnd type="none" w="med" len="med"/>
+                    </a:lnR>
+                    <a:lnT w="12700" cap="flat" cmpd="sng" algn="ctr">
+                      <a:solidFill>
+                        <a:srgbClr val="000000"/>
+                      </a:solidFill>
+                      <a:prstDash val="solid"/>
+                      <a:round/>
+                      <a:headEnd type="none" w="med" len="med"/>
+                      <a:tailEnd type="none" w="med" len="med"/>
+                    </a:lnT>
+                    <a:lnB w="12700" cap="flat" cmpd="sng" algn="ctr">
+                      <a:solidFill>
+                        <a:srgbClr val="000000"/>
+                      </a:solidFill>
+                      <a:prstDash val="solid"/>
+                      <a:round/>
+                      <a:headEnd type="none" w="med" len="med"/>
+                      <a:tailEnd type="none" w="med" len="med"/>
+                    </a:lnB>
+                  </a:tcPr>
+                </a:tc>
+                <a:tc>
+                  <a:txBody>
+                    <a:bodyPr/>
+                    <a:lstStyle/>
+                    <a:p>
+                      <a:r>
+                        <a:rPr lang="en-IN" sz="900">
+                          <a:solidFill>
+                            <a:srgbClr val="000000"/>
+                          </a:solidFill>
+                          <a:effectLst/>
+                        </a:rPr>
+                        <a:t>MALAGAVELI VAMSI KRISHNA VARA</a:t>
+                      </a:r>
+                      <a:endParaRPr lang="en-IN">
+                        <a:effectLst/>
+                      </a:endParaRPr>
+                    </a:p>
+                  </a:txBody>
+                  <a:tcPr marL="68580" marR="68580" marT="0" marB="0" anchor="b">
+                    <a:lnL w="12700" cap="flat" cmpd="sng" algn="ctr">
+                      <a:solidFill>
+                        <a:srgbClr val="000000"/>
+                      </a:solidFill>
+                      <a:prstDash val="solid"/>
+                      <a:round/>
+                      <a:headEnd type="none" w="med" len="med"/>
+                      <a:tailEnd type="none" w="med" len="med"/>
+                    </a:lnL>
+                    <a:lnR w="12700" cap="flat" cmpd="sng" algn="ctr">
+                      <a:solidFill>
+                        <a:srgbClr val="000000"/>
+                      </a:solidFill>
+                      <a:prstDash val="solid"/>
+                      <a:round/>
+                      <a:headEnd type="none" w="med" len="med"/>
+                      <a:tailEnd type="none" w="med" len="med"/>
+                    </a:lnR>
+                    <a:lnT w="12700" cap="flat" cmpd="sng" algn="ctr">
+                      <a:solidFill>
+                        <a:srgbClr val="000000"/>
+                      </a:solidFill>
+                      <a:prstDash val="solid"/>
+                      <a:round/>
+                      <a:headEnd type="none" w="med" len="med"/>
+                      <a:tailEnd type="none" w="med" len="med"/>
+                    </a:lnT>
+                    <a:lnB w="12700" cap="flat" cmpd="sng" algn="ctr">
+                      <a:solidFill>
+                        <a:srgbClr val="000000"/>
+                      </a:solidFill>
+                      <a:prstDash val="solid"/>
+                      <a:round/>
+                      <a:headEnd type="none" w="med" len="med"/>
+                      <a:tailEnd type="none" w="med" len="med"/>
+                    </a:lnB>
+                  </a:tcPr>
+                </a:tc>
+                <a:extLst>
+                  <a:ext uri="{0D108BD9-81ED-4DB2-BD59-A6C34878D82A}">
+                    <a16:rowId xmlns:a16="http://schemas.microsoft.com/office/drawing/2014/main" val="2633157385"/>
+                  </a:ext>
+                </a:extLst>
+              </a:tr>
+              <a:tr h="447141">
+                <a:tc>
+                  <a:txBody>
+                    <a:bodyPr/>
+                    <a:lstStyle/>
+                    <a:p>
+                      <a:pPr algn="r"/>
+                      <a:r>
+                        <a:rPr lang="en-IN" sz="900">
+                          <a:solidFill>
+                            <a:srgbClr val="000000"/>
+                          </a:solidFill>
+                          <a:effectLst/>
+                        </a:rPr>
+                        <a:t>888428</a:t>
+                      </a:r>
+                      <a:endParaRPr lang="en-IN">
+                        <a:effectLst/>
+                      </a:endParaRPr>
+                    </a:p>
+                  </a:txBody>
+                  <a:tcPr marL="68580" marR="68580" marT="0" marB="0" anchor="b">
+                    <a:lnL w="12700" cap="flat" cmpd="sng" algn="ctr">
+                      <a:solidFill>
+                        <a:srgbClr val="000000"/>
+                      </a:solidFill>
+                      <a:prstDash val="solid"/>
+                      <a:round/>
+                      <a:headEnd type="none" w="med" len="med"/>
+                      <a:tailEnd type="none" w="med" len="med"/>
+                    </a:lnL>
+                    <a:lnR w="12700" cap="flat" cmpd="sng" algn="ctr">
+                      <a:solidFill>
+                        <a:srgbClr val="000000"/>
+                      </a:solidFill>
+                      <a:prstDash val="solid"/>
+                      <a:round/>
+                      <a:headEnd type="none" w="med" len="med"/>
+                      <a:tailEnd type="none" w="med" len="med"/>
+                    </a:lnR>
+                    <a:lnT w="12700" cap="flat" cmpd="sng" algn="ctr">
+                      <a:solidFill>
+                        <a:srgbClr val="000000"/>
+                      </a:solidFill>
+                      <a:prstDash val="solid"/>
+                      <a:round/>
+                      <a:headEnd type="none" w="med" len="med"/>
+                      <a:tailEnd type="none" w="med" len="med"/>
+                    </a:lnT>
+                    <a:lnB w="12700" cap="flat" cmpd="sng" algn="ctr">
+                      <a:solidFill>
+                        <a:srgbClr val="000000"/>
+                      </a:solidFill>
+                      <a:prstDash val="solid"/>
+                      <a:round/>
+                      <a:headEnd type="none" w="med" len="med"/>
+                      <a:tailEnd type="none" w="med" len="med"/>
+                    </a:lnB>
+                  </a:tcPr>
+                </a:tc>
+                <a:tc>
+                  <a:txBody>
+                    <a:bodyPr/>
+                    <a:lstStyle/>
+                    <a:p>
+                      <a:r>
+                        <a:rPr lang="en-IN" sz="900">
+                          <a:solidFill>
+                            <a:srgbClr val="000000"/>
+                          </a:solidFill>
+                          <a:effectLst/>
+                        </a:rPr>
+                        <a:t>EDIG Vijay</a:t>
+                      </a:r>
+                      <a:endParaRPr lang="en-IN">
+                        <a:effectLst/>
+                      </a:endParaRPr>
+                    </a:p>
+                  </a:txBody>
+                  <a:tcPr marL="68580" marR="68580" marT="0" marB="0" anchor="b">
+                    <a:lnL w="12700" cap="flat" cmpd="sng" algn="ctr">
+                      <a:solidFill>
+                        <a:srgbClr val="000000"/>
+                      </a:solidFill>
+                      <a:prstDash val="solid"/>
+                      <a:round/>
+                      <a:headEnd type="none" w="med" len="med"/>
+                      <a:tailEnd type="none" w="med" len="med"/>
+                    </a:lnL>
+                    <a:lnR w="12700" cap="flat" cmpd="sng" algn="ctr">
+                      <a:solidFill>
+                        <a:srgbClr val="000000"/>
+                      </a:solidFill>
+                      <a:prstDash val="solid"/>
+                      <a:round/>
+                      <a:headEnd type="none" w="med" len="med"/>
+                      <a:tailEnd type="none" w="med" len="med"/>
+                    </a:lnR>
+                    <a:lnT w="12700" cap="flat" cmpd="sng" algn="ctr">
+                      <a:solidFill>
+                        <a:srgbClr val="000000"/>
+                      </a:solidFill>
+                      <a:prstDash val="solid"/>
+                      <a:round/>
+                      <a:headEnd type="none" w="med" len="med"/>
+                      <a:tailEnd type="none" w="med" len="med"/>
+                    </a:lnT>
+                    <a:lnB w="12700" cap="flat" cmpd="sng" algn="ctr">
+                      <a:solidFill>
+                        <a:srgbClr val="000000"/>
+                      </a:solidFill>
+                      <a:prstDash val="solid"/>
+                      <a:round/>
+                      <a:headEnd type="none" w="med" len="med"/>
+                      <a:tailEnd type="none" w="med" len="med"/>
+                    </a:lnB>
+                  </a:tcPr>
+                </a:tc>
+                <a:extLst>
+                  <a:ext uri="{0D108BD9-81ED-4DB2-BD59-A6C34878D82A}">
+                    <a16:rowId xmlns:a16="http://schemas.microsoft.com/office/drawing/2014/main" val="2435162928"/>
+                  </a:ext>
+                </a:extLst>
+              </a:tr>
+              <a:tr h="447141">
+                <a:tc>
+                  <a:txBody>
+                    <a:bodyPr/>
+                    <a:lstStyle/>
+                    <a:p>
+                      <a:pPr algn="r"/>
+                      <a:r>
+                        <a:rPr lang="en-IN" sz="900">
+                          <a:solidFill>
+                            <a:srgbClr val="000000"/>
+                          </a:solidFill>
+                          <a:effectLst/>
+                        </a:rPr>
+                        <a:t>888199</a:t>
+                      </a:r>
+                      <a:endParaRPr lang="en-IN">
+                        <a:effectLst/>
+                      </a:endParaRPr>
+                    </a:p>
+                  </a:txBody>
+                  <a:tcPr marL="68580" marR="68580" marT="0" marB="0" anchor="b">
+                    <a:lnL w="12700" cap="flat" cmpd="sng" algn="ctr">
+                      <a:solidFill>
+                        <a:srgbClr val="000000"/>
+                      </a:solidFill>
+                      <a:prstDash val="solid"/>
+                      <a:round/>
+                      <a:headEnd type="none" w="med" len="med"/>
+                      <a:tailEnd type="none" w="med" len="med"/>
+                    </a:lnL>
+                    <a:lnR w="12700" cap="flat" cmpd="sng" algn="ctr">
+                      <a:solidFill>
+                        <a:srgbClr val="000000"/>
+                      </a:solidFill>
+                      <a:prstDash val="solid"/>
+                      <a:round/>
+                      <a:headEnd type="none" w="med" len="med"/>
+                      <a:tailEnd type="none" w="med" len="med"/>
+                    </a:lnR>
+                    <a:lnT w="12700" cap="flat" cmpd="sng" algn="ctr">
+                      <a:solidFill>
+                        <a:srgbClr val="000000"/>
+                      </a:solidFill>
+                      <a:prstDash val="solid"/>
+                      <a:round/>
+                      <a:headEnd type="none" w="med" len="med"/>
+                      <a:tailEnd type="none" w="med" len="med"/>
+                    </a:lnT>
+                    <a:lnB w="12700" cap="flat" cmpd="sng" algn="ctr">
+                      <a:solidFill>
+                        <a:srgbClr val="000000"/>
+                      </a:solidFill>
+                      <a:prstDash val="solid"/>
+                      <a:round/>
+                      <a:headEnd type="none" w="med" len="med"/>
+                      <a:tailEnd type="none" w="med" len="med"/>
+                    </a:lnB>
+                  </a:tcPr>
+                </a:tc>
+                <a:tc>
+                  <a:txBody>
+                    <a:bodyPr/>
+                    <a:lstStyle/>
+                    <a:p>
+                      <a:r>
+                        <a:rPr lang="en-IN" sz="900">
+                          <a:solidFill>
+                            <a:srgbClr val="000000"/>
+                          </a:solidFill>
+                          <a:effectLst/>
+                        </a:rPr>
+                        <a:t>Josna </a:t>
+                      </a:r>
+                      <a:endParaRPr lang="en-IN">
+                        <a:effectLst/>
+                      </a:endParaRPr>
+                    </a:p>
+                  </a:txBody>
+                  <a:tcPr marL="68580" marR="68580" marT="0" marB="0" anchor="b">
+                    <a:lnL w="12700" cap="flat" cmpd="sng" algn="ctr">
+                      <a:solidFill>
+                        <a:srgbClr val="000000"/>
+                      </a:solidFill>
+                      <a:prstDash val="solid"/>
+                      <a:round/>
+                      <a:headEnd type="none" w="med" len="med"/>
+                      <a:tailEnd type="none" w="med" len="med"/>
+                    </a:lnL>
+                    <a:lnR w="12700" cap="flat" cmpd="sng" algn="ctr">
+                      <a:solidFill>
+                        <a:srgbClr val="000000"/>
+                      </a:solidFill>
+                      <a:prstDash val="solid"/>
+                      <a:round/>
+                      <a:headEnd type="none" w="med" len="med"/>
+                      <a:tailEnd type="none" w="med" len="med"/>
+                    </a:lnR>
+                    <a:lnT w="12700" cap="flat" cmpd="sng" algn="ctr">
+                      <a:solidFill>
+                        <a:srgbClr val="000000"/>
+                      </a:solidFill>
+                      <a:prstDash val="solid"/>
+                      <a:round/>
+                      <a:headEnd type="none" w="med" len="med"/>
+                      <a:tailEnd type="none" w="med" len="med"/>
+                    </a:lnT>
+                    <a:lnB w="12700" cap="flat" cmpd="sng" algn="ctr">
+                      <a:solidFill>
+                        <a:srgbClr val="000000"/>
+                      </a:solidFill>
+                      <a:prstDash val="solid"/>
+                      <a:round/>
+                      <a:headEnd type="none" w="med" len="med"/>
+                      <a:tailEnd type="none" w="med" len="med"/>
+                    </a:lnB>
+                  </a:tcPr>
+                </a:tc>
+                <a:extLst>
+                  <a:ext uri="{0D108BD9-81ED-4DB2-BD59-A6C34878D82A}">
+                    <a16:rowId xmlns:a16="http://schemas.microsoft.com/office/drawing/2014/main" val="938344919"/>
+                  </a:ext>
+                </a:extLst>
+              </a:tr>
+              <a:tr h="447141">
+                <a:tc>
+                  <a:txBody>
+                    <a:bodyPr/>
+                    <a:lstStyle/>
+                    <a:p>
+                      <a:pPr algn="r"/>
+                      <a:r>
+                        <a:rPr lang="en-IN" sz="900">
+                          <a:solidFill>
+                            <a:srgbClr val="000000"/>
+                          </a:solidFill>
+                          <a:effectLst/>
+                        </a:rPr>
+                        <a:t>888517</a:t>
+                      </a:r>
+                      <a:endParaRPr lang="en-IN">
+                        <a:effectLst/>
+                      </a:endParaRPr>
+                    </a:p>
+                  </a:txBody>
+                  <a:tcPr marL="68580" marR="68580" marT="0" marB="0" anchor="b">
+                    <a:lnL w="12700" cap="flat" cmpd="sng" algn="ctr">
+                      <a:solidFill>
+                        <a:srgbClr val="000000"/>
+                      </a:solidFill>
+                      <a:prstDash val="solid"/>
+                      <a:round/>
+                      <a:headEnd type="none" w="med" len="med"/>
+                      <a:tailEnd type="none" w="med" len="med"/>
+                    </a:lnL>
+                    <a:lnR w="12700" cap="flat" cmpd="sng" algn="ctr">
+                      <a:solidFill>
+                        <a:srgbClr val="000000"/>
+                      </a:solidFill>
+                      <a:prstDash val="solid"/>
+                      <a:round/>
+                      <a:headEnd type="none" w="med" len="med"/>
+                      <a:tailEnd type="none" w="med" len="med"/>
+                    </a:lnR>
+                    <a:lnT w="12700" cap="flat" cmpd="sng" algn="ctr">
+                      <a:solidFill>
+                        <a:srgbClr val="000000"/>
+                      </a:solidFill>
+                      <a:prstDash val="solid"/>
+                      <a:round/>
+                      <a:headEnd type="none" w="med" len="med"/>
+                      <a:tailEnd type="none" w="med" len="med"/>
+                    </a:lnT>
+                    <a:lnB w="12700" cap="flat" cmpd="sng" algn="ctr">
+                      <a:solidFill>
+                        <a:srgbClr val="000000"/>
+                      </a:solidFill>
+                      <a:prstDash val="solid"/>
+                      <a:round/>
+                      <a:headEnd type="none" w="med" len="med"/>
+                      <a:tailEnd type="none" w="med" len="med"/>
+                    </a:lnB>
+                  </a:tcPr>
+                </a:tc>
+                <a:tc>
+                  <a:txBody>
+                    <a:bodyPr/>
+                    <a:lstStyle/>
+                    <a:p>
+                      <a:r>
+                        <a:rPr lang="en-IN" sz="900" dirty="0">
+                          <a:solidFill>
+                            <a:srgbClr val="000000"/>
+                          </a:solidFill>
+                          <a:effectLst/>
+                        </a:rPr>
+                        <a:t>AMRITPAL </a:t>
+                      </a:r>
+                      <a:endParaRPr lang="en-IN" dirty="0">
+                        <a:effectLst/>
+                      </a:endParaRPr>
+                    </a:p>
+                  </a:txBody>
+                  <a:tcPr marL="68580" marR="68580" marT="0" marB="0" anchor="b">
+                    <a:lnL w="12700" cap="flat" cmpd="sng" algn="ctr">
+                      <a:solidFill>
+                        <a:srgbClr val="000000"/>
+                      </a:solidFill>
+                      <a:prstDash val="solid"/>
+                      <a:round/>
+                      <a:headEnd type="none" w="med" len="med"/>
+                      <a:tailEnd type="none" w="med" len="med"/>
+                    </a:lnL>
+                    <a:lnR w="12700" cap="flat" cmpd="sng" algn="ctr">
+                      <a:solidFill>
+                        <a:srgbClr val="000000"/>
+                      </a:solidFill>
+                      <a:prstDash val="solid"/>
+                      <a:round/>
+                      <a:headEnd type="none" w="med" len="med"/>
+                      <a:tailEnd type="none" w="med" len="med"/>
+                    </a:lnR>
+                    <a:lnT w="12700" cap="flat" cmpd="sng" algn="ctr">
+                      <a:solidFill>
+                        <a:srgbClr val="000000"/>
+                      </a:solidFill>
+                      <a:prstDash val="solid"/>
+                      <a:round/>
+                      <a:headEnd type="none" w="med" len="med"/>
+                      <a:tailEnd type="none" w="med" len="med"/>
+                    </a:lnT>
+                    <a:lnB w="12700" cap="flat" cmpd="sng" algn="ctr">
+                      <a:solidFill>
+                        <a:srgbClr val="000000"/>
+                      </a:solidFill>
+                      <a:prstDash val="solid"/>
+                      <a:round/>
+                      <a:headEnd type="none" w="med" len="med"/>
+                      <a:tailEnd type="none" w="med" len="med"/>
+                    </a:lnB>
+                  </a:tcPr>
+                </a:tc>
+                <a:extLst>
+                  <a:ext uri="{0D108BD9-81ED-4DB2-BD59-A6C34878D82A}">
+                    <a16:rowId xmlns:a16="http://schemas.microsoft.com/office/drawing/2014/main" val="1390585509"/>
+                  </a:ext>
+                </a:extLst>
+              </a:tr>
+            </a:tbl>
+          </a:graphicData>
+        </a:graphic>
+      </p:graphicFrame>
+    </p:spTree>
+    <p:extLst>
+      <p:ext uri="{BB962C8B-B14F-4D97-AF65-F5344CB8AC3E}">
+        <p14:creationId xmlns:p14="http://schemas.microsoft.com/office/powerpoint/2010/main" val="2827935069"/>
+      </p:ext>
+    </p:extLst>
+  </p:cSld>
+  <p:clrMapOvr>
+    <a:masterClrMapping/>
+  </p:clrMapOvr>
+</p:sld>
+</file>
+
+<file path=ppt/slides/slide19.xml><?xml version="1.0" encoding="utf-8"?>
+<p:sld xmlns:a="http://schemas.openxmlformats.org/drawingml/2006/main" xmlns:r="http://schemas.openxmlformats.org/officeDocument/2006/relationships" xmlns:p="http://schemas.openxmlformats.org/presentationml/2006/main">
+  <p:cSld>
+    <p:spTree>
+      <p:nvGrpSpPr>
+        <p:cNvPr id="1" name=""/>
+        <p:cNvGrpSpPr/>
+        <p:nvPr/>
+      </p:nvGrpSpPr>
+      <p:grpSpPr>
+        <a:xfrm>
+          <a:off x="0" y="0"/>
+          <a:ext cx="0" cy="0"/>
+          <a:chOff x="0" y="0"/>
+          <a:chExt cx="0" cy="0"/>
+        </a:xfrm>
+      </p:grpSpPr>
+      <p:sp>
+        <p:nvSpPr>
+          <p:cNvPr id="2" name="Title 1">
+            <a:extLst>
+              <a:ext uri="{FF2B5EF4-FFF2-40B4-BE49-F238E27FC236}">
+                <a16:creationId xmlns:a16="http://schemas.microsoft.com/office/drawing/2014/main" id="{8DBE2F3B-092D-46AA-9A1F-12C7CED77A5A}"/>
+              </a:ext>
+            </a:extLst>
+          </p:cNvPr>
+          <p:cNvSpPr>
+            <a:spLocks noGrp="1"/>
+          </p:cNvSpPr>
+          <p:nvPr>
+            <p:ph type="title"/>
+          </p:nvPr>
+        </p:nvSpPr>
+        <p:spPr/>
+        <p:txBody>
+          <a:bodyPr/>
+          <a:lstStyle/>
+          <a:p>
+            <a:r>
+              <a:rPr lang="en-GB" dirty="0"/>
+              <a:t>Stages of Data Model</a:t>
+            </a:r>
+            <a:endParaRPr lang="en-IN" dirty="0"/>
+          </a:p>
+        </p:txBody>
+      </p:sp>
+      <p:graphicFrame>
+        <p:nvGraphicFramePr>
+          <p:cNvPr id="4" name="Content Placeholder 3">
+            <a:extLst>
+              <a:ext uri="{FF2B5EF4-FFF2-40B4-BE49-F238E27FC236}">
+                <a16:creationId xmlns:a16="http://schemas.microsoft.com/office/drawing/2014/main" id="{BBE2F2D7-2A83-45B4-B4E4-E8B701CABB49}"/>
+              </a:ext>
+            </a:extLst>
+          </p:cNvPr>
+          <p:cNvGraphicFramePr>
+            <a:graphicFrameLocks noGrp="1"/>
+          </p:cNvGraphicFramePr>
+          <p:nvPr>
+            <p:ph idx="1"/>
+          </p:nvPr>
+        </p:nvGraphicFramePr>
+        <p:xfrm>
+          <a:off x="4418965" y="3540919"/>
+          <a:ext cx="3354070" cy="920750"/>
+        </p:xfrm>
+        <a:graphic>
+          <a:graphicData uri="http://schemas.openxmlformats.org/drawingml/2006/table">
+            <a:tbl>
+              <a:tblPr/>
+              <a:tblGrid>
+                <a:gridCol w="483870">
+                  <a:extLst>
+                    <a:ext uri="{9D8B030D-6E8A-4147-A177-3AD203B41FA5}">
+                      <a16:colId xmlns:a16="http://schemas.microsoft.com/office/drawing/2014/main" val="2467428569"/>
+                    </a:ext>
+                  </a:extLst>
+                </a:gridCol>
+                <a:gridCol w="2870200">
+                  <a:extLst>
+                    <a:ext uri="{9D8B030D-6E8A-4147-A177-3AD203B41FA5}">
+                      <a16:colId xmlns:a16="http://schemas.microsoft.com/office/drawing/2014/main" val="1033893089"/>
+                    </a:ext>
+                  </a:extLst>
+                </a:gridCol>
+              </a:tblGrid>
+              <a:tr h="184150">
+                <a:tc>
+                  <a:txBody>
+                    <a:bodyPr/>
+                    <a:lstStyle/>
+                    <a:p>
+                      <a:pPr algn="r"/>
+                      <a:r>
+                        <a:rPr lang="en-IN" sz="900">
+                          <a:solidFill>
+                            <a:srgbClr val="000000"/>
+                          </a:solidFill>
+                          <a:effectLst/>
+                        </a:rPr>
+                        <a:t>888460</a:t>
+                      </a:r>
+                      <a:endParaRPr lang="en-IN">
+                        <a:effectLst/>
+                      </a:endParaRPr>
+                    </a:p>
+                  </a:txBody>
+                  <a:tcPr marL="68580" marR="68580" marT="0" marB="0" anchor="b">
+                    <a:lnL w="12700" cap="flat" cmpd="sng" algn="ctr">
+                      <a:solidFill>
+                        <a:srgbClr val="000000"/>
+                      </a:solidFill>
+                      <a:prstDash val="solid"/>
+                      <a:round/>
+                      <a:headEnd type="none" w="med" len="med"/>
+                      <a:tailEnd type="none" w="med" len="med"/>
+                    </a:lnL>
+                    <a:lnR w="12700" cap="flat" cmpd="sng" algn="ctr">
+                      <a:solidFill>
+                        <a:srgbClr val="000000"/>
+                      </a:solidFill>
+                      <a:prstDash val="solid"/>
+                      <a:round/>
+                      <a:headEnd type="none" w="med" len="med"/>
+                      <a:tailEnd type="none" w="med" len="med"/>
+                    </a:lnR>
+                    <a:lnT>
+                      <a:noFill/>
+                    </a:lnT>
+                    <a:lnB w="12700" cap="flat" cmpd="sng" algn="ctr">
+                      <a:solidFill>
+                        <a:srgbClr val="000000"/>
+                      </a:solidFill>
+                      <a:prstDash val="solid"/>
+                      <a:round/>
+                      <a:headEnd type="none" w="med" len="med"/>
+                      <a:tailEnd type="none" w="med" len="med"/>
+                    </a:lnB>
+                  </a:tcPr>
+                </a:tc>
+                <a:tc>
+                  <a:txBody>
+                    <a:bodyPr/>
+                    <a:lstStyle/>
+                    <a:p>
+                      <a:r>
+                        <a:rPr lang="en-IN" sz="900">
+                          <a:solidFill>
+                            <a:srgbClr val="000000"/>
+                          </a:solidFill>
+                          <a:effectLst/>
+                        </a:rPr>
+                        <a:t>Amulya </a:t>
+                      </a:r>
+                      <a:endParaRPr lang="en-IN">
+                        <a:effectLst/>
+                      </a:endParaRPr>
+                    </a:p>
+                  </a:txBody>
+                  <a:tcPr marL="68580" marR="68580" marT="0" marB="0" anchor="b">
+                    <a:lnL w="12700" cap="flat" cmpd="sng" algn="ctr">
+                      <a:solidFill>
+                        <a:srgbClr val="000000"/>
+                      </a:solidFill>
+                      <a:prstDash val="solid"/>
+                      <a:round/>
+                      <a:headEnd type="none" w="med" len="med"/>
+                      <a:tailEnd type="none" w="med" len="med"/>
+                    </a:lnL>
+                    <a:lnR w="12700" cap="flat" cmpd="sng" algn="ctr">
+                      <a:solidFill>
+                        <a:srgbClr val="000000"/>
+                      </a:solidFill>
+                      <a:prstDash val="solid"/>
+                      <a:round/>
+                      <a:headEnd type="none" w="med" len="med"/>
+                      <a:tailEnd type="none" w="med" len="med"/>
+                    </a:lnR>
+                    <a:lnT>
+                      <a:noFill/>
+                    </a:lnT>
+                    <a:lnB w="12700" cap="flat" cmpd="sng" algn="ctr">
+                      <a:solidFill>
+                        <a:srgbClr val="000000"/>
+                      </a:solidFill>
+                      <a:prstDash val="solid"/>
+                      <a:round/>
+                      <a:headEnd type="none" w="med" len="med"/>
+                      <a:tailEnd type="none" w="med" len="med"/>
+                    </a:lnB>
+                  </a:tcPr>
+                </a:tc>
+                <a:extLst>
+                  <a:ext uri="{0D108BD9-81ED-4DB2-BD59-A6C34878D82A}">
+                    <a16:rowId xmlns:a16="http://schemas.microsoft.com/office/drawing/2014/main" val="1049983242"/>
+                  </a:ext>
+                </a:extLst>
+              </a:tr>
+              <a:tr h="184150">
+                <a:tc>
+                  <a:txBody>
+                    <a:bodyPr/>
+                    <a:lstStyle/>
+                    <a:p>
+                      <a:pPr algn="r"/>
+                      <a:r>
+                        <a:rPr lang="en-IN" sz="900">
+                          <a:solidFill>
+                            <a:srgbClr val="000000"/>
+                          </a:solidFill>
+                          <a:effectLst/>
+                        </a:rPr>
+                        <a:t>888200</a:t>
+                      </a:r>
+                      <a:endParaRPr lang="en-IN">
+                        <a:effectLst/>
+                      </a:endParaRPr>
+                    </a:p>
+                  </a:txBody>
+                  <a:tcPr marL="68580" marR="68580" marT="0" marB="0" anchor="b">
+                    <a:lnL w="12700" cap="flat" cmpd="sng" algn="ctr">
+                      <a:solidFill>
+                        <a:srgbClr val="000000"/>
+                      </a:solidFill>
+                      <a:prstDash val="solid"/>
+                      <a:round/>
+                      <a:headEnd type="none" w="med" len="med"/>
+                      <a:tailEnd type="none" w="med" len="med"/>
+                    </a:lnL>
+                    <a:lnR w="12700" cap="flat" cmpd="sng" algn="ctr">
+                      <a:solidFill>
+                        <a:srgbClr val="000000"/>
+                      </a:solidFill>
+                      <a:prstDash val="solid"/>
+                      <a:round/>
+                      <a:headEnd type="none" w="med" len="med"/>
+                      <a:tailEnd type="none" w="med" len="med"/>
+                    </a:lnR>
+                    <a:lnT w="12700" cap="flat" cmpd="sng" algn="ctr">
+                      <a:solidFill>
+                        <a:srgbClr val="000000"/>
+                      </a:solidFill>
+                      <a:prstDash val="solid"/>
+                      <a:round/>
+                      <a:headEnd type="none" w="med" len="med"/>
+                      <a:tailEnd type="none" w="med" len="med"/>
+                    </a:lnT>
+                    <a:lnB w="12700" cap="flat" cmpd="sng" algn="ctr">
+                      <a:solidFill>
+                        <a:srgbClr val="000000"/>
+                      </a:solidFill>
+                      <a:prstDash val="solid"/>
+                      <a:round/>
+                      <a:headEnd type="none" w="med" len="med"/>
+                      <a:tailEnd type="none" w="med" len="med"/>
+                    </a:lnB>
+                  </a:tcPr>
+                </a:tc>
+                <a:tc>
+                  <a:txBody>
+                    <a:bodyPr/>
+                    <a:lstStyle/>
+                    <a:p>
+                      <a:r>
+                        <a:rPr lang="en-IN" sz="900">
+                          <a:solidFill>
+                            <a:srgbClr val="000000"/>
+                          </a:solidFill>
+                          <a:effectLst/>
+                        </a:rPr>
+                        <a:t>Hari Priya</a:t>
+                      </a:r>
+                      <a:endParaRPr lang="en-IN">
+                        <a:effectLst/>
+                      </a:endParaRPr>
+                    </a:p>
+                  </a:txBody>
+                  <a:tcPr marL="68580" marR="68580" marT="0" marB="0" anchor="b">
+                    <a:lnL w="12700" cap="flat" cmpd="sng" algn="ctr">
+                      <a:solidFill>
+                        <a:srgbClr val="000000"/>
+                      </a:solidFill>
+                      <a:prstDash val="solid"/>
+                      <a:round/>
+                      <a:headEnd type="none" w="med" len="med"/>
+                      <a:tailEnd type="none" w="med" len="med"/>
+                    </a:lnL>
+                    <a:lnR w="12700" cap="flat" cmpd="sng" algn="ctr">
+                      <a:solidFill>
+                        <a:srgbClr val="000000"/>
+                      </a:solidFill>
+                      <a:prstDash val="solid"/>
+                      <a:round/>
+                      <a:headEnd type="none" w="med" len="med"/>
+                      <a:tailEnd type="none" w="med" len="med"/>
+                    </a:lnR>
+                    <a:lnT w="12700" cap="flat" cmpd="sng" algn="ctr">
+                      <a:solidFill>
+                        <a:srgbClr val="000000"/>
+                      </a:solidFill>
+                      <a:prstDash val="solid"/>
+                      <a:round/>
+                      <a:headEnd type="none" w="med" len="med"/>
+                      <a:tailEnd type="none" w="med" len="med"/>
+                    </a:lnT>
+                    <a:lnB w="12700" cap="flat" cmpd="sng" algn="ctr">
+                      <a:solidFill>
+                        <a:srgbClr val="000000"/>
+                      </a:solidFill>
+                      <a:prstDash val="solid"/>
+                      <a:round/>
+                      <a:headEnd type="none" w="med" len="med"/>
+                      <a:tailEnd type="none" w="med" len="med"/>
+                    </a:lnB>
+                  </a:tcPr>
+                </a:tc>
+                <a:extLst>
+                  <a:ext uri="{0D108BD9-81ED-4DB2-BD59-A6C34878D82A}">
+                    <a16:rowId xmlns:a16="http://schemas.microsoft.com/office/drawing/2014/main" val="3585727533"/>
+                  </a:ext>
+                </a:extLst>
+              </a:tr>
+              <a:tr h="184150">
+                <a:tc>
+                  <a:txBody>
+                    <a:bodyPr/>
+                    <a:lstStyle/>
+                    <a:p>
+                      <a:pPr algn="r"/>
+                      <a:r>
+                        <a:rPr lang="en-IN" sz="900">
+                          <a:solidFill>
+                            <a:srgbClr val="000000"/>
+                          </a:solidFill>
+                          <a:effectLst/>
+                        </a:rPr>
+                        <a:t>888082</a:t>
+                      </a:r>
+                      <a:endParaRPr lang="en-IN">
+                        <a:effectLst/>
+                      </a:endParaRPr>
+                    </a:p>
+                  </a:txBody>
+                  <a:tcPr marL="68580" marR="68580" marT="0" marB="0" anchor="b">
+                    <a:lnL w="12700" cap="flat" cmpd="sng" algn="ctr">
+                      <a:solidFill>
+                        <a:srgbClr val="000000"/>
+                      </a:solidFill>
+                      <a:prstDash val="solid"/>
+                      <a:round/>
+                      <a:headEnd type="none" w="med" len="med"/>
+                      <a:tailEnd type="none" w="med" len="med"/>
+                    </a:lnL>
+                    <a:lnR w="12700" cap="flat" cmpd="sng" algn="ctr">
+                      <a:solidFill>
+                        <a:srgbClr val="000000"/>
+                      </a:solidFill>
+                      <a:prstDash val="solid"/>
+                      <a:round/>
+                      <a:headEnd type="none" w="med" len="med"/>
+                      <a:tailEnd type="none" w="med" len="med"/>
+                    </a:lnR>
+                    <a:lnT w="12700" cap="flat" cmpd="sng" algn="ctr">
+                      <a:solidFill>
+                        <a:srgbClr val="000000"/>
+                      </a:solidFill>
+                      <a:prstDash val="solid"/>
+                      <a:round/>
+                      <a:headEnd type="none" w="med" len="med"/>
+                      <a:tailEnd type="none" w="med" len="med"/>
+                    </a:lnT>
+                    <a:lnB w="12700" cap="flat" cmpd="sng" algn="ctr">
+                      <a:solidFill>
+                        <a:srgbClr val="000000"/>
+                      </a:solidFill>
+                      <a:prstDash val="solid"/>
+                      <a:round/>
+                      <a:headEnd type="none" w="med" len="med"/>
+                      <a:tailEnd type="none" w="med" len="med"/>
+                    </a:lnB>
+                  </a:tcPr>
+                </a:tc>
+                <a:tc>
+                  <a:txBody>
+                    <a:bodyPr/>
+                    <a:lstStyle/>
+                    <a:p>
+                      <a:r>
+                        <a:rPr lang="en-IN" sz="900">
+                          <a:solidFill>
+                            <a:srgbClr val="000000"/>
+                          </a:solidFill>
+                          <a:effectLst/>
+                        </a:rPr>
+                        <a:t>Tele Aishwarya</a:t>
+                      </a:r>
+                      <a:endParaRPr lang="en-IN">
+                        <a:effectLst/>
+                      </a:endParaRPr>
+                    </a:p>
+                  </a:txBody>
+                  <a:tcPr marL="68580" marR="68580" marT="0" marB="0" anchor="b">
+                    <a:lnL w="12700" cap="flat" cmpd="sng" algn="ctr">
+                      <a:solidFill>
+                        <a:srgbClr val="000000"/>
+                      </a:solidFill>
+                      <a:prstDash val="solid"/>
+                      <a:round/>
+                      <a:headEnd type="none" w="med" len="med"/>
+                      <a:tailEnd type="none" w="med" len="med"/>
+                    </a:lnL>
+                    <a:lnR w="12700" cap="flat" cmpd="sng" algn="ctr">
+                      <a:solidFill>
+                        <a:srgbClr val="000000"/>
+                      </a:solidFill>
+                      <a:prstDash val="solid"/>
+                      <a:round/>
+                      <a:headEnd type="none" w="med" len="med"/>
+                      <a:tailEnd type="none" w="med" len="med"/>
+                    </a:lnR>
+                    <a:lnT w="12700" cap="flat" cmpd="sng" algn="ctr">
+                      <a:solidFill>
+                        <a:srgbClr val="000000"/>
+                      </a:solidFill>
+                      <a:prstDash val="solid"/>
+                      <a:round/>
+                      <a:headEnd type="none" w="med" len="med"/>
+                      <a:tailEnd type="none" w="med" len="med"/>
+                    </a:lnT>
+                    <a:lnB w="12700" cap="flat" cmpd="sng" algn="ctr">
+                      <a:solidFill>
+                        <a:srgbClr val="000000"/>
+                      </a:solidFill>
+                      <a:prstDash val="solid"/>
+                      <a:round/>
+                      <a:headEnd type="none" w="med" len="med"/>
+                      <a:tailEnd type="none" w="med" len="med"/>
+                    </a:lnB>
+                  </a:tcPr>
+                </a:tc>
+                <a:extLst>
+                  <a:ext uri="{0D108BD9-81ED-4DB2-BD59-A6C34878D82A}">
+                    <a16:rowId xmlns:a16="http://schemas.microsoft.com/office/drawing/2014/main" val="1222277259"/>
+                  </a:ext>
+                </a:extLst>
+              </a:tr>
+              <a:tr h="184150">
+                <a:tc>
+                  <a:txBody>
+                    <a:bodyPr/>
+                    <a:lstStyle/>
+                    <a:p>
+                      <a:pPr algn="r"/>
+                      <a:r>
+                        <a:rPr lang="en-IN" sz="900">
+                          <a:solidFill>
+                            <a:srgbClr val="000000"/>
+                          </a:solidFill>
+                          <a:effectLst/>
+                        </a:rPr>
+                        <a:t>888053</a:t>
+                      </a:r>
+                      <a:endParaRPr lang="en-IN">
+                        <a:effectLst/>
+                      </a:endParaRPr>
+                    </a:p>
+                  </a:txBody>
+                  <a:tcPr marL="68580" marR="68580" marT="0" marB="0" anchor="b">
+                    <a:lnL w="12700" cap="flat" cmpd="sng" algn="ctr">
+                      <a:solidFill>
+                        <a:srgbClr val="000000"/>
+                      </a:solidFill>
+                      <a:prstDash val="solid"/>
+                      <a:round/>
+                      <a:headEnd type="none" w="med" len="med"/>
+                      <a:tailEnd type="none" w="med" len="med"/>
+                    </a:lnL>
+                    <a:lnR w="12700" cap="flat" cmpd="sng" algn="ctr">
+                      <a:solidFill>
+                        <a:srgbClr val="000000"/>
+                      </a:solidFill>
+                      <a:prstDash val="solid"/>
+                      <a:round/>
+                      <a:headEnd type="none" w="med" len="med"/>
+                      <a:tailEnd type="none" w="med" len="med"/>
+                    </a:lnR>
+                    <a:lnT w="12700" cap="flat" cmpd="sng" algn="ctr">
+                      <a:solidFill>
+                        <a:srgbClr val="000000"/>
+                      </a:solidFill>
+                      <a:prstDash val="solid"/>
+                      <a:round/>
+                      <a:headEnd type="none" w="med" len="med"/>
+                      <a:tailEnd type="none" w="med" len="med"/>
+                    </a:lnT>
+                    <a:lnB w="12700" cap="flat" cmpd="sng" algn="ctr">
+                      <a:solidFill>
+                        <a:srgbClr val="000000"/>
+                      </a:solidFill>
+                      <a:prstDash val="solid"/>
+                      <a:round/>
+                      <a:headEnd type="none" w="med" len="med"/>
+                      <a:tailEnd type="none" w="med" len="med"/>
+                    </a:lnB>
+                  </a:tcPr>
+                </a:tc>
+                <a:tc>
+                  <a:txBody>
+                    <a:bodyPr/>
+                    <a:lstStyle/>
+                    <a:p>
+                      <a:r>
+                        <a:rPr lang="en-IN" sz="900">
+                          <a:solidFill>
+                            <a:srgbClr val="000000"/>
+                          </a:solidFill>
+                          <a:effectLst/>
+                        </a:rPr>
+                        <a:t>Vaishakha </a:t>
+                      </a:r>
+                      <a:endParaRPr lang="en-IN">
+                        <a:effectLst/>
+                      </a:endParaRPr>
+                    </a:p>
+                  </a:txBody>
+                  <a:tcPr marL="68580" marR="68580" marT="0" marB="0" anchor="b">
+                    <a:lnL w="12700" cap="flat" cmpd="sng" algn="ctr">
+                      <a:solidFill>
+                        <a:srgbClr val="000000"/>
+                      </a:solidFill>
+                      <a:prstDash val="solid"/>
+                      <a:round/>
+                      <a:headEnd type="none" w="med" len="med"/>
+                      <a:tailEnd type="none" w="med" len="med"/>
+                    </a:lnL>
+                    <a:lnR w="12700" cap="flat" cmpd="sng" algn="ctr">
+                      <a:solidFill>
+                        <a:srgbClr val="000000"/>
+                      </a:solidFill>
+                      <a:prstDash val="solid"/>
+                      <a:round/>
+                      <a:headEnd type="none" w="med" len="med"/>
+                      <a:tailEnd type="none" w="med" len="med"/>
+                    </a:lnR>
+                    <a:lnT w="12700" cap="flat" cmpd="sng" algn="ctr">
+                      <a:solidFill>
+                        <a:srgbClr val="000000"/>
+                      </a:solidFill>
+                      <a:prstDash val="solid"/>
+                      <a:round/>
+                      <a:headEnd type="none" w="med" len="med"/>
+                      <a:tailEnd type="none" w="med" len="med"/>
+                    </a:lnT>
+                    <a:lnB w="12700" cap="flat" cmpd="sng" algn="ctr">
+                      <a:solidFill>
+                        <a:srgbClr val="000000"/>
+                      </a:solidFill>
+                      <a:prstDash val="solid"/>
+                      <a:round/>
+                      <a:headEnd type="none" w="med" len="med"/>
+                      <a:tailEnd type="none" w="med" len="med"/>
+                    </a:lnB>
+                  </a:tcPr>
+                </a:tc>
+                <a:extLst>
+                  <a:ext uri="{0D108BD9-81ED-4DB2-BD59-A6C34878D82A}">
+                    <a16:rowId xmlns:a16="http://schemas.microsoft.com/office/drawing/2014/main" val="625693586"/>
+                  </a:ext>
+                </a:extLst>
+              </a:tr>
+              <a:tr h="184150">
+                <a:tc>
+                  <a:txBody>
+                    <a:bodyPr/>
+                    <a:lstStyle/>
+                    <a:p>
+                      <a:pPr algn="r"/>
+                      <a:r>
+                        <a:rPr lang="en-IN" sz="900">
+                          <a:solidFill>
+                            <a:srgbClr val="000000"/>
+                          </a:solidFill>
+                          <a:effectLst/>
+                        </a:rPr>
+                        <a:t>888091</a:t>
+                      </a:r>
+                      <a:endParaRPr lang="en-IN">
+                        <a:effectLst/>
+                      </a:endParaRPr>
+                    </a:p>
+                  </a:txBody>
+                  <a:tcPr marL="68580" marR="68580" marT="0" marB="0" anchor="b">
+                    <a:lnL w="12700" cap="flat" cmpd="sng" algn="ctr">
+                      <a:solidFill>
+                        <a:srgbClr val="000000"/>
+                      </a:solidFill>
+                      <a:prstDash val="solid"/>
+                      <a:round/>
+                      <a:headEnd type="none" w="med" len="med"/>
+                      <a:tailEnd type="none" w="med" len="med"/>
+                    </a:lnL>
+                    <a:lnR w="12700" cap="flat" cmpd="sng" algn="ctr">
+                      <a:solidFill>
+                        <a:srgbClr val="000000"/>
+                      </a:solidFill>
+                      <a:prstDash val="solid"/>
+                      <a:round/>
+                      <a:headEnd type="none" w="med" len="med"/>
+                      <a:tailEnd type="none" w="med" len="med"/>
+                    </a:lnR>
+                    <a:lnT w="12700" cap="flat" cmpd="sng" algn="ctr">
+                      <a:solidFill>
+                        <a:srgbClr val="000000"/>
+                      </a:solidFill>
+                      <a:prstDash val="solid"/>
+                      <a:round/>
+                      <a:headEnd type="none" w="med" len="med"/>
+                      <a:tailEnd type="none" w="med" len="med"/>
+                    </a:lnT>
+                    <a:lnB w="12700" cap="flat" cmpd="sng" algn="ctr">
+                      <a:solidFill>
+                        <a:srgbClr val="000000"/>
+                      </a:solidFill>
+                      <a:prstDash val="solid"/>
+                      <a:round/>
+                      <a:headEnd type="none" w="med" len="med"/>
+                      <a:tailEnd type="none" w="med" len="med"/>
+                    </a:lnB>
+                  </a:tcPr>
+                </a:tc>
+                <a:tc>
+                  <a:txBody>
+                    <a:bodyPr/>
+                    <a:lstStyle/>
+                    <a:p>
+                      <a:r>
+                        <a:rPr lang="en-IN" sz="900" dirty="0" err="1">
+                          <a:solidFill>
+                            <a:srgbClr val="000000"/>
+                          </a:solidFill>
+                          <a:effectLst/>
+                        </a:rPr>
+                        <a:t>Subhiksha</a:t>
+                      </a:r>
+                      <a:r>
+                        <a:rPr lang="en-IN" sz="900" dirty="0">
+                          <a:solidFill>
+                            <a:srgbClr val="000000"/>
+                          </a:solidFill>
+                          <a:effectLst/>
+                        </a:rPr>
+                        <a:t> K</a:t>
+                      </a:r>
+                      <a:endParaRPr lang="en-IN" dirty="0">
+                        <a:effectLst/>
+                      </a:endParaRPr>
+                    </a:p>
+                  </a:txBody>
+                  <a:tcPr marL="68580" marR="68580" marT="0" marB="0" anchor="b">
+                    <a:lnL w="12700" cap="flat" cmpd="sng" algn="ctr">
+                      <a:solidFill>
+                        <a:srgbClr val="000000"/>
+                      </a:solidFill>
+                      <a:prstDash val="solid"/>
+                      <a:round/>
+                      <a:headEnd type="none" w="med" len="med"/>
+                      <a:tailEnd type="none" w="med" len="med"/>
+                    </a:lnL>
+                    <a:lnR w="12700" cap="flat" cmpd="sng" algn="ctr">
+                      <a:solidFill>
+                        <a:srgbClr val="000000"/>
+                      </a:solidFill>
+                      <a:prstDash val="solid"/>
+                      <a:round/>
+                      <a:headEnd type="none" w="med" len="med"/>
+                      <a:tailEnd type="none" w="med" len="med"/>
+                    </a:lnR>
+                    <a:lnT w="12700" cap="flat" cmpd="sng" algn="ctr">
+                      <a:solidFill>
+                        <a:srgbClr val="000000"/>
+                      </a:solidFill>
+                      <a:prstDash val="solid"/>
+                      <a:round/>
+                      <a:headEnd type="none" w="med" len="med"/>
+                      <a:tailEnd type="none" w="med" len="med"/>
+                    </a:lnT>
+                    <a:lnB w="12700" cap="flat" cmpd="sng" algn="ctr">
+                      <a:solidFill>
+                        <a:srgbClr val="000000"/>
+                      </a:solidFill>
+                      <a:prstDash val="solid"/>
+                      <a:round/>
+                      <a:headEnd type="none" w="med" len="med"/>
+                      <a:tailEnd type="none" w="med" len="med"/>
+                    </a:lnB>
+                  </a:tcPr>
+                </a:tc>
+                <a:extLst>
+                  <a:ext uri="{0D108BD9-81ED-4DB2-BD59-A6C34878D82A}">
+                    <a16:rowId xmlns:a16="http://schemas.microsoft.com/office/drawing/2014/main" val="2829847643"/>
+                  </a:ext>
+                </a:extLst>
+              </a:tr>
+            </a:tbl>
+          </a:graphicData>
+        </a:graphic>
+      </p:graphicFrame>
+    </p:spTree>
+    <p:extLst>
+      <p:ext uri="{BB962C8B-B14F-4D97-AF65-F5344CB8AC3E}">
+        <p14:creationId xmlns:p14="http://schemas.microsoft.com/office/powerpoint/2010/main" val="1544654065"/>
       </p:ext>
     </p:extLst>
   </p:cSld>
@@ -4727,6 +8510,2046 @@
     <p:extLst>
       <p:ext uri="{BB962C8B-B14F-4D97-AF65-F5344CB8AC3E}">
         <p14:creationId xmlns:p14="http://schemas.microsoft.com/office/powerpoint/2010/main" val="120676402"/>
+      </p:ext>
+    </p:extLst>
+  </p:cSld>
+  <p:clrMapOvr>
+    <a:masterClrMapping/>
+  </p:clrMapOvr>
+</p:sld>
+</file>
+
+<file path=ppt/slides/slide20.xml><?xml version="1.0" encoding="utf-8"?>
+<p:sld xmlns:a="http://schemas.openxmlformats.org/drawingml/2006/main" xmlns:r="http://schemas.openxmlformats.org/officeDocument/2006/relationships" xmlns:p="http://schemas.openxmlformats.org/presentationml/2006/main">
+  <p:cSld>
+    <p:spTree>
+      <p:nvGrpSpPr>
+        <p:cNvPr id="1" name=""/>
+        <p:cNvGrpSpPr/>
+        <p:nvPr/>
+      </p:nvGrpSpPr>
+      <p:grpSpPr>
+        <a:xfrm>
+          <a:off x="0" y="0"/>
+          <a:ext cx="0" cy="0"/>
+          <a:chOff x="0" y="0"/>
+          <a:chExt cx="0" cy="0"/>
+        </a:xfrm>
+      </p:grpSpPr>
+      <p:sp>
+        <p:nvSpPr>
+          <p:cNvPr id="2" name="Title 1">
+            <a:extLst>
+              <a:ext uri="{FF2B5EF4-FFF2-40B4-BE49-F238E27FC236}">
+                <a16:creationId xmlns:a16="http://schemas.microsoft.com/office/drawing/2014/main" id="{EBF19518-ADC9-4E77-A44C-CB9625476F7A}"/>
+              </a:ext>
+            </a:extLst>
+          </p:cNvPr>
+          <p:cNvSpPr>
+            <a:spLocks noGrp="1"/>
+          </p:cNvSpPr>
+          <p:nvPr>
+            <p:ph type="title"/>
+          </p:nvPr>
+        </p:nvSpPr>
+        <p:spPr/>
+        <p:txBody>
+          <a:bodyPr/>
+          <a:lstStyle/>
+          <a:p>
+            <a:r>
+              <a:rPr lang="en-GB" dirty="0"/>
+              <a:t>Logical Data Model Contents</a:t>
+            </a:r>
+            <a:endParaRPr lang="en-IN" dirty="0"/>
+          </a:p>
+        </p:txBody>
+      </p:sp>
+      <p:graphicFrame>
+        <p:nvGraphicFramePr>
+          <p:cNvPr id="6" name="Content Placeholder 5">
+            <a:extLst>
+              <a:ext uri="{FF2B5EF4-FFF2-40B4-BE49-F238E27FC236}">
+                <a16:creationId xmlns:a16="http://schemas.microsoft.com/office/drawing/2014/main" id="{917231FC-169C-466A-A6F6-5D31E904956F}"/>
+              </a:ext>
+            </a:extLst>
+          </p:cNvPr>
+          <p:cNvGraphicFramePr>
+            <a:graphicFrameLocks noGrp="1"/>
+          </p:cNvGraphicFramePr>
+          <p:nvPr>
+            <p:ph idx="1"/>
+          </p:nvPr>
+        </p:nvGraphicFramePr>
+        <p:xfrm>
+          <a:off x="4418965" y="3540919"/>
+          <a:ext cx="3354070" cy="920750"/>
+        </p:xfrm>
+        <a:graphic>
+          <a:graphicData uri="http://schemas.openxmlformats.org/drawingml/2006/table">
+            <a:tbl>
+              <a:tblPr/>
+              <a:tblGrid>
+                <a:gridCol w="483870">
+                  <a:extLst>
+                    <a:ext uri="{9D8B030D-6E8A-4147-A177-3AD203B41FA5}">
+                      <a16:colId xmlns:a16="http://schemas.microsoft.com/office/drawing/2014/main" val="3942437479"/>
+                    </a:ext>
+                  </a:extLst>
+                </a:gridCol>
+                <a:gridCol w="2870200">
+                  <a:extLst>
+                    <a:ext uri="{9D8B030D-6E8A-4147-A177-3AD203B41FA5}">
+                      <a16:colId xmlns:a16="http://schemas.microsoft.com/office/drawing/2014/main" val="1723162496"/>
+                    </a:ext>
+                  </a:extLst>
+                </a:gridCol>
+              </a:tblGrid>
+              <a:tr h="184150">
+                <a:tc>
+                  <a:txBody>
+                    <a:bodyPr/>
+                    <a:lstStyle/>
+                    <a:p>
+                      <a:pPr algn="r"/>
+                      <a:r>
+                        <a:rPr lang="en-IN" sz="900">
+                          <a:solidFill>
+                            <a:srgbClr val="000000"/>
+                          </a:solidFill>
+                          <a:effectLst/>
+                        </a:rPr>
+                        <a:t>888279</a:t>
+                      </a:r>
+                      <a:endParaRPr lang="en-IN">
+                        <a:effectLst/>
+                      </a:endParaRPr>
+                    </a:p>
+                  </a:txBody>
+                  <a:tcPr marL="68580" marR="68580" marT="0" marB="0" anchor="b">
+                    <a:lnL w="12700" cap="flat" cmpd="sng" algn="ctr">
+                      <a:solidFill>
+                        <a:srgbClr val="000000"/>
+                      </a:solidFill>
+                      <a:prstDash val="solid"/>
+                      <a:round/>
+                      <a:headEnd type="none" w="med" len="med"/>
+                      <a:tailEnd type="none" w="med" len="med"/>
+                    </a:lnL>
+                    <a:lnR w="12700" cap="flat" cmpd="sng" algn="ctr">
+                      <a:solidFill>
+                        <a:srgbClr val="000000"/>
+                      </a:solidFill>
+                      <a:prstDash val="solid"/>
+                      <a:round/>
+                      <a:headEnd type="none" w="med" len="med"/>
+                      <a:tailEnd type="none" w="med" len="med"/>
+                    </a:lnR>
+                    <a:lnT>
+                      <a:noFill/>
+                    </a:lnT>
+                    <a:lnB w="12700" cap="flat" cmpd="sng" algn="ctr">
+                      <a:solidFill>
+                        <a:srgbClr val="000000"/>
+                      </a:solidFill>
+                      <a:prstDash val="solid"/>
+                      <a:round/>
+                      <a:headEnd type="none" w="med" len="med"/>
+                      <a:tailEnd type="none" w="med" len="med"/>
+                    </a:lnB>
+                  </a:tcPr>
+                </a:tc>
+                <a:tc>
+                  <a:txBody>
+                    <a:bodyPr/>
+                    <a:lstStyle/>
+                    <a:p>
+                      <a:r>
+                        <a:rPr lang="en-IN" sz="900">
+                          <a:solidFill>
+                            <a:srgbClr val="000000"/>
+                          </a:solidFill>
+                          <a:effectLst/>
+                        </a:rPr>
+                        <a:t>Mahajan Sahil</a:t>
+                      </a:r>
+                      <a:endParaRPr lang="en-IN">
+                        <a:effectLst/>
+                      </a:endParaRPr>
+                    </a:p>
+                  </a:txBody>
+                  <a:tcPr marL="68580" marR="68580" marT="0" marB="0" anchor="b">
+                    <a:lnL w="12700" cap="flat" cmpd="sng" algn="ctr">
+                      <a:solidFill>
+                        <a:srgbClr val="000000"/>
+                      </a:solidFill>
+                      <a:prstDash val="solid"/>
+                      <a:round/>
+                      <a:headEnd type="none" w="med" len="med"/>
+                      <a:tailEnd type="none" w="med" len="med"/>
+                    </a:lnL>
+                    <a:lnR w="12700" cap="flat" cmpd="sng" algn="ctr">
+                      <a:solidFill>
+                        <a:srgbClr val="000000"/>
+                      </a:solidFill>
+                      <a:prstDash val="solid"/>
+                      <a:round/>
+                      <a:headEnd type="none" w="med" len="med"/>
+                      <a:tailEnd type="none" w="med" len="med"/>
+                    </a:lnR>
+                    <a:lnT>
+                      <a:noFill/>
+                    </a:lnT>
+                    <a:lnB w="12700" cap="flat" cmpd="sng" algn="ctr">
+                      <a:solidFill>
+                        <a:srgbClr val="000000"/>
+                      </a:solidFill>
+                      <a:prstDash val="solid"/>
+                      <a:round/>
+                      <a:headEnd type="none" w="med" len="med"/>
+                      <a:tailEnd type="none" w="med" len="med"/>
+                    </a:lnB>
+                  </a:tcPr>
+                </a:tc>
+                <a:extLst>
+                  <a:ext uri="{0D108BD9-81ED-4DB2-BD59-A6C34878D82A}">
+                    <a16:rowId xmlns:a16="http://schemas.microsoft.com/office/drawing/2014/main" val="3023937968"/>
+                  </a:ext>
+                </a:extLst>
+              </a:tr>
+              <a:tr h="184150">
+                <a:tc>
+                  <a:txBody>
+                    <a:bodyPr/>
+                    <a:lstStyle/>
+                    <a:p>
+                      <a:pPr algn="r"/>
+                      <a:r>
+                        <a:rPr lang="en-IN" sz="900">
+                          <a:solidFill>
+                            <a:srgbClr val="000000"/>
+                          </a:solidFill>
+                          <a:effectLst/>
+                        </a:rPr>
+                        <a:t>888449</a:t>
+                      </a:r>
+                      <a:endParaRPr lang="en-IN">
+                        <a:effectLst/>
+                      </a:endParaRPr>
+                    </a:p>
+                  </a:txBody>
+                  <a:tcPr marL="68580" marR="68580" marT="0" marB="0" anchor="b">
+                    <a:lnL w="12700" cap="flat" cmpd="sng" algn="ctr">
+                      <a:solidFill>
+                        <a:srgbClr val="000000"/>
+                      </a:solidFill>
+                      <a:prstDash val="solid"/>
+                      <a:round/>
+                      <a:headEnd type="none" w="med" len="med"/>
+                      <a:tailEnd type="none" w="med" len="med"/>
+                    </a:lnL>
+                    <a:lnR w="12700" cap="flat" cmpd="sng" algn="ctr">
+                      <a:solidFill>
+                        <a:srgbClr val="000000"/>
+                      </a:solidFill>
+                      <a:prstDash val="solid"/>
+                      <a:round/>
+                      <a:headEnd type="none" w="med" len="med"/>
+                      <a:tailEnd type="none" w="med" len="med"/>
+                    </a:lnR>
+                    <a:lnT w="12700" cap="flat" cmpd="sng" algn="ctr">
+                      <a:solidFill>
+                        <a:srgbClr val="000000"/>
+                      </a:solidFill>
+                      <a:prstDash val="solid"/>
+                      <a:round/>
+                      <a:headEnd type="none" w="med" len="med"/>
+                      <a:tailEnd type="none" w="med" len="med"/>
+                    </a:lnT>
+                    <a:lnB w="12700" cap="flat" cmpd="sng" algn="ctr">
+                      <a:solidFill>
+                        <a:srgbClr val="000000"/>
+                      </a:solidFill>
+                      <a:prstDash val="solid"/>
+                      <a:round/>
+                      <a:headEnd type="none" w="med" len="med"/>
+                      <a:tailEnd type="none" w="med" len="med"/>
+                    </a:lnB>
+                  </a:tcPr>
+                </a:tc>
+                <a:tc>
+                  <a:txBody>
+                    <a:bodyPr/>
+                    <a:lstStyle/>
+                    <a:p>
+                      <a:r>
+                        <a:rPr lang="en-IN" sz="900">
+                          <a:solidFill>
+                            <a:srgbClr val="000000"/>
+                          </a:solidFill>
+                          <a:effectLst/>
+                        </a:rPr>
+                        <a:t>Jeevana </a:t>
+                      </a:r>
+                      <a:endParaRPr lang="en-IN">
+                        <a:effectLst/>
+                      </a:endParaRPr>
+                    </a:p>
+                  </a:txBody>
+                  <a:tcPr marL="68580" marR="68580" marT="0" marB="0" anchor="b">
+                    <a:lnL w="12700" cap="flat" cmpd="sng" algn="ctr">
+                      <a:solidFill>
+                        <a:srgbClr val="000000"/>
+                      </a:solidFill>
+                      <a:prstDash val="solid"/>
+                      <a:round/>
+                      <a:headEnd type="none" w="med" len="med"/>
+                      <a:tailEnd type="none" w="med" len="med"/>
+                    </a:lnL>
+                    <a:lnR w="12700" cap="flat" cmpd="sng" algn="ctr">
+                      <a:solidFill>
+                        <a:srgbClr val="000000"/>
+                      </a:solidFill>
+                      <a:prstDash val="solid"/>
+                      <a:round/>
+                      <a:headEnd type="none" w="med" len="med"/>
+                      <a:tailEnd type="none" w="med" len="med"/>
+                    </a:lnR>
+                    <a:lnT w="12700" cap="flat" cmpd="sng" algn="ctr">
+                      <a:solidFill>
+                        <a:srgbClr val="000000"/>
+                      </a:solidFill>
+                      <a:prstDash val="solid"/>
+                      <a:round/>
+                      <a:headEnd type="none" w="med" len="med"/>
+                      <a:tailEnd type="none" w="med" len="med"/>
+                    </a:lnT>
+                    <a:lnB w="12700" cap="flat" cmpd="sng" algn="ctr">
+                      <a:solidFill>
+                        <a:srgbClr val="000000"/>
+                      </a:solidFill>
+                      <a:prstDash val="solid"/>
+                      <a:round/>
+                      <a:headEnd type="none" w="med" len="med"/>
+                      <a:tailEnd type="none" w="med" len="med"/>
+                    </a:lnB>
+                  </a:tcPr>
+                </a:tc>
+                <a:extLst>
+                  <a:ext uri="{0D108BD9-81ED-4DB2-BD59-A6C34878D82A}">
+                    <a16:rowId xmlns:a16="http://schemas.microsoft.com/office/drawing/2014/main" val="2307347186"/>
+                  </a:ext>
+                </a:extLst>
+              </a:tr>
+              <a:tr h="184150">
+                <a:tc>
+                  <a:txBody>
+                    <a:bodyPr/>
+                    <a:lstStyle/>
+                    <a:p>
+                      <a:pPr algn="r"/>
+                      <a:r>
+                        <a:rPr lang="en-IN" sz="900">
+                          <a:solidFill>
+                            <a:srgbClr val="000000"/>
+                          </a:solidFill>
+                          <a:effectLst/>
+                        </a:rPr>
+                        <a:t>888463</a:t>
+                      </a:r>
+                      <a:endParaRPr lang="en-IN">
+                        <a:effectLst/>
+                      </a:endParaRPr>
+                    </a:p>
+                  </a:txBody>
+                  <a:tcPr marL="68580" marR="68580" marT="0" marB="0" anchor="b">
+                    <a:lnL w="12700" cap="flat" cmpd="sng" algn="ctr">
+                      <a:solidFill>
+                        <a:srgbClr val="000000"/>
+                      </a:solidFill>
+                      <a:prstDash val="solid"/>
+                      <a:round/>
+                      <a:headEnd type="none" w="med" len="med"/>
+                      <a:tailEnd type="none" w="med" len="med"/>
+                    </a:lnL>
+                    <a:lnR w="12700" cap="flat" cmpd="sng" algn="ctr">
+                      <a:solidFill>
+                        <a:srgbClr val="000000"/>
+                      </a:solidFill>
+                      <a:prstDash val="solid"/>
+                      <a:round/>
+                      <a:headEnd type="none" w="med" len="med"/>
+                      <a:tailEnd type="none" w="med" len="med"/>
+                    </a:lnR>
+                    <a:lnT w="12700" cap="flat" cmpd="sng" algn="ctr">
+                      <a:solidFill>
+                        <a:srgbClr val="000000"/>
+                      </a:solidFill>
+                      <a:prstDash val="solid"/>
+                      <a:round/>
+                      <a:headEnd type="none" w="med" len="med"/>
+                      <a:tailEnd type="none" w="med" len="med"/>
+                    </a:lnT>
+                    <a:lnB w="12700" cap="flat" cmpd="sng" algn="ctr">
+                      <a:solidFill>
+                        <a:srgbClr val="000000"/>
+                      </a:solidFill>
+                      <a:prstDash val="solid"/>
+                      <a:round/>
+                      <a:headEnd type="none" w="med" len="med"/>
+                      <a:tailEnd type="none" w="med" len="med"/>
+                    </a:lnB>
+                  </a:tcPr>
+                </a:tc>
+                <a:tc>
+                  <a:txBody>
+                    <a:bodyPr/>
+                    <a:lstStyle/>
+                    <a:p>
+                      <a:r>
+                        <a:rPr lang="en-IN" sz="900">
+                          <a:solidFill>
+                            <a:srgbClr val="000000"/>
+                          </a:solidFill>
+                          <a:effectLst/>
+                        </a:rPr>
+                        <a:t>NITHIN MURTHY</a:t>
+                      </a:r>
+                      <a:endParaRPr lang="en-IN">
+                        <a:effectLst/>
+                      </a:endParaRPr>
+                    </a:p>
+                  </a:txBody>
+                  <a:tcPr marL="68580" marR="68580" marT="0" marB="0" anchor="b">
+                    <a:lnL w="12700" cap="flat" cmpd="sng" algn="ctr">
+                      <a:solidFill>
+                        <a:srgbClr val="000000"/>
+                      </a:solidFill>
+                      <a:prstDash val="solid"/>
+                      <a:round/>
+                      <a:headEnd type="none" w="med" len="med"/>
+                      <a:tailEnd type="none" w="med" len="med"/>
+                    </a:lnL>
+                    <a:lnR w="12700" cap="flat" cmpd="sng" algn="ctr">
+                      <a:solidFill>
+                        <a:srgbClr val="000000"/>
+                      </a:solidFill>
+                      <a:prstDash val="solid"/>
+                      <a:round/>
+                      <a:headEnd type="none" w="med" len="med"/>
+                      <a:tailEnd type="none" w="med" len="med"/>
+                    </a:lnR>
+                    <a:lnT w="12700" cap="flat" cmpd="sng" algn="ctr">
+                      <a:solidFill>
+                        <a:srgbClr val="000000"/>
+                      </a:solidFill>
+                      <a:prstDash val="solid"/>
+                      <a:round/>
+                      <a:headEnd type="none" w="med" len="med"/>
+                      <a:tailEnd type="none" w="med" len="med"/>
+                    </a:lnT>
+                    <a:lnB w="12700" cap="flat" cmpd="sng" algn="ctr">
+                      <a:solidFill>
+                        <a:srgbClr val="000000"/>
+                      </a:solidFill>
+                      <a:prstDash val="solid"/>
+                      <a:round/>
+                      <a:headEnd type="none" w="med" len="med"/>
+                      <a:tailEnd type="none" w="med" len="med"/>
+                    </a:lnB>
+                  </a:tcPr>
+                </a:tc>
+                <a:extLst>
+                  <a:ext uri="{0D108BD9-81ED-4DB2-BD59-A6C34878D82A}">
+                    <a16:rowId xmlns:a16="http://schemas.microsoft.com/office/drawing/2014/main" val="1688176283"/>
+                  </a:ext>
+                </a:extLst>
+              </a:tr>
+              <a:tr h="184150">
+                <a:tc>
+                  <a:txBody>
+                    <a:bodyPr/>
+                    <a:lstStyle/>
+                    <a:p>
+                      <a:pPr algn="r"/>
+                      <a:r>
+                        <a:rPr lang="en-IN" sz="900">
+                          <a:solidFill>
+                            <a:srgbClr val="000000"/>
+                          </a:solidFill>
+                          <a:effectLst/>
+                        </a:rPr>
+                        <a:t>888450</a:t>
+                      </a:r>
+                      <a:endParaRPr lang="en-IN">
+                        <a:effectLst/>
+                      </a:endParaRPr>
+                    </a:p>
+                  </a:txBody>
+                  <a:tcPr marL="68580" marR="68580" marT="0" marB="0" anchor="b">
+                    <a:lnL w="12700" cap="flat" cmpd="sng" algn="ctr">
+                      <a:solidFill>
+                        <a:srgbClr val="000000"/>
+                      </a:solidFill>
+                      <a:prstDash val="solid"/>
+                      <a:round/>
+                      <a:headEnd type="none" w="med" len="med"/>
+                      <a:tailEnd type="none" w="med" len="med"/>
+                    </a:lnL>
+                    <a:lnR w="12700" cap="flat" cmpd="sng" algn="ctr">
+                      <a:solidFill>
+                        <a:srgbClr val="000000"/>
+                      </a:solidFill>
+                      <a:prstDash val="solid"/>
+                      <a:round/>
+                      <a:headEnd type="none" w="med" len="med"/>
+                      <a:tailEnd type="none" w="med" len="med"/>
+                    </a:lnR>
+                    <a:lnT w="12700" cap="flat" cmpd="sng" algn="ctr">
+                      <a:solidFill>
+                        <a:srgbClr val="000000"/>
+                      </a:solidFill>
+                      <a:prstDash val="solid"/>
+                      <a:round/>
+                      <a:headEnd type="none" w="med" len="med"/>
+                      <a:tailEnd type="none" w="med" len="med"/>
+                    </a:lnT>
+                    <a:lnB w="12700" cap="flat" cmpd="sng" algn="ctr">
+                      <a:solidFill>
+                        <a:srgbClr val="000000"/>
+                      </a:solidFill>
+                      <a:prstDash val="solid"/>
+                      <a:round/>
+                      <a:headEnd type="none" w="med" len="med"/>
+                      <a:tailEnd type="none" w="med" len="med"/>
+                    </a:lnB>
+                  </a:tcPr>
+                </a:tc>
+                <a:tc>
+                  <a:txBody>
+                    <a:bodyPr/>
+                    <a:lstStyle/>
+                    <a:p>
+                      <a:r>
+                        <a:rPr lang="en-IN" sz="900">
+                          <a:solidFill>
+                            <a:srgbClr val="000000"/>
+                          </a:solidFill>
+                          <a:effectLst/>
+                        </a:rPr>
+                        <a:t>Ravi </a:t>
+                      </a:r>
+                      <a:endParaRPr lang="en-IN">
+                        <a:effectLst/>
+                      </a:endParaRPr>
+                    </a:p>
+                  </a:txBody>
+                  <a:tcPr marL="68580" marR="68580" marT="0" marB="0" anchor="b">
+                    <a:lnL w="12700" cap="flat" cmpd="sng" algn="ctr">
+                      <a:solidFill>
+                        <a:srgbClr val="000000"/>
+                      </a:solidFill>
+                      <a:prstDash val="solid"/>
+                      <a:round/>
+                      <a:headEnd type="none" w="med" len="med"/>
+                      <a:tailEnd type="none" w="med" len="med"/>
+                    </a:lnL>
+                    <a:lnR w="12700" cap="flat" cmpd="sng" algn="ctr">
+                      <a:solidFill>
+                        <a:srgbClr val="000000"/>
+                      </a:solidFill>
+                      <a:prstDash val="solid"/>
+                      <a:round/>
+                      <a:headEnd type="none" w="med" len="med"/>
+                      <a:tailEnd type="none" w="med" len="med"/>
+                    </a:lnR>
+                    <a:lnT w="12700" cap="flat" cmpd="sng" algn="ctr">
+                      <a:solidFill>
+                        <a:srgbClr val="000000"/>
+                      </a:solidFill>
+                      <a:prstDash val="solid"/>
+                      <a:round/>
+                      <a:headEnd type="none" w="med" len="med"/>
+                      <a:tailEnd type="none" w="med" len="med"/>
+                    </a:lnT>
+                    <a:lnB w="12700" cap="flat" cmpd="sng" algn="ctr">
+                      <a:solidFill>
+                        <a:srgbClr val="000000"/>
+                      </a:solidFill>
+                      <a:prstDash val="solid"/>
+                      <a:round/>
+                      <a:headEnd type="none" w="med" len="med"/>
+                      <a:tailEnd type="none" w="med" len="med"/>
+                    </a:lnB>
+                  </a:tcPr>
+                </a:tc>
+                <a:extLst>
+                  <a:ext uri="{0D108BD9-81ED-4DB2-BD59-A6C34878D82A}">
+                    <a16:rowId xmlns:a16="http://schemas.microsoft.com/office/drawing/2014/main" val="3134200080"/>
+                  </a:ext>
+                </a:extLst>
+              </a:tr>
+              <a:tr h="184150">
+                <a:tc>
+                  <a:txBody>
+                    <a:bodyPr/>
+                    <a:lstStyle/>
+                    <a:p>
+                      <a:pPr algn="r"/>
+                      <a:r>
+                        <a:rPr lang="en-IN" sz="900">
+                          <a:solidFill>
+                            <a:srgbClr val="000000"/>
+                          </a:solidFill>
+                          <a:effectLst/>
+                        </a:rPr>
+                        <a:t>888345</a:t>
+                      </a:r>
+                      <a:endParaRPr lang="en-IN">
+                        <a:effectLst/>
+                      </a:endParaRPr>
+                    </a:p>
+                  </a:txBody>
+                  <a:tcPr marL="68580" marR="68580" marT="0" marB="0" anchor="b">
+                    <a:lnL w="12700" cap="flat" cmpd="sng" algn="ctr">
+                      <a:solidFill>
+                        <a:srgbClr val="000000"/>
+                      </a:solidFill>
+                      <a:prstDash val="solid"/>
+                      <a:round/>
+                      <a:headEnd type="none" w="med" len="med"/>
+                      <a:tailEnd type="none" w="med" len="med"/>
+                    </a:lnL>
+                    <a:lnR w="12700" cap="flat" cmpd="sng" algn="ctr">
+                      <a:solidFill>
+                        <a:srgbClr val="000000"/>
+                      </a:solidFill>
+                      <a:prstDash val="solid"/>
+                      <a:round/>
+                      <a:headEnd type="none" w="med" len="med"/>
+                      <a:tailEnd type="none" w="med" len="med"/>
+                    </a:lnR>
+                    <a:lnT w="12700" cap="flat" cmpd="sng" algn="ctr">
+                      <a:solidFill>
+                        <a:srgbClr val="000000"/>
+                      </a:solidFill>
+                      <a:prstDash val="solid"/>
+                      <a:round/>
+                      <a:headEnd type="none" w="med" len="med"/>
+                      <a:tailEnd type="none" w="med" len="med"/>
+                    </a:lnT>
+                    <a:lnB w="12700" cap="flat" cmpd="sng" algn="ctr">
+                      <a:solidFill>
+                        <a:srgbClr val="000000"/>
+                      </a:solidFill>
+                      <a:prstDash val="solid"/>
+                      <a:round/>
+                      <a:headEnd type="none" w="med" len="med"/>
+                      <a:tailEnd type="none" w="med" len="med"/>
+                    </a:lnB>
+                  </a:tcPr>
+                </a:tc>
+                <a:tc>
+                  <a:txBody>
+                    <a:bodyPr/>
+                    <a:lstStyle/>
+                    <a:p>
+                      <a:r>
+                        <a:rPr lang="en-IN" sz="900" dirty="0" err="1">
+                          <a:solidFill>
+                            <a:srgbClr val="000000"/>
+                          </a:solidFill>
+                          <a:effectLst/>
+                        </a:rPr>
+                        <a:t>Rakhil</a:t>
+                      </a:r>
+                      <a:r>
+                        <a:rPr lang="en-IN" sz="900" dirty="0">
+                          <a:solidFill>
+                            <a:srgbClr val="000000"/>
+                          </a:solidFill>
+                          <a:effectLst/>
+                        </a:rPr>
+                        <a:t> </a:t>
+                      </a:r>
+                      <a:endParaRPr lang="en-IN" dirty="0">
+                        <a:effectLst/>
+                      </a:endParaRPr>
+                    </a:p>
+                  </a:txBody>
+                  <a:tcPr marL="68580" marR="68580" marT="0" marB="0" anchor="b">
+                    <a:lnL w="12700" cap="flat" cmpd="sng" algn="ctr">
+                      <a:solidFill>
+                        <a:srgbClr val="000000"/>
+                      </a:solidFill>
+                      <a:prstDash val="solid"/>
+                      <a:round/>
+                      <a:headEnd type="none" w="med" len="med"/>
+                      <a:tailEnd type="none" w="med" len="med"/>
+                    </a:lnL>
+                    <a:lnR w="12700" cap="flat" cmpd="sng" algn="ctr">
+                      <a:solidFill>
+                        <a:srgbClr val="000000"/>
+                      </a:solidFill>
+                      <a:prstDash val="solid"/>
+                      <a:round/>
+                      <a:headEnd type="none" w="med" len="med"/>
+                      <a:tailEnd type="none" w="med" len="med"/>
+                    </a:lnR>
+                    <a:lnT w="12700" cap="flat" cmpd="sng" algn="ctr">
+                      <a:solidFill>
+                        <a:srgbClr val="000000"/>
+                      </a:solidFill>
+                      <a:prstDash val="solid"/>
+                      <a:round/>
+                      <a:headEnd type="none" w="med" len="med"/>
+                      <a:tailEnd type="none" w="med" len="med"/>
+                    </a:lnT>
+                    <a:lnB w="12700" cap="flat" cmpd="sng" algn="ctr">
+                      <a:solidFill>
+                        <a:srgbClr val="000000"/>
+                      </a:solidFill>
+                      <a:prstDash val="solid"/>
+                      <a:round/>
+                      <a:headEnd type="none" w="med" len="med"/>
+                      <a:tailEnd type="none" w="med" len="med"/>
+                    </a:lnB>
+                  </a:tcPr>
+                </a:tc>
+                <a:extLst>
+                  <a:ext uri="{0D108BD9-81ED-4DB2-BD59-A6C34878D82A}">
+                    <a16:rowId xmlns:a16="http://schemas.microsoft.com/office/drawing/2014/main" val="3940149462"/>
+                  </a:ext>
+                </a:extLst>
+              </a:tr>
+            </a:tbl>
+          </a:graphicData>
+        </a:graphic>
+      </p:graphicFrame>
+    </p:spTree>
+    <p:extLst>
+      <p:ext uri="{BB962C8B-B14F-4D97-AF65-F5344CB8AC3E}">
+        <p14:creationId xmlns:p14="http://schemas.microsoft.com/office/powerpoint/2010/main" val="385842307"/>
+      </p:ext>
+    </p:extLst>
+  </p:cSld>
+  <p:clrMapOvr>
+    <a:masterClrMapping/>
+  </p:clrMapOvr>
+</p:sld>
+</file>
+
+<file path=ppt/slides/slide21.xml><?xml version="1.0" encoding="utf-8"?>
+<p:sld xmlns:a="http://schemas.openxmlformats.org/drawingml/2006/main" xmlns:r="http://schemas.openxmlformats.org/officeDocument/2006/relationships" xmlns:p="http://schemas.openxmlformats.org/presentationml/2006/main">
+  <p:cSld>
+    <p:spTree>
+      <p:nvGrpSpPr>
+        <p:cNvPr id="1" name=""/>
+        <p:cNvGrpSpPr/>
+        <p:nvPr/>
+      </p:nvGrpSpPr>
+      <p:grpSpPr>
+        <a:xfrm>
+          <a:off x="0" y="0"/>
+          <a:ext cx="0" cy="0"/>
+          <a:chOff x="0" y="0"/>
+          <a:chExt cx="0" cy="0"/>
+        </a:xfrm>
+      </p:grpSpPr>
+      <p:sp>
+        <p:nvSpPr>
+          <p:cNvPr id="2" name="Title 1">
+            <a:extLst>
+              <a:ext uri="{FF2B5EF4-FFF2-40B4-BE49-F238E27FC236}">
+                <a16:creationId xmlns:a16="http://schemas.microsoft.com/office/drawing/2014/main" id="{EC12B159-272C-4078-AB1C-6FBEC5885417}"/>
+              </a:ext>
+            </a:extLst>
+          </p:cNvPr>
+          <p:cNvSpPr>
+            <a:spLocks noGrp="1"/>
+          </p:cNvSpPr>
+          <p:nvPr>
+            <p:ph type="title"/>
+          </p:nvPr>
+        </p:nvSpPr>
+        <p:spPr/>
+        <p:txBody>
+          <a:bodyPr/>
+          <a:lstStyle/>
+          <a:p>
+            <a:r>
+              <a:rPr lang="en-GB" dirty="0"/>
+              <a:t>Requirement Analysis</a:t>
+            </a:r>
+            <a:endParaRPr lang="en-IN" dirty="0"/>
+          </a:p>
+        </p:txBody>
+      </p:sp>
+      <p:graphicFrame>
+        <p:nvGraphicFramePr>
+          <p:cNvPr id="5" name="Content Placeholder 4">
+            <a:extLst>
+              <a:ext uri="{FF2B5EF4-FFF2-40B4-BE49-F238E27FC236}">
+                <a16:creationId xmlns:a16="http://schemas.microsoft.com/office/drawing/2014/main" id="{D3356055-652C-484E-9796-67F3220586C8}"/>
+              </a:ext>
+            </a:extLst>
+          </p:cNvPr>
+          <p:cNvGraphicFramePr>
+            <a:graphicFrameLocks noGrp="1"/>
+          </p:cNvGraphicFramePr>
+          <p:nvPr>
+            <p:ph idx="1"/>
+          </p:nvPr>
+        </p:nvGraphicFramePr>
+        <p:xfrm>
+          <a:off x="4418965" y="3540919"/>
+          <a:ext cx="3354070" cy="920750"/>
+        </p:xfrm>
+        <a:graphic>
+          <a:graphicData uri="http://schemas.openxmlformats.org/drawingml/2006/table">
+            <a:tbl>
+              <a:tblPr/>
+              <a:tblGrid>
+                <a:gridCol w="483870">
+                  <a:extLst>
+                    <a:ext uri="{9D8B030D-6E8A-4147-A177-3AD203B41FA5}">
+                      <a16:colId xmlns:a16="http://schemas.microsoft.com/office/drawing/2014/main" val="128265284"/>
+                    </a:ext>
+                  </a:extLst>
+                </a:gridCol>
+                <a:gridCol w="2870200">
+                  <a:extLst>
+                    <a:ext uri="{9D8B030D-6E8A-4147-A177-3AD203B41FA5}">
+                      <a16:colId xmlns:a16="http://schemas.microsoft.com/office/drawing/2014/main" val="1181435621"/>
+                    </a:ext>
+                  </a:extLst>
+                </a:gridCol>
+              </a:tblGrid>
+              <a:tr h="184150">
+                <a:tc>
+                  <a:txBody>
+                    <a:bodyPr/>
+                    <a:lstStyle/>
+                    <a:p>
+                      <a:pPr algn="r"/>
+                      <a:r>
+                        <a:rPr lang="en-IN" sz="900">
+                          <a:solidFill>
+                            <a:srgbClr val="000000"/>
+                          </a:solidFill>
+                          <a:effectLst/>
+                        </a:rPr>
+                        <a:t>888322</a:t>
+                      </a:r>
+                      <a:endParaRPr lang="en-IN">
+                        <a:effectLst/>
+                      </a:endParaRPr>
+                    </a:p>
+                  </a:txBody>
+                  <a:tcPr marL="68580" marR="68580" marT="0" marB="0" anchor="b">
+                    <a:lnL w="12700" cap="flat" cmpd="sng" algn="ctr">
+                      <a:solidFill>
+                        <a:srgbClr val="000000"/>
+                      </a:solidFill>
+                      <a:prstDash val="solid"/>
+                      <a:round/>
+                      <a:headEnd type="none" w="med" len="med"/>
+                      <a:tailEnd type="none" w="med" len="med"/>
+                    </a:lnL>
+                    <a:lnR w="12700" cap="flat" cmpd="sng" algn="ctr">
+                      <a:solidFill>
+                        <a:srgbClr val="000000"/>
+                      </a:solidFill>
+                      <a:prstDash val="solid"/>
+                      <a:round/>
+                      <a:headEnd type="none" w="med" len="med"/>
+                      <a:tailEnd type="none" w="med" len="med"/>
+                    </a:lnR>
+                    <a:lnT>
+                      <a:noFill/>
+                    </a:lnT>
+                    <a:lnB w="12700" cap="flat" cmpd="sng" algn="ctr">
+                      <a:solidFill>
+                        <a:srgbClr val="000000"/>
+                      </a:solidFill>
+                      <a:prstDash val="solid"/>
+                      <a:round/>
+                      <a:headEnd type="none" w="med" len="med"/>
+                      <a:tailEnd type="none" w="med" len="med"/>
+                    </a:lnB>
+                  </a:tcPr>
+                </a:tc>
+                <a:tc>
+                  <a:txBody>
+                    <a:bodyPr/>
+                    <a:lstStyle/>
+                    <a:p>
+                      <a:r>
+                        <a:rPr lang="en-IN" sz="900">
+                          <a:solidFill>
+                            <a:srgbClr val="000000"/>
+                          </a:solidFill>
+                          <a:effectLst/>
+                        </a:rPr>
+                        <a:t>Shaik Ijaz Ahammed </a:t>
+                      </a:r>
+                      <a:endParaRPr lang="en-IN">
+                        <a:effectLst/>
+                      </a:endParaRPr>
+                    </a:p>
+                  </a:txBody>
+                  <a:tcPr marL="68580" marR="68580" marT="0" marB="0" anchor="b">
+                    <a:lnL w="12700" cap="flat" cmpd="sng" algn="ctr">
+                      <a:solidFill>
+                        <a:srgbClr val="000000"/>
+                      </a:solidFill>
+                      <a:prstDash val="solid"/>
+                      <a:round/>
+                      <a:headEnd type="none" w="med" len="med"/>
+                      <a:tailEnd type="none" w="med" len="med"/>
+                    </a:lnL>
+                    <a:lnR w="12700" cap="flat" cmpd="sng" algn="ctr">
+                      <a:solidFill>
+                        <a:srgbClr val="000000"/>
+                      </a:solidFill>
+                      <a:prstDash val="solid"/>
+                      <a:round/>
+                      <a:headEnd type="none" w="med" len="med"/>
+                      <a:tailEnd type="none" w="med" len="med"/>
+                    </a:lnR>
+                    <a:lnT>
+                      <a:noFill/>
+                    </a:lnT>
+                    <a:lnB w="12700" cap="flat" cmpd="sng" algn="ctr">
+                      <a:solidFill>
+                        <a:srgbClr val="000000"/>
+                      </a:solidFill>
+                      <a:prstDash val="solid"/>
+                      <a:round/>
+                      <a:headEnd type="none" w="med" len="med"/>
+                      <a:tailEnd type="none" w="med" len="med"/>
+                    </a:lnB>
+                  </a:tcPr>
+                </a:tc>
+                <a:extLst>
+                  <a:ext uri="{0D108BD9-81ED-4DB2-BD59-A6C34878D82A}">
+                    <a16:rowId xmlns:a16="http://schemas.microsoft.com/office/drawing/2014/main" val="2474479845"/>
+                  </a:ext>
+                </a:extLst>
+              </a:tr>
+              <a:tr h="184150">
+                <a:tc>
+                  <a:txBody>
+                    <a:bodyPr/>
+                    <a:lstStyle/>
+                    <a:p>
+                      <a:pPr algn="r"/>
+                      <a:r>
+                        <a:rPr lang="en-IN" sz="900">
+                          <a:solidFill>
+                            <a:srgbClr val="000000"/>
+                          </a:solidFill>
+                          <a:effectLst/>
+                        </a:rPr>
+                        <a:t>888375</a:t>
+                      </a:r>
+                      <a:endParaRPr lang="en-IN">
+                        <a:effectLst/>
+                      </a:endParaRPr>
+                    </a:p>
+                  </a:txBody>
+                  <a:tcPr marL="68580" marR="68580" marT="0" marB="0" anchor="b">
+                    <a:lnL w="12700" cap="flat" cmpd="sng" algn="ctr">
+                      <a:solidFill>
+                        <a:srgbClr val="000000"/>
+                      </a:solidFill>
+                      <a:prstDash val="solid"/>
+                      <a:round/>
+                      <a:headEnd type="none" w="med" len="med"/>
+                      <a:tailEnd type="none" w="med" len="med"/>
+                    </a:lnL>
+                    <a:lnR w="12700" cap="flat" cmpd="sng" algn="ctr">
+                      <a:solidFill>
+                        <a:srgbClr val="000000"/>
+                      </a:solidFill>
+                      <a:prstDash val="solid"/>
+                      <a:round/>
+                      <a:headEnd type="none" w="med" len="med"/>
+                      <a:tailEnd type="none" w="med" len="med"/>
+                    </a:lnR>
+                    <a:lnT w="12700" cap="flat" cmpd="sng" algn="ctr">
+                      <a:solidFill>
+                        <a:srgbClr val="000000"/>
+                      </a:solidFill>
+                      <a:prstDash val="solid"/>
+                      <a:round/>
+                      <a:headEnd type="none" w="med" len="med"/>
+                      <a:tailEnd type="none" w="med" len="med"/>
+                    </a:lnT>
+                    <a:lnB w="12700" cap="flat" cmpd="sng" algn="ctr">
+                      <a:solidFill>
+                        <a:srgbClr val="000000"/>
+                      </a:solidFill>
+                      <a:prstDash val="solid"/>
+                      <a:round/>
+                      <a:headEnd type="none" w="med" len="med"/>
+                      <a:tailEnd type="none" w="med" len="med"/>
+                    </a:lnB>
+                  </a:tcPr>
+                </a:tc>
+                <a:tc>
+                  <a:txBody>
+                    <a:bodyPr/>
+                    <a:lstStyle/>
+                    <a:p>
+                      <a:r>
+                        <a:rPr lang="en-IN" sz="900">
+                          <a:solidFill>
+                            <a:srgbClr val="000000"/>
+                          </a:solidFill>
+                          <a:effectLst/>
+                        </a:rPr>
+                        <a:t>Karishma </a:t>
+                      </a:r>
+                      <a:endParaRPr lang="en-IN">
+                        <a:effectLst/>
+                      </a:endParaRPr>
+                    </a:p>
+                  </a:txBody>
+                  <a:tcPr marL="68580" marR="68580" marT="0" marB="0" anchor="b">
+                    <a:lnL w="12700" cap="flat" cmpd="sng" algn="ctr">
+                      <a:solidFill>
+                        <a:srgbClr val="000000"/>
+                      </a:solidFill>
+                      <a:prstDash val="solid"/>
+                      <a:round/>
+                      <a:headEnd type="none" w="med" len="med"/>
+                      <a:tailEnd type="none" w="med" len="med"/>
+                    </a:lnL>
+                    <a:lnR w="12700" cap="flat" cmpd="sng" algn="ctr">
+                      <a:solidFill>
+                        <a:srgbClr val="000000"/>
+                      </a:solidFill>
+                      <a:prstDash val="solid"/>
+                      <a:round/>
+                      <a:headEnd type="none" w="med" len="med"/>
+                      <a:tailEnd type="none" w="med" len="med"/>
+                    </a:lnR>
+                    <a:lnT w="12700" cap="flat" cmpd="sng" algn="ctr">
+                      <a:solidFill>
+                        <a:srgbClr val="000000"/>
+                      </a:solidFill>
+                      <a:prstDash val="solid"/>
+                      <a:round/>
+                      <a:headEnd type="none" w="med" len="med"/>
+                      <a:tailEnd type="none" w="med" len="med"/>
+                    </a:lnT>
+                    <a:lnB w="12700" cap="flat" cmpd="sng" algn="ctr">
+                      <a:solidFill>
+                        <a:srgbClr val="000000"/>
+                      </a:solidFill>
+                      <a:prstDash val="solid"/>
+                      <a:round/>
+                      <a:headEnd type="none" w="med" len="med"/>
+                      <a:tailEnd type="none" w="med" len="med"/>
+                    </a:lnB>
+                  </a:tcPr>
+                </a:tc>
+                <a:extLst>
+                  <a:ext uri="{0D108BD9-81ED-4DB2-BD59-A6C34878D82A}">
+                    <a16:rowId xmlns:a16="http://schemas.microsoft.com/office/drawing/2014/main" val="3952120687"/>
+                  </a:ext>
+                </a:extLst>
+              </a:tr>
+              <a:tr h="184150">
+                <a:tc>
+                  <a:txBody>
+                    <a:bodyPr/>
+                    <a:lstStyle/>
+                    <a:p>
+                      <a:pPr algn="r"/>
+                      <a:r>
+                        <a:rPr lang="en-IN" sz="900">
+                          <a:solidFill>
+                            <a:srgbClr val="000000"/>
+                          </a:solidFill>
+                          <a:effectLst/>
+                        </a:rPr>
+                        <a:t>888321</a:t>
+                      </a:r>
+                      <a:endParaRPr lang="en-IN">
+                        <a:effectLst/>
+                      </a:endParaRPr>
+                    </a:p>
+                  </a:txBody>
+                  <a:tcPr marL="68580" marR="68580" marT="0" marB="0" anchor="b">
+                    <a:lnL w="12700" cap="flat" cmpd="sng" algn="ctr">
+                      <a:solidFill>
+                        <a:srgbClr val="000000"/>
+                      </a:solidFill>
+                      <a:prstDash val="solid"/>
+                      <a:round/>
+                      <a:headEnd type="none" w="med" len="med"/>
+                      <a:tailEnd type="none" w="med" len="med"/>
+                    </a:lnL>
+                    <a:lnR w="12700" cap="flat" cmpd="sng" algn="ctr">
+                      <a:solidFill>
+                        <a:srgbClr val="000000"/>
+                      </a:solidFill>
+                      <a:prstDash val="solid"/>
+                      <a:round/>
+                      <a:headEnd type="none" w="med" len="med"/>
+                      <a:tailEnd type="none" w="med" len="med"/>
+                    </a:lnR>
+                    <a:lnT w="12700" cap="flat" cmpd="sng" algn="ctr">
+                      <a:solidFill>
+                        <a:srgbClr val="000000"/>
+                      </a:solidFill>
+                      <a:prstDash val="solid"/>
+                      <a:round/>
+                      <a:headEnd type="none" w="med" len="med"/>
+                      <a:tailEnd type="none" w="med" len="med"/>
+                    </a:lnT>
+                    <a:lnB w="12700" cap="flat" cmpd="sng" algn="ctr">
+                      <a:solidFill>
+                        <a:srgbClr val="000000"/>
+                      </a:solidFill>
+                      <a:prstDash val="solid"/>
+                      <a:round/>
+                      <a:headEnd type="none" w="med" len="med"/>
+                      <a:tailEnd type="none" w="med" len="med"/>
+                    </a:lnB>
+                  </a:tcPr>
+                </a:tc>
+                <a:tc>
+                  <a:txBody>
+                    <a:bodyPr/>
+                    <a:lstStyle/>
+                    <a:p>
+                      <a:r>
+                        <a:rPr lang="en-IN" sz="900">
+                          <a:solidFill>
+                            <a:srgbClr val="000000"/>
+                          </a:solidFill>
+                          <a:effectLst/>
+                        </a:rPr>
+                        <a:t>puligundla PRASSANA</a:t>
+                      </a:r>
+                      <a:endParaRPr lang="en-IN">
+                        <a:effectLst/>
+                      </a:endParaRPr>
+                    </a:p>
+                  </a:txBody>
+                  <a:tcPr marL="68580" marR="68580" marT="0" marB="0" anchor="b">
+                    <a:lnL w="12700" cap="flat" cmpd="sng" algn="ctr">
+                      <a:solidFill>
+                        <a:srgbClr val="000000"/>
+                      </a:solidFill>
+                      <a:prstDash val="solid"/>
+                      <a:round/>
+                      <a:headEnd type="none" w="med" len="med"/>
+                      <a:tailEnd type="none" w="med" len="med"/>
+                    </a:lnL>
+                    <a:lnR w="12700" cap="flat" cmpd="sng" algn="ctr">
+                      <a:solidFill>
+                        <a:srgbClr val="000000"/>
+                      </a:solidFill>
+                      <a:prstDash val="solid"/>
+                      <a:round/>
+                      <a:headEnd type="none" w="med" len="med"/>
+                      <a:tailEnd type="none" w="med" len="med"/>
+                    </a:lnR>
+                    <a:lnT w="12700" cap="flat" cmpd="sng" algn="ctr">
+                      <a:solidFill>
+                        <a:srgbClr val="000000"/>
+                      </a:solidFill>
+                      <a:prstDash val="solid"/>
+                      <a:round/>
+                      <a:headEnd type="none" w="med" len="med"/>
+                      <a:tailEnd type="none" w="med" len="med"/>
+                    </a:lnT>
+                    <a:lnB w="12700" cap="flat" cmpd="sng" algn="ctr">
+                      <a:solidFill>
+                        <a:srgbClr val="000000"/>
+                      </a:solidFill>
+                      <a:prstDash val="solid"/>
+                      <a:round/>
+                      <a:headEnd type="none" w="med" len="med"/>
+                      <a:tailEnd type="none" w="med" len="med"/>
+                    </a:lnB>
+                  </a:tcPr>
+                </a:tc>
+                <a:extLst>
+                  <a:ext uri="{0D108BD9-81ED-4DB2-BD59-A6C34878D82A}">
+                    <a16:rowId xmlns:a16="http://schemas.microsoft.com/office/drawing/2014/main" val="1942995100"/>
+                  </a:ext>
+                </a:extLst>
+              </a:tr>
+              <a:tr h="184150">
+                <a:tc>
+                  <a:txBody>
+                    <a:bodyPr/>
+                    <a:lstStyle/>
+                    <a:p>
+                      <a:pPr algn="r"/>
+                      <a:r>
+                        <a:rPr lang="en-IN" sz="900">
+                          <a:solidFill>
+                            <a:srgbClr val="000000"/>
+                          </a:solidFill>
+                          <a:effectLst/>
+                        </a:rPr>
+                        <a:t>888346</a:t>
+                      </a:r>
+                      <a:endParaRPr lang="en-IN">
+                        <a:effectLst/>
+                      </a:endParaRPr>
+                    </a:p>
+                  </a:txBody>
+                  <a:tcPr marL="68580" marR="68580" marT="0" marB="0" anchor="b">
+                    <a:lnL w="12700" cap="flat" cmpd="sng" algn="ctr">
+                      <a:solidFill>
+                        <a:srgbClr val="000000"/>
+                      </a:solidFill>
+                      <a:prstDash val="solid"/>
+                      <a:round/>
+                      <a:headEnd type="none" w="med" len="med"/>
+                      <a:tailEnd type="none" w="med" len="med"/>
+                    </a:lnL>
+                    <a:lnR w="12700" cap="flat" cmpd="sng" algn="ctr">
+                      <a:solidFill>
+                        <a:srgbClr val="000000"/>
+                      </a:solidFill>
+                      <a:prstDash val="solid"/>
+                      <a:round/>
+                      <a:headEnd type="none" w="med" len="med"/>
+                      <a:tailEnd type="none" w="med" len="med"/>
+                    </a:lnR>
+                    <a:lnT w="12700" cap="flat" cmpd="sng" algn="ctr">
+                      <a:solidFill>
+                        <a:srgbClr val="000000"/>
+                      </a:solidFill>
+                      <a:prstDash val="solid"/>
+                      <a:round/>
+                      <a:headEnd type="none" w="med" len="med"/>
+                      <a:tailEnd type="none" w="med" len="med"/>
+                    </a:lnT>
+                    <a:lnB w="12700" cap="flat" cmpd="sng" algn="ctr">
+                      <a:solidFill>
+                        <a:srgbClr val="000000"/>
+                      </a:solidFill>
+                      <a:prstDash val="solid"/>
+                      <a:round/>
+                      <a:headEnd type="none" w="med" len="med"/>
+                      <a:tailEnd type="none" w="med" len="med"/>
+                    </a:lnB>
+                  </a:tcPr>
+                </a:tc>
+                <a:tc>
+                  <a:txBody>
+                    <a:bodyPr/>
+                    <a:lstStyle/>
+                    <a:p>
+                      <a:r>
+                        <a:rPr lang="en-IN" sz="900">
+                          <a:solidFill>
+                            <a:srgbClr val="000000"/>
+                          </a:solidFill>
+                          <a:effectLst/>
+                        </a:rPr>
+                        <a:t>Alekhya </a:t>
+                      </a:r>
+                      <a:endParaRPr lang="en-IN">
+                        <a:effectLst/>
+                      </a:endParaRPr>
+                    </a:p>
+                  </a:txBody>
+                  <a:tcPr marL="68580" marR="68580" marT="0" marB="0" anchor="b">
+                    <a:lnL w="12700" cap="flat" cmpd="sng" algn="ctr">
+                      <a:solidFill>
+                        <a:srgbClr val="000000"/>
+                      </a:solidFill>
+                      <a:prstDash val="solid"/>
+                      <a:round/>
+                      <a:headEnd type="none" w="med" len="med"/>
+                      <a:tailEnd type="none" w="med" len="med"/>
+                    </a:lnL>
+                    <a:lnR w="12700" cap="flat" cmpd="sng" algn="ctr">
+                      <a:solidFill>
+                        <a:srgbClr val="000000"/>
+                      </a:solidFill>
+                      <a:prstDash val="solid"/>
+                      <a:round/>
+                      <a:headEnd type="none" w="med" len="med"/>
+                      <a:tailEnd type="none" w="med" len="med"/>
+                    </a:lnR>
+                    <a:lnT w="12700" cap="flat" cmpd="sng" algn="ctr">
+                      <a:solidFill>
+                        <a:srgbClr val="000000"/>
+                      </a:solidFill>
+                      <a:prstDash val="solid"/>
+                      <a:round/>
+                      <a:headEnd type="none" w="med" len="med"/>
+                      <a:tailEnd type="none" w="med" len="med"/>
+                    </a:lnT>
+                    <a:lnB w="12700" cap="flat" cmpd="sng" algn="ctr">
+                      <a:solidFill>
+                        <a:srgbClr val="000000"/>
+                      </a:solidFill>
+                      <a:prstDash val="solid"/>
+                      <a:round/>
+                      <a:headEnd type="none" w="med" len="med"/>
+                      <a:tailEnd type="none" w="med" len="med"/>
+                    </a:lnB>
+                  </a:tcPr>
+                </a:tc>
+                <a:extLst>
+                  <a:ext uri="{0D108BD9-81ED-4DB2-BD59-A6C34878D82A}">
+                    <a16:rowId xmlns:a16="http://schemas.microsoft.com/office/drawing/2014/main" val="1964501387"/>
+                  </a:ext>
+                </a:extLst>
+              </a:tr>
+              <a:tr h="184150">
+                <a:tc>
+                  <a:txBody>
+                    <a:bodyPr/>
+                    <a:lstStyle/>
+                    <a:p>
+                      <a:pPr algn="r"/>
+                      <a:r>
+                        <a:rPr lang="en-IN" sz="900">
+                          <a:solidFill>
+                            <a:srgbClr val="000000"/>
+                          </a:solidFill>
+                          <a:effectLst/>
+                        </a:rPr>
+                        <a:t>888558</a:t>
+                      </a:r>
+                      <a:endParaRPr lang="en-IN">
+                        <a:effectLst/>
+                      </a:endParaRPr>
+                    </a:p>
+                  </a:txBody>
+                  <a:tcPr marL="68580" marR="68580" marT="0" marB="0" anchor="b">
+                    <a:lnL w="12700" cap="flat" cmpd="sng" algn="ctr">
+                      <a:solidFill>
+                        <a:srgbClr val="000000"/>
+                      </a:solidFill>
+                      <a:prstDash val="solid"/>
+                      <a:round/>
+                      <a:headEnd type="none" w="med" len="med"/>
+                      <a:tailEnd type="none" w="med" len="med"/>
+                    </a:lnL>
+                    <a:lnR w="12700" cap="flat" cmpd="sng" algn="ctr">
+                      <a:solidFill>
+                        <a:srgbClr val="000000"/>
+                      </a:solidFill>
+                      <a:prstDash val="solid"/>
+                      <a:round/>
+                      <a:headEnd type="none" w="med" len="med"/>
+                      <a:tailEnd type="none" w="med" len="med"/>
+                    </a:lnR>
+                    <a:lnT w="12700" cap="flat" cmpd="sng" algn="ctr">
+                      <a:solidFill>
+                        <a:srgbClr val="000000"/>
+                      </a:solidFill>
+                      <a:prstDash val="solid"/>
+                      <a:round/>
+                      <a:headEnd type="none" w="med" len="med"/>
+                      <a:tailEnd type="none" w="med" len="med"/>
+                    </a:lnT>
+                    <a:lnB w="12700" cap="flat" cmpd="sng" algn="ctr">
+                      <a:solidFill>
+                        <a:srgbClr val="000000"/>
+                      </a:solidFill>
+                      <a:prstDash val="solid"/>
+                      <a:round/>
+                      <a:headEnd type="none" w="med" len="med"/>
+                      <a:tailEnd type="none" w="med" len="med"/>
+                    </a:lnB>
+                  </a:tcPr>
+                </a:tc>
+                <a:tc>
+                  <a:txBody>
+                    <a:bodyPr/>
+                    <a:lstStyle/>
+                    <a:p>
+                      <a:r>
+                        <a:rPr lang="en-IN" sz="900" dirty="0">
+                          <a:solidFill>
+                            <a:srgbClr val="000000"/>
+                          </a:solidFill>
+                          <a:effectLst/>
+                        </a:rPr>
+                        <a:t>Gaurav </a:t>
+                      </a:r>
+                      <a:endParaRPr lang="en-IN" dirty="0">
+                        <a:effectLst/>
+                      </a:endParaRPr>
+                    </a:p>
+                  </a:txBody>
+                  <a:tcPr marL="68580" marR="68580" marT="0" marB="0" anchor="b">
+                    <a:lnL w="12700" cap="flat" cmpd="sng" algn="ctr">
+                      <a:solidFill>
+                        <a:srgbClr val="000000"/>
+                      </a:solidFill>
+                      <a:prstDash val="solid"/>
+                      <a:round/>
+                      <a:headEnd type="none" w="med" len="med"/>
+                      <a:tailEnd type="none" w="med" len="med"/>
+                    </a:lnL>
+                    <a:lnR w="12700" cap="flat" cmpd="sng" algn="ctr">
+                      <a:solidFill>
+                        <a:srgbClr val="000000"/>
+                      </a:solidFill>
+                      <a:prstDash val="solid"/>
+                      <a:round/>
+                      <a:headEnd type="none" w="med" len="med"/>
+                      <a:tailEnd type="none" w="med" len="med"/>
+                    </a:lnR>
+                    <a:lnT w="12700" cap="flat" cmpd="sng" algn="ctr">
+                      <a:solidFill>
+                        <a:srgbClr val="000000"/>
+                      </a:solidFill>
+                      <a:prstDash val="solid"/>
+                      <a:round/>
+                      <a:headEnd type="none" w="med" len="med"/>
+                      <a:tailEnd type="none" w="med" len="med"/>
+                    </a:lnT>
+                    <a:lnB w="12700" cap="flat" cmpd="sng" algn="ctr">
+                      <a:solidFill>
+                        <a:srgbClr val="000000"/>
+                      </a:solidFill>
+                      <a:prstDash val="solid"/>
+                      <a:round/>
+                      <a:headEnd type="none" w="med" len="med"/>
+                      <a:tailEnd type="none" w="med" len="med"/>
+                    </a:lnB>
+                  </a:tcPr>
+                </a:tc>
+                <a:extLst>
+                  <a:ext uri="{0D108BD9-81ED-4DB2-BD59-A6C34878D82A}">
+                    <a16:rowId xmlns:a16="http://schemas.microsoft.com/office/drawing/2014/main" val="2749897189"/>
+                  </a:ext>
+                </a:extLst>
+              </a:tr>
+            </a:tbl>
+          </a:graphicData>
+        </a:graphic>
+      </p:graphicFrame>
+    </p:spTree>
+    <p:extLst>
+      <p:ext uri="{BB962C8B-B14F-4D97-AF65-F5344CB8AC3E}">
+        <p14:creationId xmlns:p14="http://schemas.microsoft.com/office/powerpoint/2010/main" val="3345550317"/>
+      </p:ext>
+    </p:extLst>
+  </p:cSld>
+  <p:clrMapOvr>
+    <a:masterClrMapping/>
+  </p:clrMapOvr>
+</p:sld>
+</file>
+
+<file path=ppt/slides/slide22.xml><?xml version="1.0" encoding="utf-8"?>
+<p:sld xmlns:a="http://schemas.openxmlformats.org/drawingml/2006/main" xmlns:r="http://schemas.openxmlformats.org/officeDocument/2006/relationships" xmlns:p="http://schemas.openxmlformats.org/presentationml/2006/main">
+  <p:cSld>
+    <p:spTree>
+      <p:nvGrpSpPr>
+        <p:cNvPr id="1" name=""/>
+        <p:cNvGrpSpPr/>
+        <p:nvPr/>
+      </p:nvGrpSpPr>
+      <p:grpSpPr>
+        <a:xfrm>
+          <a:off x="0" y="0"/>
+          <a:ext cx="0" cy="0"/>
+          <a:chOff x="0" y="0"/>
+          <a:chExt cx="0" cy="0"/>
+        </a:xfrm>
+      </p:grpSpPr>
+      <p:sp>
+        <p:nvSpPr>
+          <p:cNvPr id="2" name="Title 1">
+            <a:extLst>
+              <a:ext uri="{FF2B5EF4-FFF2-40B4-BE49-F238E27FC236}">
+                <a16:creationId xmlns:a16="http://schemas.microsoft.com/office/drawing/2014/main" id="{A875D6FD-1183-4D3D-9232-239897D3B102}"/>
+              </a:ext>
+            </a:extLst>
+          </p:cNvPr>
+          <p:cNvSpPr>
+            <a:spLocks noGrp="1"/>
+          </p:cNvSpPr>
+          <p:nvPr>
+            <p:ph type="title"/>
+          </p:nvPr>
+        </p:nvSpPr>
+        <p:spPr/>
+        <p:txBody>
+          <a:bodyPr/>
+          <a:lstStyle/>
+          <a:p>
+            <a:r>
+              <a:rPr lang="en-GB" dirty="0"/>
+              <a:t>Normalization and De-</a:t>
+            </a:r>
+            <a:r>
+              <a:rPr lang="en-GB" dirty="0" err="1"/>
+              <a:t>Normilization</a:t>
+            </a:r>
+            <a:endParaRPr lang="en-IN" dirty="0"/>
+          </a:p>
+        </p:txBody>
+      </p:sp>
+      <p:graphicFrame>
+        <p:nvGraphicFramePr>
+          <p:cNvPr id="6" name="Content Placeholder 5">
+            <a:extLst>
+              <a:ext uri="{FF2B5EF4-FFF2-40B4-BE49-F238E27FC236}">
+                <a16:creationId xmlns:a16="http://schemas.microsoft.com/office/drawing/2014/main" id="{80471C14-3252-43E7-8E1E-B5DDB4978D30}"/>
+              </a:ext>
+            </a:extLst>
+          </p:cNvPr>
+          <p:cNvGraphicFramePr>
+            <a:graphicFrameLocks noGrp="1"/>
+          </p:cNvGraphicFramePr>
+          <p:nvPr>
+            <p:ph idx="1"/>
+          </p:nvPr>
+        </p:nvGraphicFramePr>
+        <p:xfrm>
+          <a:off x="4418965" y="3632994"/>
+          <a:ext cx="3354070" cy="736600"/>
+        </p:xfrm>
+        <a:graphic>
+          <a:graphicData uri="http://schemas.openxmlformats.org/drawingml/2006/table">
+            <a:tbl>
+              <a:tblPr/>
+              <a:tblGrid>
+                <a:gridCol w="483870">
+                  <a:extLst>
+                    <a:ext uri="{9D8B030D-6E8A-4147-A177-3AD203B41FA5}">
+                      <a16:colId xmlns:a16="http://schemas.microsoft.com/office/drawing/2014/main" val="453618030"/>
+                    </a:ext>
+                  </a:extLst>
+                </a:gridCol>
+                <a:gridCol w="2870200">
+                  <a:extLst>
+                    <a:ext uri="{9D8B030D-6E8A-4147-A177-3AD203B41FA5}">
+                      <a16:colId xmlns:a16="http://schemas.microsoft.com/office/drawing/2014/main" val="3657095268"/>
+                    </a:ext>
+                  </a:extLst>
+                </a:gridCol>
+              </a:tblGrid>
+              <a:tr h="184150">
+                <a:tc>
+                  <a:txBody>
+                    <a:bodyPr/>
+                    <a:lstStyle/>
+                    <a:p>
+                      <a:pPr algn="r"/>
+                      <a:r>
+                        <a:rPr lang="en-IN" sz="900">
+                          <a:solidFill>
+                            <a:srgbClr val="000000"/>
+                          </a:solidFill>
+                          <a:effectLst/>
+                        </a:rPr>
+                        <a:t>888525</a:t>
+                      </a:r>
+                      <a:endParaRPr lang="en-IN">
+                        <a:effectLst/>
+                      </a:endParaRPr>
+                    </a:p>
+                  </a:txBody>
+                  <a:tcPr marL="68580" marR="68580" marT="0" marB="0" anchor="b">
+                    <a:lnL w="12700" cap="flat" cmpd="sng" algn="ctr">
+                      <a:solidFill>
+                        <a:srgbClr val="000000"/>
+                      </a:solidFill>
+                      <a:prstDash val="solid"/>
+                      <a:round/>
+                      <a:headEnd type="none" w="med" len="med"/>
+                      <a:tailEnd type="none" w="med" len="med"/>
+                    </a:lnL>
+                    <a:lnR w="12700" cap="flat" cmpd="sng" algn="ctr">
+                      <a:solidFill>
+                        <a:srgbClr val="000000"/>
+                      </a:solidFill>
+                      <a:prstDash val="solid"/>
+                      <a:round/>
+                      <a:headEnd type="none" w="med" len="med"/>
+                      <a:tailEnd type="none" w="med" len="med"/>
+                    </a:lnR>
+                    <a:lnT>
+                      <a:noFill/>
+                    </a:lnT>
+                    <a:lnB w="12700" cap="flat" cmpd="sng" algn="ctr">
+                      <a:solidFill>
+                        <a:srgbClr val="000000"/>
+                      </a:solidFill>
+                      <a:prstDash val="solid"/>
+                      <a:round/>
+                      <a:headEnd type="none" w="med" len="med"/>
+                      <a:tailEnd type="none" w="med" len="med"/>
+                    </a:lnB>
+                  </a:tcPr>
+                </a:tc>
+                <a:tc>
+                  <a:txBody>
+                    <a:bodyPr/>
+                    <a:lstStyle/>
+                    <a:p>
+                      <a:r>
+                        <a:rPr lang="en-IN" sz="900">
+                          <a:solidFill>
+                            <a:srgbClr val="000000"/>
+                          </a:solidFill>
+                          <a:effectLst/>
+                        </a:rPr>
+                        <a:t>kamal </a:t>
+                      </a:r>
+                      <a:endParaRPr lang="en-IN">
+                        <a:effectLst/>
+                      </a:endParaRPr>
+                    </a:p>
+                  </a:txBody>
+                  <a:tcPr marL="68580" marR="68580" marT="0" marB="0" anchor="b">
+                    <a:lnL w="12700" cap="flat" cmpd="sng" algn="ctr">
+                      <a:solidFill>
+                        <a:srgbClr val="000000"/>
+                      </a:solidFill>
+                      <a:prstDash val="solid"/>
+                      <a:round/>
+                      <a:headEnd type="none" w="med" len="med"/>
+                      <a:tailEnd type="none" w="med" len="med"/>
+                    </a:lnL>
+                    <a:lnR w="12700" cap="flat" cmpd="sng" algn="ctr">
+                      <a:solidFill>
+                        <a:srgbClr val="000000"/>
+                      </a:solidFill>
+                      <a:prstDash val="solid"/>
+                      <a:round/>
+                      <a:headEnd type="none" w="med" len="med"/>
+                      <a:tailEnd type="none" w="med" len="med"/>
+                    </a:lnR>
+                    <a:lnT>
+                      <a:noFill/>
+                    </a:lnT>
+                    <a:lnB w="12700" cap="flat" cmpd="sng" algn="ctr">
+                      <a:solidFill>
+                        <a:srgbClr val="000000"/>
+                      </a:solidFill>
+                      <a:prstDash val="solid"/>
+                      <a:round/>
+                      <a:headEnd type="none" w="med" len="med"/>
+                      <a:tailEnd type="none" w="med" len="med"/>
+                    </a:lnB>
+                  </a:tcPr>
+                </a:tc>
+                <a:extLst>
+                  <a:ext uri="{0D108BD9-81ED-4DB2-BD59-A6C34878D82A}">
+                    <a16:rowId xmlns:a16="http://schemas.microsoft.com/office/drawing/2014/main" val="53303343"/>
+                  </a:ext>
+                </a:extLst>
+              </a:tr>
+              <a:tr h="184150">
+                <a:tc>
+                  <a:txBody>
+                    <a:bodyPr/>
+                    <a:lstStyle/>
+                    <a:p>
+                      <a:pPr algn="r"/>
+                      <a:r>
+                        <a:rPr lang="en-IN" sz="900">
+                          <a:solidFill>
+                            <a:srgbClr val="000000"/>
+                          </a:solidFill>
+                          <a:effectLst/>
+                        </a:rPr>
+                        <a:t>890552</a:t>
+                      </a:r>
+                      <a:endParaRPr lang="en-IN">
+                        <a:effectLst/>
+                      </a:endParaRPr>
+                    </a:p>
+                  </a:txBody>
+                  <a:tcPr marL="68580" marR="68580" marT="0" marB="0" anchor="b">
+                    <a:lnL w="12700" cap="flat" cmpd="sng" algn="ctr">
+                      <a:solidFill>
+                        <a:srgbClr val="000000"/>
+                      </a:solidFill>
+                      <a:prstDash val="solid"/>
+                      <a:round/>
+                      <a:headEnd type="none" w="med" len="med"/>
+                      <a:tailEnd type="none" w="med" len="med"/>
+                    </a:lnL>
+                    <a:lnR w="12700" cap="flat" cmpd="sng" algn="ctr">
+                      <a:solidFill>
+                        <a:srgbClr val="000000"/>
+                      </a:solidFill>
+                      <a:prstDash val="solid"/>
+                      <a:round/>
+                      <a:headEnd type="none" w="med" len="med"/>
+                      <a:tailEnd type="none" w="med" len="med"/>
+                    </a:lnR>
+                    <a:lnT w="12700" cap="flat" cmpd="sng" algn="ctr">
+                      <a:solidFill>
+                        <a:srgbClr val="000000"/>
+                      </a:solidFill>
+                      <a:prstDash val="solid"/>
+                      <a:round/>
+                      <a:headEnd type="none" w="med" len="med"/>
+                      <a:tailEnd type="none" w="med" len="med"/>
+                    </a:lnT>
+                    <a:lnB w="12700" cap="flat" cmpd="sng" algn="ctr">
+                      <a:solidFill>
+                        <a:srgbClr val="000000"/>
+                      </a:solidFill>
+                      <a:prstDash val="solid"/>
+                      <a:round/>
+                      <a:headEnd type="none" w="med" len="med"/>
+                      <a:tailEnd type="none" w="med" len="med"/>
+                    </a:lnB>
+                  </a:tcPr>
+                </a:tc>
+                <a:tc>
+                  <a:txBody>
+                    <a:bodyPr/>
+                    <a:lstStyle/>
+                    <a:p>
+                      <a:r>
+                        <a:rPr lang="en-IN" sz="900">
+                          <a:solidFill>
+                            <a:srgbClr val="000000"/>
+                          </a:solidFill>
+                          <a:effectLst/>
+                        </a:rPr>
+                        <a:t>  Dilip</a:t>
+                      </a:r>
+                      <a:endParaRPr lang="en-IN">
+                        <a:effectLst/>
+                      </a:endParaRPr>
+                    </a:p>
+                  </a:txBody>
+                  <a:tcPr marL="68580" marR="68580" marT="0" marB="0" anchor="b">
+                    <a:lnL w="12700" cap="flat" cmpd="sng" algn="ctr">
+                      <a:solidFill>
+                        <a:srgbClr val="000000"/>
+                      </a:solidFill>
+                      <a:prstDash val="solid"/>
+                      <a:round/>
+                      <a:headEnd type="none" w="med" len="med"/>
+                      <a:tailEnd type="none" w="med" len="med"/>
+                    </a:lnL>
+                    <a:lnR w="12700" cap="flat" cmpd="sng" algn="ctr">
+                      <a:solidFill>
+                        <a:srgbClr val="000000"/>
+                      </a:solidFill>
+                      <a:prstDash val="solid"/>
+                      <a:round/>
+                      <a:headEnd type="none" w="med" len="med"/>
+                      <a:tailEnd type="none" w="med" len="med"/>
+                    </a:lnR>
+                    <a:lnT w="12700" cap="flat" cmpd="sng" algn="ctr">
+                      <a:solidFill>
+                        <a:srgbClr val="000000"/>
+                      </a:solidFill>
+                      <a:prstDash val="solid"/>
+                      <a:round/>
+                      <a:headEnd type="none" w="med" len="med"/>
+                      <a:tailEnd type="none" w="med" len="med"/>
+                    </a:lnT>
+                    <a:lnB w="12700" cap="flat" cmpd="sng" algn="ctr">
+                      <a:solidFill>
+                        <a:srgbClr val="000000"/>
+                      </a:solidFill>
+                      <a:prstDash val="solid"/>
+                      <a:round/>
+                      <a:headEnd type="none" w="med" len="med"/>
+                      <a:tailEnd type="none" w="med" len="med"/>
+                    </a:lnB>
+                  </a:tcPr>
+                </a:tc>
+                <a:extLst>
+                  <a:ext uri="{0D108BD9-81ED-4DB2-BD59-A6C34878D82A}">
+                    <a16:rowId xmlns:a16="http://schemas.microsoft.com/office/drawing/2014/main" val="3206043684"/>
+                  </a:ext>
+                </a:extLst>
+              </a:tr>
+              <a:tr h="184150">
+                <a:tc>
+                  <a:txBody>
+                    <a:bodyPr/>
+                    <a:lstStyle/>
+                    <a:p>
+                      <a:pPr algn="r"/>
+                      <a:r>
+                        <a:rPr lang="en-IN" sz="900">
+                          <a:solidFill>
+                            <a:srgbClr val="000000"/>
+                          </a:solidFill>
+                          <a:effectLst/>
+                        </a:rPr>
+                        <a:t>890464</a:t>
+                      </a:r>
+                      <a:endParaRPr lang="en-IN">
+                        <a:effectLst/>
+                      </a:endParaRPr>
+                    </a:p>
+                  </a:txBody>
+                  <a:tcPr marL="68580" marR="68580" marT="0" marB="0" anchor="b">
+                    <a:lnL w="12700" cap="flat" cmpd="sng" algn="ctr">
+                      <a:solidFill>
+                        <a:srgbClr val="000000"/>
+                      </a:solidFill>
+                      <a:prstDash val="solid"/>
+                      <a:round/>
+                      <a:headEnd type="none" w="med" len="med"/>
+                      <a:tailEnd type="none" w="med" len="med"/>
+                    </a:lnL>
+                    <a:lnR w="12700" cap="flat" cmpd="sng" algn="ctr">
+                      <a:solidFill>
+                        <a:srgbClr val="000000"/>
+                      </a:solidFill>
+                      <a:prstDash val="solid"/>
+                      <a:round/>
+                      <a:headEnd type="none" w="med" len="med"/>
+                      <a:tailEnd type="none" w="med" len="med"/>
+                    </a:lnR>
+                    <a:lnT w="12700" cap="flat" cmpd="sng" algn="ctr">
+                      <a:solidFill>
+                        <a:srgbClr val="000000"/>
+                      </a:solidFill>
+                      <a:prstDash val="solid"/>
+                      <a:round/>
+                      <a:headEnd type="none" w="med" len="med"/>
+                      <a:tailEnd type="none" w="med" len="med"/>
+                    </a:lnT>
+                    <a:lnB w="12700" cap="flat" cmpd="sng" algn="ctr">
+                      <a:solidFill>
+                        <a:srgbClr val="000000"/>
+                      </a:solidFill>
+                      <a:prstDash val="solid"/>
+                      <a:round/>
+                      <a:headEnd type="none" w="med" len="med"/>
+                      <a:tailEnd type="none" w="med" len="med"/>
+                    </a:lnB>
+                  </a:tcPr>
+                </a:tc>
+                <a:tc>
+                  <a:txBody>
+                    <a:bodyPr/>
+                    <a:lstStyle/>
+                    <a:p>
+                      <a:r>
+                        <a:rPr lang="en-IN" sz="900">
+                          <a:solidFill>
+                            <a:srgbClr val="000000"/>
+                          </a:solidFill>
+                          <a:effectLst/>
+                        </a:rPr>
+                        <a:t>Fahad Bin Sayeed</a:t>
+                      </a:r>
+                      <a:endParaRPr lang="en-IN">
+                        <a:effectLst/>
+                      </a:endParaRPr>
+                    </a:p>
+                  </a:txBody>
+                  <a:tcPr marL="68580" marR="68580" marT="0" marB="0" anchor="b">
+                    <a:lnL w="12700" cap="flat" cmpd="sng" algn="ctr">
+                      <a:solidFill>
+                        <a:srgbClr val="000000"/>
+                      </a:solidFill>
+                      <a:prstDash val="solid"/>
+                      <a:round/>
+                      <a:headEnd type="none" w="med" len="med"/>
+                      <a:tailEnd type="none" w="med" len="med"/>
+                    </a:lnL>
+                    <a:lnR w="12700" cap="flat" cmpd="sng" algn="ctr">
+                      <a:solidFill>
+                        <a:srgbClr val="000000"/>
+                      </a:solidFill>
+                      <a:prstDash val="solid"/>
+                      <a:round/>
+                      <a:headEnd type="none" w="med" len="med"/>
+                      <a:tailEnd type="none" w="med" len="med"/>
+                    </a:lnR>
+                    <a:lnT w="12700" cap="flat" cmpd="sng" algn="ctr">
+                      <a:solidFill>
+                        <a:srgbClr val="000000"/>
+                      </a:solidFill>
+                      <a:prstDash val="solid"/>
+                      <a:round/>
+                      <a:headEnd type="none" w="med" len="med"/>
+                      <a:tailEnd type="none" w="med" len="med"/>
+                    </a:lnT>
+                    <a:lnB w="12700" cap="flat" cmpd="sng" algn="ctr">
+                      <a:solidFill>
+                        <a:srgbClr val="000000"/>
+                      </a:solidFill>
+                      <a:prstDash val="solid"/>
+                      <a:round/>
+                      <a:headEnd type="none" w="med" len="med"/>
+                      <a:tailEnd type="none" w="med" len="med"/>
+                    </a:lnB>
+                  </a:tcPr>
+                </a:tc>
+                <a:extLst>
+                  <a:ext uri="{0D108BD9-81ED-4DB2-BD59-A6C34878D82A}">
+                    <a16:rowId xmlns:a16="http://schemas.microsoft.com/office/drawing/2014/main" val="303785512"/>
+                  </a:ext>
+                </a:extLst>
+              </a:tr>
+              <a:tr h="184150">
+                <a:tc>
+                  <a:txBody>
+                    <a:bodyPr/>
+                    <a:lstStyle/>
+                    <a:p>
+                      <a:pPr algn="r"/>
+                      <a:r>
+                        <a:rPr lang="en-IN" sz="900">
+                          <a:solidFill>
+                            <a:srgbClr val="000000"/>
+                          </a:solidFill>
+                          <a:effectLst/>
+                        </a:rPr>
+                        <a:t>890761</a:t>
+                      </a:r>
+                      <a:endParaRPr lang="en-IN">
+                        <a:effectLst/>
+                      </a:endParaRPr>
+                    </a:p>
+                  </a:txBody>
+                  <a:tcPr marL="68580" marR="68580" marT="0" marB="0" anchor="b">
+                    <a:lnL w="12700" cap="flat" cmpd="sng" algn="ctr">
+                      <a:solidFill>
+                        <a:srgbClr val="000000"/>
+                      </a:solidFill>
+                      <a:prstDash val="solid"/>
+                      <a:round/>
+                      <a:headEnd type="none" w="med" len="med"/>
+                      <a:tailEnd type="none" w="med" len="med"/>
+                    </a:lnL>
+                    <a:lnR w="12700" cap="flat" cmpd="sng" algn="ctr">
+                      <a:solidFill>
+                        <a:srgbClr val="000000"/>
+                      </a:solidFill>
+                      <a:prstDash val="solid"/>
+                      <a:round/>
+                      <a:headEnd type="none" w="med" len="med"/>
+                      <a:tailEnd type="none" w="med" len="med"/>
+                    </a:lnR>
+                    <a:lnT w="12700" cap="flat" cmpd="sng" algn="ctr">
+                      <a:solidFill>
+                        <a:srgbClr val="000000"/>
+                      </a:solidFill>
+                      <a:prstDash val="solid"/>
+                      <a:round/>
+                      <a:headEnd type="none" w="med" len="med"/>
+                      <a:tailEnd type="none" w="med" len="med"/>
+                    </a:lnT>
+                    <a:lnB w="12700" cap="flat" cmpd="sng" algn="ctr">
+                      <a:solidFill>
+                        <a:srgbClr val="000000"/>
+                      </a:solidFill>
+                      <a:prstDash val="solid"/>
+                      <a:round/>
+                      <a:headEnd type="none" w="med" len="med"/>
+                      <a:tailEnd type="none" w="med" len="med"/>
+                    </a:lnB>
+                  </a:tcPr>
+                </a:tc>
+                <a:tc>
+                  <a:txBody>
+                    <a:bodyPr/>
+                    <a:lstStyle/>
+                    <a:p>
+                      <a:r>
+                        <a:rPr lang="en-IN" sz="900" dirty="0" err="1">
+                          <a:solidFill>
+                            <a:srgbClr val="000000"/>
+                          </a:solidFill>
+                          <a:effectLst/>
+                        </a:rPr>
+                        <a:t>keerthi</a:t>
+                      </a:r>
+                      <a:r>
+                        <a:rPr lang="en-IN" sz="900" dirty="0">
+                          <a:solidFill>
+                            <a:srgbClr val="000000"/>
+                          </a:solidFill>
+                          <a:effectLst/>
+                        </a:rPr>
+                        <a:t> </a:t>
+                      </a:r>
+                      <a:r>
+                        <a:rPr lang="en-IN" sz="900" dirty="0" err="1">
+                          <a:solidFill>
+                            <a:srgbClr val="000000"/>
+                          </a:solidFill>
+                          <a:effectLst/>
+                        </a:rPr>
+                        <a:t>reddy</a:t>
+                      </a:r>
+                      <a:endParaRPr lang="en-IN" dirty="0">
+                        <a:effectLst/>
+                      </a:endParaRPr>
+                    </a:p>
+                  </a:txBody>
+                  <a:tcPr marL="68580" marR="68580" marT="0" marB="0" anchor="b">
+                    <a:lnL w="12700" cap="flat" cmpd="sng" algn="ctr">
+                      <a:solidFill>
+                        <a:srgbClr val="000000"/>
+                      </a:solidFill>
+                      <a:prstDash val="solid"/>
+                      <a:round/>
+                      <a:headEnd type="none" w="med" len="med"/>
+                      <a:tailEnd type="none" w="med" len="med"/>
+                    </a:lnL>
+                    <a:lnR w="12700" cap="flat" cmpd="sng" algn="ctr">
+                      <a:solidFill>
+                        <a:srgbClr val="000000"/>
+                      </a:solidFill>
+                      <a:prstDash val="solid"/>
+                      <a:round/>
+                      <a:headEnd type="none" w="med" len="med"/>
+                      <a:tailEnd type="none" w="med" len="med"/>
+                    </a:lnR>
+                    <a:lnT w="12700" cap="flat" cmpd="sng" algn="ctr">
+                      <a:solidFill>
+                        <a:srgbClr val="000000"/>
+                      </a:solidFill>
+                      <a:prstDash val="solid"/>
+                      <a:round/>
+                      <a:headEnd type="none" w="med" len="med"/>
+                      <a:tailEnd type="none" w="med" len="med"/>
+                    </a:lnT>
+                    <a:lnB w="12700" cap="flat" cmpd="sng" algn="ctr">
+                      <a:solidFill>
+                        <a:srgbClr val="000000"/>
+                      </a:solidFill>
+                      <a:prstDash val="solid"/>
+                      <a:round/>
+                      <a:headEnd type="none" w="med" len="med"/>
+                      <a:tailEnd type="none" w="med" len="med"/>
+                    </a:lnB>
+                  </a:tcPr>
+                </a:tc>
+                <a:extLst>
+                  <a:ext uri="{0D108BD9-81ED-4DB2-BD59-A6C34878D82A}">
+                    <a16:rowId xmlns:a16="http://schemas.microsoft.com/office/drawing/2014/main" val="1404564939"/>
+                  </a:ext>
+                </a:extLst>
+              </a:tr>
+            </a:tbl>
+          </a:graphicData>
+        </a:graphic>
+      </p:graphicFrame>
+    </p:spTree>
+    <p:extLst>
+      <p:ext uri="{BB962C8B-B14F-4D97-AF65-F5344CB8AC3E}">
+        <p14:creationId xmlns:p14="http://schemas.microsoft.com/office/powerpoint/2010/main" val="3250955337"/>
       </p:ext>
     </p:extLst>
   </p:cSld>
